--- a/presentations/Termin2.pptx
+++ b/presentations/Termin2.pptx
@@ -205,7 +205,7 @@
           <a:p>
             <a:fld id="{DC28F4D8-C660-4899-8058-1BF9CEB47D2C}" type="datetimeFigureOut">
               <a:rPr lang="de-DE" smtClean="0"/>
-              <a:t>07.11.2013</a:t>
+              <a:t>20/11/13</a:t>
             </a:fld>
             <a:endParaRPr lang="de-DE"/>
           </a:p>
@@ -364,7 +364,7 @@
           <a:p>
             <a:fld id="{A08DFB80-1F38-4D59-AA65-97BF103C143D}" type="slidenum">
               <a:rPr lang="de-DE" smtClean="0"/>
-              <a:t>‹Nr.›</a:t>
+              <a:t>‹#›</a:t>
             </a:fld>
             <a:endParaRPr lang="de-DE"/>
           </a:p>
@@ -753,7 +753,7 @@
           <a:p>
             <a:fld id="{91E55785-5300-46B5-9E97-5B17FCBCA6BF}" type="datetime1">
               <a:rPr lang="de-DE" smtClean="0"/>
-              <a:t>07.11.2013</a:t>
+              <a:t>20/11/13</a:t>
             </a:fld>
             <a:endParaRPr lang="de-DE"/>
           </a:p>
@@ -986,7 +986,7 @@
           <a:p>
             <a:fld id="{6C6AE60A-B69C-4790-82F7-3882EDF23186}" type="slidenum">
               <a:rPr lang="de-DE" smtClean="0"/>
-              <a:t>‹Nr.›</a:t>
+              <a:t>‹#›</a:t>
             </a:fld>
             <a:endParaRPr lang="de-DE"/>
           </a:p>
@@ -1150,7 +1150,7 @@
           <a:p>
             <a:fld id="{D8F1B4B4-D160-4A82-B400-0BEBC9A36D05}" type="datetime1">
               <a:rPr lang="de-DE" smtClean="0"/>
-              <a:t>07.11.2013</a:t>
+              <a:t>20/11/13</a:t>
             </a:fld>
             <a:endParaRPr lang="de-DE"/>
           </a:p>
@@ -1196,7 +1196,7 @@
           <a:p>
             <a:fld id="{6C6AE60A-B69C-4790-82F7-3882EDF23186}" type="slidenum">
               <a:rPr lang="de-DE" smtClean="0"/>
-              <a:t>‹Nr.›</a:t>
+              <a:t>‹#›</a:t>
             </a:fld>
             <a:endParaRPr lang="de-DE"/>
           </a:p>
@@ -1606,7 +1606,7 @@
           <a:p>
             <a:fld id="{6C6AE60A-B69C-4790-82F7-3882EDF23186}" type="slidenum">
               <a:rPr lang="de-DE" smtClean="0"/>
-              <a:t>‹Nr.›</a:t>
+              <a:t>‹#›</a:t>
             </a:fld>
             <a:endParaRPr lang="de-DE"/>
           </a:p>
@@ -1686,7 +1686,7 @@
           <a:p>
             <a:fld id="{AF94E995-8C14-473E-B25B-20499773789A}" type="datetime1">
               <a:rPr lang="de-DE" smtClean="0"/>
-              <a:t>07.11.2013</a:t>
+              <a:t>20/11/13</a:t>
             </a:fld>
             <a:endParaRPr lang="de-DE"/>
           </a:p>
@@ -1823,7 +1823,7 @@
           <a:p>
             <a:fld id="{D9975B42-5746-47E7-BCC4-BA8FC759085B}" type="datetime1">
               <a:rPr lang="de-DE" smtClean="0"/>
-              <a:t>07.11.2013</a:t>
+              <a:t>20/11/13</a:t>
             </a:fld>
             <a:endParaRPr lang="de-DE"/>
           </a:p>
@@ -1874,7 +1874,7 @@
           <a:p>
             <a:fld id="{6C6AE60A-B69C-4790-82F7-3882EDF23186}" type="slidenum">
               <a:rPr lang="de-DE" smtClean="0"/>
-              <a:t>‹Nr.›</a:t>
+              <a:t>‹#›</a:t>
             </a:fld>
             <a:endParaRPr lang="de-DE"/>
           </a:p>
@@ -2374,7 +2374,7 @@
           <a:p>
             <a:fld id="{1F3D74B1-EC13-4D20-8C9E-1BD6F7645515}" type="datetime1">
               <a:rPr lang="de-DE" smtClean="0"/>
-              <a:t>07.11.2013</a:t>
+              <a:t>20/11/13</a:t>
             </a:fld>
             <a:endParaRPr lang="de-DE"/>
           </a:p>
@@ -2546,7 +2546,7 @@
           <a:p>
             <a:fld id="{6C6AE60A-B69C-4790-82F7-3882EDF23186}" type="slidenum">
               <a:rPr lang="de-DE" smtClean="0"/>
-              <a:t>‹Nr.›</a:t>
+              <a:t>‹#›</a:t>
             </a:fld>
             <a:endParaRPr lang="de-DE"/>
           </a:p>
@@ -2669,7 +2669,7 @@
           <a:p>
             <a:fld id="{0D98AEB1-1E43-4067-B4D6-480134B2962B}" type="datetime1">
               <a:rPr lang="de-DE" smtClean="0"/>
-              <a:t>07.11.2013</a:t>
+              <a:t>20/11/13</a:t>
             </a:fld>
             <a:endParaRPr lang="de-DE"/>
           </a:p>
@@ -2715,7 +2715,7 @@
           <a:p>
             <a:fld id="{6C6AE60A-B69C-4790-82F7-3882EDF23186}" type="slidenum">
               <a:rPr lang="de-DE" smtClean="0"/>
-              <a:t>‹Nr.›</a:t>
+              <a:t>‹#›</a:t>
             </a:fld>
             <a:endParaRPr lang="de-DE"/>
           </a:p>
@@ -3332,7 +3332,7 @@
           <a:p>
             <a:fld id="{FD42DAD2-C3F6-4872-B293-ECCDB5C8AE9A}" type="datetime1">
               <a:rPr lang="de-DE" smtClean="0"/>
-              <a:t>07.11.2013</a:t>
+              <a:t>20/11/13</a:t>
             </a:fld>
             <a:endParaRPr lang="de-DE"/>
           </a:p>
@@ -3678,7 +3678,7 @@
           <a:p>
             <a:fld id="{6C6AE60A-B69C-4790-82F7-3882EDF23186}" type="slidenum">
               <a:rPr lang="de-DE" smtClean="0"/>
-              <a:t>‹Nr.›</a:t>
+              <a:t>‹#›</a:t>
             </a:fld>
             <a:endParaRPr lang="de-DE"/>
           </a:p>
@@ -3772,7 +3772,7 @@
           <a:p>
             <a:fld id="{09E02028-5EEE-4789-8570-1BE9AE513067}" type="datetime1">
               <a:rPr lang="de-DE" smtClean="0"/>
-              <a:t>07.11.2013</a:t>
+              <a:t>20/11/13</a:t>
             </a:fld>
             <a:endParaRPr lang="de-DE"/>
           </a:p>
@@ -3823,7 +3823,7 @@
           <a:p>
             <a:fld id="{6C6AE60A-B69C-4790-82F7-3882EDF23186}" type="slidenum">
               <a:rPr lang="de-DE" smtClean="0"/>
-              <a:t>‹Nr.›</a:t>
+              <a:t>‹#›</a:t>
             </a:fld>
             <a:endParaRPr lang="de-DE"/>
           </a:p>
@@ -4089,7 +4089,7 @@
           <a:p>
             <a:fld id="{B0708C9A-8193-4820-966E-170D1C4993A5}" type="datetime1">
               <a:rPr lang="de-DE" smtClean="0"/>
-              <a:t>07.11.2013</a:t>
+              <a:t>20/11/13</a:t>
             </a:fld>
             <a:endParaRPr lang="de-DE"/>
           </a:p>
@@ -4148,7 +4148,7 @@
           <a:p>
             <a:fld id="{6C6AE60A-B69C-4790-82F7-3882EDF23186}" type="slidenum">
               <a:rPr lang="de-DE" smtClean="0"/>
-              <a:t>‹Nr.›</a:t>
+              <a:t>‹#›</a:t>
             </a:fld>
             <a:endParaRPr lang="de-DE"/>
           </a:p>
@@ -4766,7 +4766,7 @@
           <a:p>
             <a:fld id="{6C6AE60A-B69C-4790-82F7-3882EDF23186}" type="slidenum">
               <a:rPr lang="de-DE" smtClean="0"/>
-              <a:t>‹Nr.›</a:t>
+              <a:t>‹#›</a:t>
             </a:fld>
             <a:endParaRPr lang="de-DE"/>
           </a:p>
@@ -4825,7 +4825,7 @@
           <a:p>
             <a:fld id="{151C5FDD-667B-46E8-95A8-1C6D264F92B9}" type="datetime1">
               <a:rPr lang="de-DE" smtClean="0"/>
-              <a:t>07.11.2013</a:t>
+              <a:t>20/11/13</a:t>
             </a:fld>
             <a:endParaRPr lang="de-DE"/>
           </a:p>
@@ -5304,7 +5304,7 @@
           <a:p>
             <a:fld id="{6C6AE60A-B69C-4790-82F7-3882EDF23186}" type="slidenum">
               <a:rPr lang="de-DE" smtClean="0"/>
-              <a:t>‹Nr.›</a:t>
+              <a:t>‹#›</a:t>
             </a:fld>
             <a:endParaRPr lang="de-DE"/>
           </a:p>
@@ -5493,7 +5493,7 @@
           <a:p>
             <a:fld id="{1F010E65-008E-4268-BD9D-58AEE8FCB328}" type="datetime1">
               <a:rPr lang="de-DE" smtClean="0"/>
-              <a:t>07.11.2013</a:t>
+              <a:t>20/11/13</a:t>
             </a:fld>
             <a:endParaRPr lang="de-DE"/>
           </a:p>
@@ -5770,7 +5770,7 @@
           <a:p>
             <a:fld id="{E237343A-C6E7-4286-9D1B-03ADC669BAF6}" type="datetime1">
               <a:rPr lang="de-DE" smtClean="0"/>
-              <a:t>07.11.2013</a:t>
+              <a:t>20/11/13</a:t>
             </a:fld>
             <a:endParaRPr lang="de-DE"/>
           </a:p>
@@ -6024,7 +6024,7 @@
           <a:p>
             <a:fld id="{6C6AE60A-B69C-4790-82F7-3882EDF23186}" type="slidenum">
               <a:rPr lang="de-DE" smtClean="0"/>
-              <a:t>‹Nr.›</a:t>
+              <a:t>‹#›</a:t>
             </a:fld>
             <a:endParaRPr lang="de-DE"/>
           </a:p>
@@ -6542,7 +6542,7 @@
           <a:p>
             <a:fld id="{38EC115D-7612-4AB0-93EA-ABDEBB281CE9}" type="datetime1">
               <a:rPr lang="de-DE" smtClean="0"/>
-              <a:t>07.11.2013</a:t>
+              <a:t>20/11/13</a:t>
             </a:fld>
             <a:endParaRPr lang="de-DE"/>
           </a:p>
@@ -6607,7 +6607,7 @@
   <p:timing>
     <p:tnLst>
       <p:par>
-        <p:cTn id="1" dur="indefinite" restart="never" nodeType="tmRoot"/>
+        <p:cTn xmlns:p14="http://schemas.microsoft.com/office/powerpoint/2010/main" id="1" dur="indefinite" restart="never" nodeType="tmRoot"/>
       </p:par>
     </p:tnLst>
   </p:timing>
@@ -6717,11 +6717,7 @@
                       </a:r>
                       <a:r>
                         <a:rPr lang="de-DE" baseline="0" dirty="0" smtClean="0"/>
-                        <a:t> (P): Kategorisierung </a:t>
-                      </a:r>
-                      <a:r>
-                        <a:rPr lang="de-DE" baseline="0" dirty="0" smtClean="0"/>
-                        <a:t>der </a:t>
+                        <a:t> (P): Kategorisierung der </a:t>
                       </a:r>
                       <a:r>
                         <a:rPr lang="de-DE" baseline="0" dirty="0" err="1" smtClean="0"/>
@@ -6910,7 +6906,7 @@
           <a:p>
             <a:fld id="{4E4FA9EF-F566-47C8-90BD-AF8BFA3A9ACD}" type="datetime1">
               <a:rPr lang="de-DE" smtClean="0"/>
-              <a:t>07.11.2013</a:t>
+              <a:t>20/11/13</a:t>
             </a:fld>
             <a:endParaRPr lang="de-DE"/>
           </a:p>
@@ -6975,7 +6971,7 @@
   <p:timing>
     <p:tnLst>
       <p:par>
-        <p:cTn id="1" dur="indefinite" restart="never" nodeType="tmRoot"/>
+        <p:cTn xmlns:p14="http://schemas.microsoft.com/office/powerpoint/2010/main" id="1" dur="indefinite" restart="never" nodeType="tmRoot"/>
       </p:par>
     </p:tnLst>
   </p:timing>
@@ -7040,14 +7036,14 @@
             <p:ph sz="quarter" idx="1"/>
             <p:extLst>
               <p:ext uri="{D42A27DB-BD31-4B8C-83A1-F6EECF244321}">
-                <p14:modId xmlns:p14="http://schemas.microsoft.com/office/powerpoint/2010/main" val="3465831927"/>
+                <p14:modId xmlns:p14="http://schemas.microsoft.com/office/powerpoint/2010/main" val="2549239692"/>
               </p:ext>
             </p:extLst>
           </p:nvPr>
         </p:nvGraphicFramePr>
         <p:xfrm>
           <a:off x="301625" y="1527175"/>
-          <a:ext cx="8504238" cy="3139440"/>
+          <a:ext cx="8504238" cy="3388359"/>
         </p:xfrm>
         <a:graphic>
           <a:graphicData uri="http://schemas.openxmlformats.org/drawingml/2006/table">
@@ -7085,11 +7081,7 @@
                       </a:r>
                       <a:r>
                         <a:rPr lang="de-DE" baseline="0" dirty="0" smtClean="0"/>
-                        <a:t> (P): </a:t>
-                      </a:r>
-                      <a:r>
-                        <a:rPr lang="de-DE" baseline="0" dirty="0" smtClean="0"/>
-                        <a:t>Anzeige der Kategorien und Nachrichten auf dem Dashboard</a:t>
+                        <a:t> (P): Anzeige der Kategorien und Nachrichten auf dem Dashboard</a:t>
                       </a:r>
                       <a:endParaRPr lang="de-DE" dirty="0"/>
                     </a:p>
@@ -7117,6 +7109,14 @@
                     <a:bodyPr/>
                     <a:lstStyle/>
                     <a:p>
+                      <a:r>
+                        <a:rPr lang="de-DE" dirty="0" smtClean="0"/>
+                        <a:t>Aufbereitete</a:t>
+                      </a:r>
+                      <a:r>
+                        <a:rPr lang="de-DE" baseline="0" dirty="0" smtClean="0"/>
+                        <a:t> Darstellung von analysierten Social-Media Daten zur Unterstützung der Entscheidungsfindung in Katastrophenfällen</a:t>
+                      </a:r>
                       <a:endParaRPr lang="de-DE" dirty="0"/>
                     </a:p>
                   </a:txBody>
@@ -7143,32 +7143,10 @@
                     <a:bodyPr/>
                     <a:lstStyle/>
                     <a:p>
-                      <a:endParaRPr lang="de-DE" dirty="0"/>
-                    </a:p>
-                  </a:txBody>
-                  <a:tcPr/>
-                </a:tc>
-              </a:tr>
-              <a:tr h="370840">
-                <a:tc>
-                  <a:txBody>
-                    <a:bodyPr/>
-                    <a:lstStyle/>
-                    <a:p>
                       <a:r>
                         <a:rPr lang="de-DE" dirty="0" smtClean="0"/>
-                        <a:t>Auslöser</a:t>
+                        <a:t>Katastrophenschutz-Behörden</a:t>
                       </a:r>
-                      <a:endParaRPr lang="de-DE" dirty="0"/>
-                    </a:p>
-                  </a:txBody>
-                  <a:tcPr/>
-                </a:tc>
-                <a:tc>
-                  <a:txBody>
-                    <a:bodyPr/>
-                    <a:lstStyle/>
-                    <a:p>
                       <a:endParaRPr lang="de-DE" dirty="0"/>
                     </a:p>
                   </a:txBody>
@@ -7195,58 +7173,14 @@
                     <a:bodyPr/>
                     <a:lstStyle/>
                     <a:p>
-                      <a:endParaRPr lang="de-DE" dirty="0"/>
-                    </a:p>
-                  </a:txBody>
-                  <a:tcPr/>
-                </a:tc>
-              </a:tr>
-              <a:tr h="370840">
-                <a:tc>
-                  <a:txBody>
-                    <a:bodyPr/>
-                    <a:lstStyle/>
-                    <a:p>
                       <a:r>
                         <a:rPr lang="de-DE" dirty="0" smtClean="0"/>
-                        <a:t>Nachbedingungen</a:t>
+                        <a:t>Daten müssen extrahiert</a:t>
                       </a:r>
-                      <a:endParaRPr lang="de-DE" dirty="0"/>
-                    </a:p>
-                  </a:txBody>
-                  <a:tcPr/>
-                </a:tc>
-                <a:tc>
-                  <a:txBody>
-                    <a:bodyPr/>
-                    <a:lstStyle/>
-                    <a:p>
-                      <a:endParaRPr lang="de-DE" dirty="0"/>
-                    </a:p>
-                  </a:txBody>
-                  <a:tcPr/>
-                </a:tc>
-              </a:tr>
-              <a:tr h="370840">
-                <a:tc>
-                  <a:txBody>
-                    <a:bodyPr/>
-                    <a:lstStyle/>
-                    <a:p>
                       <a:r>
-                        <a:rPr lang="de-DE" dirty="0" smtClean="0"/>
-                        <a:t>Ausnahmen</a:t>
+                        <a:rPr lang="de-DE" baseline="0" dirty="0" smtClean="0"/>
+                        <a:t> und analysiert sein</a:t>
                       </a:r>
-                      <a:endParaRPr lang="de-DE" dirty="0"/>
-                    </a:p>
-                  </a:txBody>
-                  <a:tcPr/>
-                </a:tc>
-                <a:tc>
-                  <a:txBody>
-                    <a:bodyPr/>
-                    <a:lstStyle/>
-                    <a:p>
                       <a:endParaRPr lang="de-DE" dirty="0"/>
                     </a:p>
                   </a:txBody>
@@ -7274,7 +7208,7 @@
           <a:p>
             <a:fld id="{2257C47D-D1AF-4B35-AF52-53C56B717F8D}" type="datetime1">
               <a:rPr lang="de-DE" smtClean="0"/>
-              <a:t>07.11.2013</a:t>
+              <a:t>20/11/13</a:t>
             </a:fld>
             <a:endParaRPr lang="de-DE"/>
           </a:p>
@@ -7339,7 +7273,7 @@
   <p:timing>
     <p:tnLst>
       <p:par>
-        <p:cTn id="1" dur="indefinite" restart="never" nodeType="tmRoot"/>
+        <p:cTn xmlns:p14="http://schemas.microsoft.com/office/powerpoint/2010/main" id="1" dur="indefinite" restart="never" nodeType="tmRoot"/>
       </p:par>
     </p:tnLst>
   </p:timing>
@@ -7448,7 +7382,7 @@
           <a:p>
             <a:fld id="{31734B00-2FAF-4B34-831E-A6EF974B41A5}" type="datetime1">
               <a:rPr lang="de-DE" smtClean="0"/>
-              <a:t>07.11.2013</a:t>
+              <a:t>20/11/13</a:t>
             </a:fld>
             <a:endParaRPr lang="de-DE"/>
           </a:p>
@@ -7513,7 +7447,7 @@
   <p:timing>
     <p:tnLst>
       <p:par>
-        <p:cTn id="1" dur="indefinite" restart="never" nodeType="tmRoot"/>
+        <p:cTn xmlns:p14="http://schemas.microsoft.com/office/powerpoint/2010/main" id="1" dur="indefinite" restart="never" nodeType="tmRoot"/>
       </p:par>
     </p:tnLst>
   </p:timing>
@@ -7592,7 +7526,7 @@
           <a:p>
             <a:fld id="{CCE248AA-50C9-4C34-8CE9-1E586BA4DD61}" type="datetime1">
               <a:rPr lang="de-DE" smtClean="0"/>
-              <a:t>07.11.2013</a:t>
+              <a:t>20/11/13</a:t>
             </a:fld>
             <a:endParaRPr lang="de-DE"/>
           </a:p>
@@ -7657,7 +7591,7 @@
   <p:timing>
     <p:tnLst>
       <p:par>
-        <p:cTn id="1" dur="indefinite" restart="never" nodeType="tmRoot"/>
+        <p:cTn xmlns:p14="http://schemas.microsoft.com/office/powerpoint/2010/main" id="1" dur="indefinite" restart="never" nodeType="tmRoot"/>
       </p:par>
     </p:tnLst>
   </p:timing>
@@ -7743,7 +7677,7 @@
           <a:p>
             <a:fld id="{BCBDCDC2-3110-4760-9150-6E2A4FABFD1B}" type="datetime1">
               <a:rPr lang="de-DE" smtClean="0"/>
-              <a:t>07.11.2013</a:t>
+              <a:t>20/11/13</a:t>
             </a:fld>
             <a:endParaRPr lang="de-DE"/>
           </a:p>
@@ -7808,7 +7742,7 @@
   <p:timing>
     <p:tnLst>
       <p:par>
-        <p:cTn id="1" dur="indefinite" restart="never" nodeType="tmRoot"/>
+        <p:cTn xmlns:p14="http://schemas.microsoft.com/office/powerpoint/2010/main" id="1" dur="indefinite" restart="never" nodeType="tmRoot"/>
       </p:par>
     </p:tnLst>
   </p:timing>
@@ -7989,7 +7923,7 @@
           <a:p>
             <a:fld id="{5255E928-4514-4A47-B1E6-535DCC9EC10F}" type="datetime1">
               <a:rPr lang="de-DE" smtClean="0"/>
-              <a:t>07.11.2013</a:t>
+              <a:t>20/11/13</a:t>
             </a:fld>
             <a:endParaRPr lang="de-DE"/>
           </a:p>
@@ -8054,7 +7988,7 @@
   <p:timing>
     <p:tnLst>
       <p:par>
-        <p:cTn id="1" dur="indefinite" restart="never" nodeType="tmRoot"/>
+        <p:cTn xmlns:p14="http://schemas.microsoft.com/office/powerpoint/2010/main" id="1" dur="indefinite" restart="never" nodeType="tmRoot"/>
       </p:par>
     </p:tnLst>
   </p:timing>
@@ -8166,7 +8100,7 @@
           <a:p>
             <a:fld id="{070863EC-ACE5-4B9C-8EAD-65B11B8828A5}" type="datetime1">
               <a:rPr lang="de-DE" smtClean="0"/>
-              <a:t>07.11.2013</a:t>
+              <a:t>20/11/13</a:t>
             </a:fld>
             <a:endParaRPr lang="de-DE"/>
           </a:p>
@@ -8231,7 +8165,7 @@
   <p:timing>
     <p:tnLst>
       <p:par>
-        <p:cTn id="1" dur="indefinite" restart="never" nodeType="tmRoot"/>
+        <p:cTn xmlns:p14="http://schemas.microsoft.com/office/powerpoint/2010/main" id="1" dur="indefinite" restart="never" nodeType="tmRoot"/>
       </p:par>
     </p:tnLst>
   </p:timing>
@@ -8347,7 +8281,7 @@
           <a:p>
             <a:fld id="{ED5E3373-AA59-4E4B-9FDE-0A43FC2B7856}" type="datetime1">
               <a:rPr lang="de-DE" smtClean="0"/>
-              <a:t>07.11.2013</a:t>
+              <a:t>20/11/13</a:t>
             </a:fld>
             <a:endParaRPr lang="de-DE"/>
           </a:p>
@@ -8412,7 +8346,7 @@
   <p:timing>
     <p:tnLst>
       <p:par>
-        <p:cTn id="1" dur="indefinite" restart="never" nodeType="tmRoot"/>
+        <p:cTn xmlns:p14="http://schemas.microsoft.com/office/powerpoint/2010/main" id="1" dur="indefinite" restart="never" nodeType="tmRoot"/>
       </p:par>
     </p:tnLst>
   </p:timing>
@@ -8494,7 +8428,7 @@
           <a:p>
             <a:fld id="{E46E5ACF-E732-4E13-B22A-1C6692DC583B}" type="datetime1">
               <a:rPr lang="de-DE" smtClean="0"/>
-              <a:t>07.11.2013</a:t>
+              <a:t>20/11/13</a:t>
             </a:fld>
             <a:endParaRPr lang="de-DE"/>
           </a:p>
@@ -8559,7 +8493,7 @@
   <p:timing>
     <p:tnLst>
       <p:par>
-        <p:cTn id="1" dur="indefinite" restart="never" nodeType="tmRoot"/>
+        <p:cTn xmlns:p14="http://schemas.microsoft.com/office/powerpoint/2010/main" id="1" dur="indefinite" restart="never" nodeType="tmRoot"/>
       </p:par>
     </p:tnLst>
   </p:timing>
@@ -8641,7 +8575,7 @@
           <a:p>
             <a:fld id="{3966C404-421C-40EA-858A-C5FCE080FF13}" type="datetime1">
               <a:rPr lang="de-DE" smtClean="0"/>
-              <a:t>07.11.2013</a:t>
+              <a:t>20/11/13</a:t>
             </a:fld>
             <a:endParaRPr lang="de-DE"/>
           </a:p>
@@ -8706,7 +8640,7 @@
   <p:timing>
     <p:tnLst>
       <p:par>
-        <p:cTn id="1" dur="indefinite" restart="never" nodeType="tmRoot"/>
+        <p:cTn xmlns:p14="http://schemas.microsoft.com/office/powerpoint/2010/main" id="1" dur="indefinite" restart="never" nodeType="tmRoot"/>
       </p:par>
     </p:tnLst>
   </p:timing>
@@ -8821,7 +8755,7 @@
           <a:p>
             <a:fld id="{3569FC43-890F-49A5-813F-8946693AA65C}" type="datetime1">
               <a:rPr lang="de-DE" smtClean="0"/>
-              <a:t>07.11.2013</a:t>
+              <a:t>20/11/13</a:t>
             </a:fld>
             <a:endParaRPr lang="de-DE"/>
           </a:p>
@@ -8886,7 +8820,7 @@
   <p:timing>
     <p:tnLst>
       <p:par>
-        <p:cTn id="1" dur="indefinite" restart="never" nodeType="tmRoot"/>
+        <p:cTn xmlns:p14="http://schemas.microsoft.com/office/powerpoint/2010/main" id="1" dur="indefinite" restart="never" nodeType="tmRoot"/>
       </p:par>
     </p:tnLst>
   </p:timing>
@@ -9235,7 +9169,7 @@
           <a:p>
             <a:fld id="{69BE24FF-C491-40D4-B885-B2E59D6926E8}" type="datetime1">
               <a:rPr lang="de-DE" smtClean="0"/>
-              <a:t>07.11.2013</a:t>
+              <a:t>20/11/13</a:t>
             </a:fld>
             <a:endParaRPr lang="de-DE"/>
           </a:p>
@@ -9300,7 +9234,7 @@
   <p:timing>
     <p:tnLst>
       <p:par>
-        <p:cTn id="1" dur="indefinite" restart="never" nodeType="tmRoot"/>
+        <p:cTn xmlns:p14="http://schemas.microsoft.com/office/powerpoint/2010/main" id="1" dur="indefinite" restart="never" nodeType="tmRoot"/>
       </p:par>
     </p:tnLst>
   </p:timing>
@@ -9365,14 +9299,14 @@
             <p:ph sz="quarter" idx="1"/>
             <p:extLst>
               <p:ext uri="{D42A27DB-BD31-4B8C-83A1-F6EECF244321}">
-                <p14:modId xmlns:p14="http://schemas.microsoft.com/office/powerpoint/2010/main" val="4161803546"/>
+                <p14:modId xmlns:p14="http://schemas.microsoft.com/office/powerpoint/2010/main" val="2659814792"/>
               </p:ext>
             </p:extLst>
           </p:nvPr>
         </p:nvGraphicFramePr>
         <p:xfrm>
           <a:off x="301625" y="1527175"/>
-          <a:ext cx="8504238" cy="4216400"/>
+          <a:ext cx="8504238" cy="3845559"/>
         </p:xfrm>
         <a:graphic>
           <a:graphicData uri="http://schemas.openxmlformats.org/drawingml/2006/table">
@@ -9410,11 +9344,7 @@
                       </a:r>
                       <a:r>
                         <a:rPr lang="de-DE" baseline="0" dirty="0" smtClean="0"/>
-                        <a:t> (P): </a:t>
-                      </a:r>
-                      <a:r>
-                        <a:rPr lang="de-DE" baseline="0" dirty="0" smtClean="0"/>
-                        <a:t>Statisches Abgreifen von </a:t>
+                        <a:t> (P): Statisches Abgreifen von </a:t>
                       </a:r>
                       <a:r>
                         <a:rPr lang="de-DE" baseline="0" dirty="0" err="1" smtClean="0"/>
@@ -9600,32 +9530,6 @@
                   <a:tcPr/>
                 </a:tc>
               </a:tr>
-              <a:tr h="370840">
-                <a:tc>
-                  <a:txBody>
-                    <a:bodyPr/>
-                    <a:lstStyle/>
-                    <a:p>
-                      <a:r>
-                        <a:rPr lang="de-DE" dirty="0" smtClean="0"/>
-                        <a:t>Ausnahmen</a:t>
-                      </a:r>
-                      <a:endParaRPr lang="de-DE" dirty="0"/>
-                    </a:p>
-                  </a:txBody>
-                  <a:tcPr/>
-                </a:tc>
-                <a:tc>
-                  <a:txBody>
-                    <a:bodyPr/>
-                    <a:lstStyle/>
-                    <a:p>
-                      <a:endParaRPr lang="de-DE" dirty="0"/>
-                    </a:p>
-                  </a:txBody>
-                  <a:tcPr/>
-                </a:tc>
-              </a:tr>
             </a:tbl>
           </a:graphicData>
         </a:graphic>
@@ -9647,7 +9551,7 @@
           <a:p>
             <a:fld id="{CA83F623-79C1-47CA-B358-70F39A61B14E}" type="datetime1">
               <a:rPr lang="de-DE" smtClean="0"/>
-              <a:t>07.11.2013</a:t>
+              <a:t>20/11/13</a:t>
             </a:fld>
             <a:endParaRPr lang="de-DE"/>
           </a:p>
@@ -9712,7 +9616,7 @@
   <p:timing>
     <p:tnLst>
       <p:par>
-        <p:cTn id="1" dur="indefinite" restart="never" nodeType="tmRoot"/>
+        <p:cTn xmlns:p14="http://schemas.microsoft.com/office/powerpoint/2010/main" id="1" dur="indefinite" restart="never" nodeType="tmRoot"/>
       </p:par>
     </p:tnLst>
   </p:timing>

--- a/presentations/Termin2.pptx
+++ b/presentations/Termin2.pptx
@@ -5,23 +5,26 @@
     <p:sldMasterId id="2147483732" r:id="rId1"/>
   </p:sldMasterIdLst>
   <p:notesMasterIdLst>
-    <p:notesMasterId r:id="rId16"/>
+    <p:notesMasterId r:id="rId19"/>
   </p:notesMasterIdLst>
   <p:sldIdLst>
     <p:sldId id="256" r:id="rId2"/>
     <p:sldId id="257" r:id="rId3"/>
-    <p:sldId id="258" r:id="rId4"/>
-    <p:sldId id="265" r:id="rId5"/>
-    <p:sldId id="259" r:id="rId6"/>
-    <p:sldId id="260" r:id="rId7"/>
-    <p:sldId id="264" r:id="rId8"/>
-    <p:sldId id="266" r:id="rId9"/>
-    <p:sldId id="267" r:id="rId10"/>
-    <p:sldId id="268" r:id="rId11"/>
-    <p:sldId id="269" r:id="rId12"/>
-    <p:sldId id="261" r:id="rId13"/>
-    <p:sldId id="262" r:id="rId14"/>
-    <p:sldId id="263" r:id="rId15"/>
+    <p:sldId id="272" r:id="rId4"/>
+    <p:sldId id="273" r:id="rId5"/>
+    <p:sldId id="274" r:id="rId6"/>
+    <p:sldId id="259" r:id="rId7"/>
+    <p:sldId id="270" r:id="rId8"/>
+    <p:sldId id="271" r:id="rId9"/>
+    <p:sldId id="260" r:id="rId10"/>
+    <p:sldId id="264" r:id="rId11"/>
+    <p:sldId id="266" r:id="rId12"/>
+    <p:sldId id="267" r:id="rId13"/>
+    <p:sldId id="268" r:id="rId14"/>
+    <p:sldId id="269" r:id="rId15"/>
+    <p:sldId id="261" r:id="rId16"/>
+    <p:sldId id="262" r:id="rId17"/>
+    <p:sldId id="263" r:id="rId18"/>
   </p:sldIdLst>
   <p:sldSz cx="9144000" cy="6858000" type="screen4x3"/>
   <p:notesSz cx="6858000" cy="9144000"/>
@@ -120,6 +123,22 @@
       </a:defRPr>
     </a:lvl9pPr>
   </p:defaultTextStyle>
+  <p:extLst>
+    <p:ext uri="{EFAFB233-063F-42B5-8137-9DF3F51BA10A}">
+      <p15:sldGuideLst xmlns:p15="http://schemas.microsoft.com/office/powerpoint/2012/main">
+        <p15:guide id="1" orient="horz" pos="2160">
+          <p15:clr>
+            <a:srgbClr val="A4A3A4"/>
+          </p15:clr>
+        </p15:guide>
+        <p15:guide id="2" pos="2880">
+          <p15:clr>
+            <a:srgbClr val="A4A3A4"/>
+          </p15:clr>
+        </p15:guide>
+      </p15:sldGuideLst>
+    </p:ext>
+  </p:extLst>
 </p:presentation>
 </file>
 
@@ -205,7 +224,7 @@
           <a:p>
             <a:fld id="{DC28F4D8-C660-4899-8058-1BF9CEB47D2C}" type="datetimeFigureOut">
               <a:rPr lang="de-DE" smtClean="0"/>
-              <a:t>20/11/13</a:t>
+              <a:t>20.11.2013</a:t>
             </a:fld>
             <a:endParaRPr lang="de-DE"/>
           </a:p>
@@ -364,7 +383,7 @@
           <a:p>
             <a:fld id="{A08DFB80-1F38-4D59-AA65-97BF103C143D}" type="slidenum">
               <a:rPr lang="de-DE" smtClean="0"/>
-              <a:t>‹#›</a:t>
+              <a:t>‹Nr.›</a:t>
             </a:fld>
             <a:endParaRPr lang="de-DE"/>
           </a:p>
@@ -753,7 +772,7 @@
           <a:p>
             <a:fld id="{91E55785-5300-46B5-9E97-5B17FCBCA6BF}" type="datetime1">
               <a:rPr lang="de-DE" smtClean="0"/>
-              <a:t>20/11/13</a:t>
+              <a:t>20.11.2013</a:t>
             </a:fld>
             <a:endParaRPr lang="de-DE"/>
           </a:p>
@@ -986,7 +1005,7 @@
           <a:p>
             <a:fld id="{6C6AE60A-B69C-4790-82F7-3882EDF23186}" type="slidenum">
               <a:rPr lang="de-DE" smtClean="0"/>
-              <a:t>‹#›</a:t>
+              <a:t>‹Nr.›</a:t>
             </a:fld>
             <a:endParaRPr lang="de-DE"/>
           </a:p>
@@ -1150,7 +1169,7 @@
           <a:p>
             <a:fld id="{D8F1B4B4-D160-4A82-B400-0BEBC9A36D05}" type="datetime1">
               <a:rPr lang="de-DE" smtClean="0"/>
-              <a:t>20/11/13</a:t>
+              <a:t>20.11.2013</a:t>
             </a:fld>
             <a:endParaRPr lang="de-DE"/>
           </a:p>
@@ -1196,7 +1215,7 @@
           <a:p>
             <a:fld id="{6C6AE60A-B69C-4790-82F7-3882EDF23186}" type="slidenum">
               <a:rPr lang="de-DE" smtClean="0"/>
-              <a:t>‹#›</a:t>
+              <a:t>‹Nr.›</a:t>
             </a:fld>
             <a:endParaRPr lang="de-DE"/>
           </a:p>
@@ -1606,7 +1625,7 @@
           <a:p>
             <a:fld id="{6C6AE60A-B69C-4790-82F7-3882EDF23186}" type="slidenum">
               <a:rPr lang="de-DE" smtClean="0"/>
-              <a:t>‹#›</a:t>
+              <a:t>‹Nr.›</a:t>
             </a:fld>
             <a:endParaRPr lang="de-DE"/>
           </a:p>
@@ -1686,7 +1705,7 @@
           <a:p>
             <a:fld id="{AF94E995-8C14-473E-B25B-20499773789A}" type="datetime1">
               <a:rPr lang="de-DE" smtClean="0"/>
-              <a:t>20/11/13</a:t>
+              <a:t>20.11.2013</a:t>
             </a:fld>
             <a:endParaRPr lang="de-DE"/>
           </a:p>
@@ -1823,7 +1842,7 @@
           <a:p>
             <a:fld id="{D9975B42-5746-47E7-BCC4-BA8FC759085B}" type="datetime1">
               <a:rPr lang="de-DE" smtClean="0"/>
-              <a:t>20/11/13</a:t>
+              <a:t>20.11.2013</a:t>
             </a:fld>
             <a:endParaRPr lang="de-DE"/>
           </a:p>
@@ -1874,7 +1893,7 @@
           <a:p>
             <a:fld id="{6C6AE60A-B69C-4790-82F7-3882EDF23186}" type="slidenum">
               <a:rPr lang="de-DE" smtClean="0"/>
-              <a:t>‹#›</a:t>
+              <a:t>‹Nr.›</a:t>
             </a:fld>
             <a:endParaRPr lang="de-DE"/>
           </a:p>
@@ -2374,7 +2393,7 @@
           <a:p>
             <a:fld id="{1F3D74B1-EC13-4D20-8C9E-1BD6F7645515}" type="datetime1">
               <a:rPr lang="de-DE" smtClean="0"/>
-              <a:t>20/11/13</a:t>
+              <a:t>20.11.2013</a:t>
             </a:fld>
             <a:endParaRPr lang="de-DE"/>
           </a:p>
@@ -2546,7 +2565,7 @@
           <a:p>
             <a:fld id="{6C6AE60A-B69C-4790-82F7-3882EDF23186}" type="slidenum">
               <a:rPr lang="de-DE" smtClean="0"/>
-              <a:t>‹#›</a:t>
+              <a:t>‹Nr.›</a:t>
             </a:fld>
             <a:endParaRPr lang="de-DE"/>
           </a:p>
@@ -2669,7 +2688,7 @@
           <a:p>
             <a:fld id="{0D98AEB1-1E43-4067-B4D6-480134B2962B}" type="datetime1">
               <a:rPr lang="de-DE" smtClean="0"/>
-              <a:t>20/11/13</a:t>
+              <a:t>20.11.2013</a:t>
             </a:fld>
             <a:endParaRPr lang="de-DE"/>
           </a:p>
@@ -2715,7 +2734,7 @@
           <a:p>
             <a:fld id="{6C6AE60A-B69C-4790-82F7-3882EDF23186}" type="slidenum">
               <a:rPr lang="de-DE" smtClean="0"/>
-              <a:t>‹#›</a:t>
+              <a:t>‹Nr.›</a:t>
             </a:fld>
             <a:endParaRPr lang="de-DE"/>
           </a:p>
@@ -3332,7 +3351,7 @@
           <a:p>
             <a:fld id="{FD42DAD2-C3F6-4872-B293-ECCDB5C8AE9A}" type="datetime1">
               <a:rPr lang="de-DE" smtClean="0"/>
-              <a:t>20/11/13</a:t>
+              <a:t>20.11.2013</a:t>
             </a:fld>
             <a:endParaRPr lang="de-DE"/>
           </a:p>
@@ -3678,7 +3697,7 @@
           <a:p>
             <a:fld id="{6C6AE60A-B69C-4790-82F7-3882EDF23186}" type="slidenum">
               <a:rPr lang="de-DE" smtClean="0"/>
-              <a:t>‹#›</a:t>
+              <a:t>‹Nr.›</a:t>
             </a:fld>
             <a:endParaRPr lang="de-DE"/>
           </a:p>
@@ -3772,7 +3791,7 @@
           <a:p>
             <a:fld id="{09E02028-5EEE-4789-8570-1BE9AE513067}" type="datetime1">
               <a:rPr lang="de-DE" smtClean="0"/>
-              <a:t>20/11/13</a:t>
+              <a:t>20.11.2013</a:t>
             </a:fld>
             <a:endParaRPr lang="de-DE"/>
           </a:p>
@@ -3823,7 +3842,7 @@
           <a:p>
             <a:fld id="{6C6AE60A-B69C-4790-82F7-3882EDF23186}" type="slidenum">
               <a:rPr lang="de-DE" smtClean="0"/>
-              <a:t>‹#›</a:t>
+              <a:t>‹Nr.›</a:t>
             </a:fld>
             <a:endParaRPr lang="de-DE"/>
           </a:p>
@@ -4089,7 +4108,7 @@
           <a:p>
             <a:fld id="{B0708C9A-8193-4820-966E-170D1C4993A5}" type="datetime1">
               <a:rPr lang="de-DE" smtClean="0"/>
-              <a:t>20/11/13</a:t>
+              <a:t>20.11.2013</a:t>
             </a:fld>
             <a:endParaRPr lang="de-DE"/>
           </a:p>
@@ -4148,7 +4167,7 @@
           <a:p>
             <a:fld id="{6C6AE60A-B69C-4790-82F7-3882EDF23186}" type="slidenum">
               <a:rPr lang="de-DE" smtClean="0"/>
-              <a:t>‹#›</a:t>
+              <a:t>‹Nr.›</a:t>
             </a:fld>
             <a:endParaRPr lang="de-DE"/>
           </a:p>
@@ -4766,7 +4785,7 @@
           <a:p>
             <a:fld id="{6C6AE60A-B69C-4790-82F7-3882EDF23186}" type="slidenum">
               <a:rPr lang="de-DE" smtClean="0"/>
-              <a:t>‹#›</a:t>
+              <a:t>‹Nr.›</a:t>
             </a:fld>
             <a:endParaRPr lang="de-DE"/>
           </a:p>
@@ -4825,7 +4844,7 @@
           <a:p>
             <a:fld id="{151C5FDD-667B-46E8-95A8-1C6D264F92B9}" type="datetime1">
               <a:rPr lang="de-DE" smtClean="0"/>
-              <a:t>20/11/13</a:t>
+              <a:t>20.11.2013</a:t>
             </a:fld>
             <a:endParaRPr lang="de-DE"/>
           </a:p>
@@ -5304,7 +5323,7 @@
           <a:p>
             <a:fld id="{6C6AE60A-B69C-4790-82F7-3882EDF23186}" type="slidenum">
               <a:rPr lang="de-DE" smtClean="0"/>
-              <a:t>‹#›</a:t>
+              <a:t>‹Nr.›</a:t>
             </a:fld>
             <a:endParaRPr lang="de-DE"/>
           </a:p>
@@ -5493,7 +5512,7 @@
           <a:p>
             <a:fld id="{1F010E65-008E-4268-BD9D-58AEE8FCB328}" type="datetime1">
               <a:rPr lang="de-DE" smtClean="0"/>
-              <a:t>20/11/13</a:t>
+              <a:t>20.11.2013</a:t>
             </a:fld>
             <a:endParaRPr lang="de-DE"/>
           </a:p>
@@ -5770,7 +5789,7 @@
           <a:p>
             <a:fld id="{E237343A-C6E7-4286-9D1B-03ADC669BAF6}" type="datetime1">
               <a:rPr lang="de-DE" smtClean="0"/>
-              <a:t>20/11/13</a:t>
+              <a:t>20.11.2013</a:t>
             </a:fld>
             <a:endParaRPr lang="de-DE"/>
           </a:p>
@@ -6024,7 +6043,7 @@
           <a:p>
             <a:fld id="{6C6AE60A-B69C-4790-82F7-3882EDF23186}" type="slidenum">
               <a:rPr lang="de-DE" smtClean="0"/>
-              <a:t>‹#›</a:t>
+              <a:t>‹Nr.›</a:t>
             </a:fld>
             <a:endParaRPr lang="de-DE"/>
           </a:p>
@@ -6542,7 +6561,7 @@
           <a:p>
             <a:fld id="{38EC115D-7612-4AB0-93EA-ABDEBB281CE9}" type="datetime1">
               <a:rPr lang="de-DE" smtClean="0"/>
-              <a:t>20/11/13</a:t>
+              <a:t>20.11.2013</a:t>
             </a:fld>
             <a:endParaRPr lang="de-DE"/>
           </a:p>
@@ -6607,7 +6626,7 @@
   <p:timing>
     <p:tnLst>
       <p:par>
-        <p:cTn xmlns:p14="http://schemas.microsoft.com/office/powerpoint/2010/main" id="1" dur="indefinite" restart="never" nodeType="tmRoot"/>
+        <p:cTn id="1" dur="indefinite" restart="never" nodeType="tmRoot"/>
       </p:par>
     </p:tnLst>
   </p:timing>
@@ -6647,251 +6666,67 @@
           <a:lstStyle/>
           <a:p>
             <a:r>
-              <a:rPr lang="de-DE" dirty="0" err="1"/>
+              <a:rPr lang="de-DE" dirty="0" smtClean="0"/>
+              <a:t>Prototyp</a:t>
+            </a:r>
+            <a:endParaRPr lang="de-DE" dirty="0"/>
+          </a:p>
+        </p:txBody>
+      </p:sp>
+      <p:sp>
+        <p:nvSpPr>
+          <p:cNvPr id="3" name="Inhaltsplatzhalter 2"/>
+          <p:cNvSpPr>
+            <a:spLocks noGrp="1"/>
+          </p:cNvSpPr>
+          <p:nvPr>
+            <p:ph sz="quarter" idx="1"/>
+          </p:nvPr>
+        </p:nvSpPr>
+        <p:spPr/>
+        <p:txBody>
+          <a:bodyPr/>
+          <a:lstStyle/>
+          <a:p>
+            <a:r>
+              <a:rPr lang="de-DE" dirty="0" smtClean="0"/>
+              <a:t>Abbildung eines </a:t>
+            </a:r>
+            <a:r>
+              <a:rPr lang="de-DE" dirty="0" err="1" smtClean="0"/>
               <a:t>Use</a:t>
             </a:r>
             <a:r>
-              <a:rPr lang="de-DE" dirty="0"/>
-              <a:t>-Case: </a:t>
-            </a:r>
-            <a:r>
               <a:rPr lang="de-DE" dirty="0" smtClean="0"/>
-              <a:t>Analyse</a:t>
-            </a:r>
+              <a:t>-Case durch den aktuellen Stand der Gruppen</a:t>
+            </a:r>
+          </a:p>
+          <a:p>
+            <a:r>
+              <a:rPr lang="de-DE" dirty="0" smtClean="0"/>
+              <a:t>Vertikaler Schnitt durch alle Ebenen</a:t>
+            </a:r>
+          </a:p>
+          <a:p>
+            <a:r>
+              <a:rPr lang="de-DE" dirty="0" smtClean="0"/>
+              <a:t>Fokus auf die Visualisierung der Ergebnisse</a:t>
+            </a:r>
+          </a:p>
+          <a:p>
+            <a:r>
+              <a:rPr lang="de-DE" dirty="0" smtClean="0"/>
+              <a:t>Beschaffung und Analyse funktioniert, aber nicht elementarer Bestandteil des Prototyps</a:t>
+            </a:r>
+          </a:p>
+          <a:p>
             <a:endParaRPr lang="de-DE" dirty="0"/>
           </a:p>
         </p:txBody>
       </p:sp>
-      <p:graphicFrame>
-        <p:nvGraphicFramePr>
-          <p:cNvPr id="4" name="Inhaltsplatzhalter 3"/>
-          <p:cNvGraphicFramePr>
-            <a:graphicFrameLocks noGrp="1"/>
-          </p:cNvGraphicFramePr>
-          <p:nvPr>
-            <p:ph sz="quarter" idx="1"/>
-            <p:extLst>
-              <p:ext uri="{D42A27DB-BD31-4B8C-83A1-F6EECF244321}">
-                <p14:modId xmlns:p14="http://schemas.microsoft.com/office/powerpoint/2010/main" val="2980320787"/>
-              </p:ext>
-            </p:extLst>
-          </p:nvPr>
-        </p:nvGraphicFramePr>
-        <p:xfrm>
-          <a:off x="301625" y="1527175"/>
-          <a:ext cx="8504238" cy="2865120"/>
-        </p:xfrm>
-        <a:graphic>
-          <a:graphicData uri="http://schemas.openxmlformats.org/drawingml/2006/table">
-            <a:tbl>
-              <a:tblPr firstRow="1" bandRow="1">
-                <a:tableStyleId>{5C22544A-7EE6-4342-B048-85BDC9FD1C3A}</a:tableStyleId>
-              </a:tblPr>
-              <a:tblGrid>
-                <a:gridCol w="4252119"/>
-                <a:gridCol w="4252119"/>
-              </a:tblGrid>
-              <a:tr h="370840">
-                <a:tc>
-                  <a:txBody>
-                    <a:bodyPr/>
-                    <a:lstStyle/>
-                    <a:p>
-                      <a:r>
-                        <a:rPr lang="de-DE" dirty="0" smtClean="0"/>
-                        <a:t>ID und Name</a:t>
-                      </a:r>
-                      <a:endParaRPr lang="de-DE" dirty="0"/>
-                    </a:p>
-                  </a:txBody>
-                  <a:tcPr/>
-                </a:tc>
-                <a:tc>
-                  <a:txBody>
-                    <a:bodyPr/>
-                    <a:lstStyle/>
-                    <a:p>
-                      <a:r>
-                        <a:rPr lang="de-DE" dirty="0" smtClean="0"/>
-                        <a:t>UC-1</a:t>
-                      </a:r>
-                      <a:r>
-                        <a:rPr lang="de-DE" baseline="0" dirty="0" smtClean="0"/>
-                        <a:t> (P): Kategorisierung der </a:t>
-                      </a:r>
-                      <a:r>
-                        <a:rPr lang="de-DE" baseline="0" dirty="0" err="1" smtClean="0"/>
-                        <a:t>Tweets</a:t>
-                      </a:r>
-                      <a:endParaRPr lang="de-DE" dirty="0"/>
-                    </a:p>
-                  </a:txBody>
-                  <a:tcPr/>
-                </a:tc>
-              </a:tr>
-              <a:tr h="370840">
-                <a:tc>
-                  <a:txBody>
-                    <a:bodyPr/>
-                    <a:lstStyle/>
-                    <a:p>
-                      <a:r>
-                        <a:rPr lang="de-DE" dirty="0" smtClean="0"/>
-                        <a:t>Beschreibung</a:t>
-                      </a:r>
-                      <a:endParaRPr lang="de-DE" dirty="0"/>
-                    </a:p>
-                  </a:txBody>
-                  <a:tcPr/>
-                </a:tc>
-                <a:tc>
-                  <a:txBody>
-                    <a:bodyPr/>
-                    <a:lstStyle/>
-                    <a:p>
-                      <a:endParaRPr lang="de-DE" dirty="0"/>
-                    </a:p>
-                  </a:txBody>
-                  <a:tcPr/>
-                </a:tc>
-              </a:tr>
-              <a:tr h="370840">
-                <a:tc>
-                  <a:txBody>
-                    <a:bodyPr/>
-                    <a:lstStyle/>
-                    <a:p>
-                      <a:r>
-                        <a:rPr lang="de-DE" dirty="0" smtClean="0"/>
-                        <a:t>Beteiligte Akteure</a:t>
-                      </a:r>
-                      <a:endParaRPr lang="de-DE" dirty="0"/>
-                    </a:p>
-                  </a:txBody>
-                  <a:tcPr/>
-                </a:tc>
-                <a:tc>
-                  <a:txBody>
-                    <a:bodyPr/>
-                    <a:lstStyle/>
-                    <a:p>
-                      <a:endParaRPr lang="de-DE" dirty="0"/>
-                    </a:p>
-                  </a:txBody>
-                  <a:tcPr/>
-                </a:tc>
-              </a:tr>
-              <a:tr h="370840">
-                <a:tc>
-                  <a:txBody>
-                    <a:bodyPr/>
-                    <a:lstStyle/>
-                    <a:p>
-                      <a:r>
-                        <a:rPr lang="de-DE" dirty="0" smtClean="0"/>
-                        <a:t>Auslöser</a:t>
-                      </a:r>
-                      <a:endParaRPr lang="de-DE" dirty="0"/>
-                    </a:p>
-                  </a:txBody>
-                  <a:tcPr/>
-                </a:tc>
-                <a:tc>
-                  <a:txBody>
-                    <a:bodyPr/>
-                    <a:lstStyle/>
-                    <a:p>
-                      <a:endParaRPr lang="de-DE" dirty="0"/>
-                    </a:p>
-                  </a:txBody>
-                  <a:tcPr/>
-                </a:tc>
-              </a:tr>
-              <a:tr h="370840">
-                <a:tc>
-                  <a:txBody>
-                    <a:bodyPr/>
-                    <a:lstStyle/>
-                    <a:p>
-                      <a:r>
-                        <a:rPr lang="de-DE" dirty="0" smtClean="0"/>
-                        <a:t>Vorbedingungen</a:t>
-                      </a:r>
-                      <a:endParaRPr lang="de-DE" dirty="0"/>
-                    </a:p>
-                  </a:txBody>
-                  <a:tcPr/>
-                </a:tc>
-                <a:tc>
-                  <a:txBody>
-                    <a:bodyPr/>
-                    <a:lstStyle/>
-                    <a:p>
-                      <a:endParaRPr lang="de-DE" dirty="0"/>
-                    </a:p>
-                  </a:txBody>
-                  <a:tcPr/>
-                </a:tc>
-              </a:tr>
-              <a:tr h="370840">
-                <a:tc>
-                  <a:txBody>
-                    <a:bodyPr/>
-                    <a:lstStyle/>
-                    <a:p>
-                      <a:r>
-                        <a:rPr lang="de-DE" dirty="0" smtClean="0"/>
-                        <a:t>Nachbedingungen</a:t>
-                      </a:r>
-                      <a:endParaRPr lang="de-DE" dirty="0"/>
-                    </a:p>
-                  </a:txBody>
-                  <a:tcPr/>
-                </a:tc>
-                <a:tc>
-                  <a:txBody>
-                    <a:bodyPr/>
-                    <a:lstStyle/>
-                    <a:p>
-                      <a:endParaRPr lang="de-DE" dirty="0"/>
-                    </a:p>
-                  </a:txBody>
-                  <a:tcPr/>
-                </a:tc>
-              </a:tr>
-              <a:tr h="370840">
-                <a:tc>
-                  <a:txBody>
-                    <a:bodyPr/>
-                    <a:lstStyle/>
-                    <a:p>
-                      <a:r>
-                        <a:rPr lang="de-DE" dirty="0" smtClean="0"/>
-                        <a:t>Ausnahmen</a:t>
-                      </a:r>
-                      <a:endParaRPr lang="de-DE" dirty="0"/>
-                    </a:p>
-                  </a:txBody>
-                  <a:tcPr/>
-                </a:tc>
-                <a:tc>
-                  <a:txBody>
-                    <a:bodyPr/>
-                    <a:lstStyle/>
-                    <a:p>
-                      <a:endParaRPr lang="de-DE" dirty="0"/>
-                    </a:p>
-                  </a:txBody>
-                  <a:tcPr/>
-                </a:tc>
-              </a:tr>
-            </a:tbl>
-          </a:graphicData>
-        </a:graphic>
-      </p:graphicFrame>
-      <p:sp>
-        <p:nvSpPr>
-          <p:cNvPr id="5" name="Datumsplatzhalter 4"/>
+      <p:sp>
+        <p:nvSpPr>
+          <p:cNvPr id="4" name="Datumsplatzhalter 3"/>
           <p:cNvSpPr>
             <a:spLocks noGrp="1"/>
           </p:cNvSpPr>
@@ -6904,9 +6739,9 @@
           <a:bodyPr/>
           <a:lstStyle/>
           <a:p>
-            <a:fld id="{4E4FA9EF-F566-47C8-90BD-AF8BFA3A9ACD}" type="datetime1">
-              <a:rPr lang="de-DE" smtClean="0"/>
-              <a:t>20/11/13</a:t>
+            <a:fld id="{3569FC43-890F-49A5-813F-8946693AA65C}" type="datetime1">
+              <a:rPr lang="de-DE" smtClean="0"/>
+              <a:t>20.11.2013</a:t>
             </a:fld>
             <a:endParaRPr lang="de-DE"/>
           </a:p>
@@ -6914,7 +6749,7 @@
       </p:sp>
       <p:sp>
         <p:nvSpPr>
-          <p:cNvPr id="6" name="Fußzeilenplatzhalter 5"/>
+          <p:cNvPr id="5" name="Fußzeilenplatzhalter 4"/>
           <p:cNvSpPr>
             <a:spLocks noGrp="1"/>
           </p:cNvSpPr>
@@ -6937,7 +6772,7 @@
       </p:sp>
       <p:sp>
         <p:nvSpPr>
-          <p:cNvPr id="7" name="Foliennummernplatzhalter 6"/>
+          <p:cNvPr id="6" name="Foliennummernplatzhalter 5"/>
           <p:cNvSpPr>
             <a:spLocks noGrp="1"/>
           </p:cNvSpPr>
@@ -6953,1855 +6788,6 @@
             <a:fld id="{6C6AE60A-B69C-4790-82F7-3882EDF23186}" type="slidenum">
               <a:rPr lang="de-DE" smtClean="0"/>
               <a:t>10</a:t>
-            </a:fld>
-            <a:endParaRPr lang="de-DE"/>
-          </a:p>
-        </p:txBody>
-      </p:sp>
-    </p:spTree>
-    <p:extLst>
-      <p:ext uri="{BB962C8B-B14F-4D97-AF65-F5344CB8AC3E}">
-        <p14:creationId xmlns:p14="http://schemas.microsoft.com/office/powerpoint/2010/main" val="2072643000"/>
-      </p:ext>
-    </p:extLst>
-  </p:cSld>
-  <p:clrMapOvr>
-    <a:masterClrMapping/>
-  </p:clrMapOvr>
-  <p:timing>
-    <p:tnLst>
-      <p:par>
-        <p:cTn xmlns:p14="http://schemas.microsoft.com/office/powerpoint/2010/main" id="1" dur="indefinite" restart="never" nodeType="tmRoot"/>
-      </p:par>
-    </p:tnLst>
-  </p:timing>
-</p:sld>
-</file>
-
-<file path=ppt/slides/slide11.xml><?xml version="1.0" encoding="utf-8"?>
-<p:sld xmlns:a="http://schemas.openxmlformats.org/drawingml/2006/main" xmlns:r="http://schemas.openxmlformats.org/officeDocument/2006/relationships" xmlns:p="http://schemas.openxmlformats.org/presentationml/2006/main">
-  <p:cSld>
-    <p:spTree>
-      <p:nvGrpSpPr>
-        <p:cNvPr id="1" name=""/>
-        <p:cNvGrpSpPr/>
-        <p:nvPr/>
-      </p:nvGrpSpPr>
-      <p:grpSpPr>
-        <a:xfrm>
-          <a:off x="0" y="0"/>
-          <a:ext cx="0" cy="0"/>
-          <a:chOff x="0" y="0"/>
-          <a:chExt cx="0" cy="0"/>
-        </a:xfrm>
-      </p:grpSpPr>
-      <p:sp>
-        <p:nvSpPr>
-          <p:cNvPr id="2" name="Titel 1"/>
-          <p:cNvSpPr>
-            <a:spLocks noGrp="1"/>
-          </p:cNvSpPr>
-          <p:nvPr>
-            <p:ph type="title"/>
-          </p:nvPr>
-        </p:nvSpPr>
-        <p:spPr/>
-        <p:txBody>
-          <a:bodyPr/>
-          <a:lstStyle/>
-          <a:p>
-            <a:r>
-              <a:rPr lang="de-DE" dirty="0" err="1"/>
-              <a:t>Use</a:t>
-            </a:r>
-            <a:r>
-              <a:rPr lang="de-DE" dirty="0"/>
-              <a:t>-Case: </a:t>
-            </a:r>
-            <a:r>
-              <a:rPr lang="de-DE" dirty="0" smtClean="0"/>
-              <a:t>Visualisierung</a:t>
-            </a:r>
-            <a:endParaRPr lang="de-DE" dirty="0"/>
-          </a:p>
-        </p:txBody>
-      </p:sp>
-      <p:graphicFrame>
-        <p:nvGraphicFramePr>
-          <p:cNvPr id="4" name="Inhaltsplatzhalter 3"/>
-          <p:cNvGraphicFramePr>
-            <a:graphicFrameLocks noGrp="1"/>
-          </p:cNvGraphicFramePr>
-          <p:nvPr>
-            <p:ph sz="quarter" idx="1"/>
-            <p:extLst>
-              <p:ext uri="{D42A27DB-BD31-4B8C-83A1-F6EECF244321}">
-                <p14:modId xmlns:p14="http://schemas.microsoft.com/office/powerpoint/2010/main" val="2549239692"/>
-              </p:ext>
-            </p:extLst>
-          </p:nvPr>
-        </p:nvGraphicFramePr>
-        <p:xfrm>
-          <a:off x="301625" y="1527175"/>
-          <a:ext cx="8504238" cy="3388359"/>
-        </p:xfrm>
-        <a:graphic>
-          <a:graphicData uri="http://schemas.openxmlformats.org/drawingml/2006/table">
-            <a:tbl>
-              <a:tblPr firstRow="1" bandRow="1">
-                <a:tableStyleId>{5C22544A-7EE6-4342-B048-85BDC9FD1C3A}</a:tableStyleId>
-              </a:tblPr>
-              <a:tblGrid>
-                <a:gridCol w="4252119"/>
-                <a:gridCol w="4252119"/>
-              </a:tblGrid>
-              <a:tr h="370840">
-                <a:tc>
-                  <a:txBody>
-                    <a:bodyPr/>
-                    <a:lstStyle/>
-                    <a:p>
-                      <a:r>
-                        <a:rPr lang="de-DE" dirty="0" smtClean="0"/>
-                        <a:t>ID und Name</a:t>
-                      </a:r>
-                      <a:endParaRPr lang="de-DE" dirty="0"/>
-                    </a:p>
-                  </a:txBody>
-                  <a:tcPr/>
-                </a:tc>
-                <a:tc>
-                  <a:txBody>
-                    <a:bodyPr/>
-                    <a:lstStyle/>
-                    <a:p>
-                      <a:r>
-                        <a:rPr lang="de-DE" dirty="0" smtClean="0"/>
-                        <a:t>UC-1</a:t>
-                      </a:r>
-                      <a:r>
-                        <a:rPr lang="de-DE" baseline="0" dirty="0" smtClean="0"/>
-                        <a:t> (P): Anzeige der Kategorien und Nachrichten auf dem Dashboard</a:t>
-                      </a:r>
-                      <a:endParaRPr lang="de-DE" dirty="0"/>
-                    </a:p>
-                  </a:txBody>
-                  <a:tcPr/>
-                </a:tc>
-              </a:tr>
-              <a:tr h="370840">
-                <a:tc>
-                  <a:txBody>
-                    <a:bodyPr/>
-                    <a:lstStyle/>
-                    <a:p>
-                      <a:r>
-                        <a:rPr lang="de-DE" dirty="0" smtClean="0"/>
-                        <a:t>Beschreibung</a:t>
-                      </a:r>
-                      <a:endParaRPr lang="de-DE" dirty="0"/>
-                    </a:p>
-                  </a:txBody>
-                  <a:tcPr/>
-                </a:tc>
-                <a:tc>
-                  <a:txBody>
-                    <a:bodyPr/>
-                    <a:lstStyle/>
-                    <a:p>
-                      <a:r>
-                        <a:rPr lang="de-DE" dirty="0" smtClean="0"/>
-                        <a:t>Aufbereitete</a:t>
-                      </a:r>
-                      <a:r>
-                        <a:rPr lang="de-DE" baseline="0" dirty="0" smtClean="0"/>
-                        <a:t> Darstellung von analysierten Social-Media Daten zur Unterstützung der Entscheidungsfindung in Katastrophenfällen</a:t>
-                      </a:r>
-                      <a:endParaRPr lang="de-DE" dirty="0"/>
-                    </a:p>
-                  </a:txBody>
-                  <a:tcPr/>
-                </a:tc>
-              </a:tr>
-              <a:tr h="370840">
-                <a:tc>
-                  <a:txBody>
-                    <a:bodyPr/>
-                    <a:lstStyle/>
-                    <a:p>
-                      <a:r>
-                        <a:rPr lang="de-DE" dirty="0" smtClean="0"/>
-                        <a:t>Beteiligte Akteure</a:t>
-                      </a:r>
-                      <a:endParaRPr lang="de-DE" dirty="0"/>
-                    </a:p>
-                  </a:txBody>
-                  <a:tcPr/>
-                </a:tc>
-                <a:tc>
-                  <a:txBody>
-                    <a:bodyPr/>
-                    <a:lstStyle/>
-                    <a:p>
-                      <a:r>
-                        <a:rPr lang="de-DE" dirty="0" smtClean="0"/>
-                        <a:t>Katastrophenschutz-Behörden</a:t>
-                      </a:r>
-                      <a:endParaRPr lang="de-DE" dirty="0"/>
-                    </a:p>
-                  </a:txBody>
-                  <a:tcPr/>
-                </a:tc>
-              </a:tr>
-              <a:tr h="370840">
-                <a:tc>
-                  <a:txBody>
-                    <a:bodyPr/>
-                    <a:lstStyle/>
-                    <a:p>
-                      <a:r>
-                        <a:rPr lang="de-DE" dirty="0" smtClean="0"/>
-                        <a:t>Vorbedingungen</a:t>
-                      </a:r>
-                      <a:endParaRPr lang="de-DE" dirty="0"/>
-                    </a:p>
-                  </a:txBody>
-                  <a:tcPr/>
-                </a:tc>
-                <a:tc>
-                  <a:txBody>
-                    <a:bodyPr/>
-                    <a:lstStyle/>
-                    <a:p>
-                      <a:r>
-                        <a:rPr lang="de-DE" dirty="0" smtClean="0"/>
-                        <a:t>Daten müssen extrahiert</a:t>
-                      </a:r>
-                      <a:r>
-                        <a:rPr lang="de-DE" baseline="0" dirty="0" smtClean="0"/>
-                        <a:t> und analysiert sein</a:t>
-                      </a:r>
-                      <a:endParaRPr lang="de-DE" dirty="0"/>
-                    </a:p>
-                  </a:txBody>
-                  <a:tcPr/>
-                </a:tc>
-              </a:tr>
-            </a:tbl>
-          </a:graphicData>
-        </a:graphic>
-      </p:graphicFrame>
-      <p:sp>
-        <p:nvSpPr>
-          <p:cNvPr id="5" name="Datumsplatzhalter 4"/>
-          <p:cNvSpPr>
-            <a:spLocks noGrp="1"/>
-          </p:cNvSpPr>
-          <p:nvPr>
-            <p:ph type="dt" sz="half" idx="10"/>
-          </p:nvPr>
-        </p:nvSpPr>
-        <p:spPr/>
-        <p:txBody>
-          <a:bodyPr/>
-          <a:lstStyle/>
-          <a:p>
-            <a:fld id="{2257C47D-D1AF-4B35-AF52-53C56B717F8D}" type="datetime1">
-              <a:rPr lang="de-DE" smtClean="0"/>
-              <a:t>20/11/13</a:t>
-            </a:fld>
-            <a:endParaRPr lang="de-DE"/>
-          </a:p>
-        </p:txBody>
-      </p:sp>
-      <p:sp>
-        <p:nvSpPr>
-          <p:cNvPr id="6" name="Fußzeilenplatzhalter 5"/>
-          <p:cNvSpPr>
-            <a:spLocks noGrp="1"/>
-          </p:cNvSpPr>
-          <p:nvPr>
-            <p:ph type="ftr" sz="quarter" idx="11"/>
-          </p:nvPr>
-        </p:nvSpPr>
-        <p:spPr/>
-        <p:txBody>
-          <a:bodyPr/>
-          <a:lstStyle/>
-          <a:p>
-            <a:r>
-              <a:rPr lang="de-DE" smtClean="0"/>
-              <a:t>Gruppe 3</a:t>
-            </a:r>
-            <a:endParaRPr lang="de-DE"/>
-          </a:p>
-        </p:txBody>
-      </p:sp>
-      <p:sp>
-        <p:nvSpPr>
-          <p:cNvPr id="7" name="Foliennummernplatzhalter 6"/>
-          <p:cNvSpPr>
-            <a:spLocks noGrp="1"/>
-          </p:cNvSpPr>
-          <p:nvPr>
-            <p:ph type="sldNum" sz="quarter" idx="12"/>
-          </p:nvPr>
-        </p:nvSpPr>
-        <p:spPr/>
-        <p:txBody>
-          <a:bodyPr/>
-          <a:lstStyle/>
-          <a:p>
-            <a:fld id="{6C6AE60A-B69C-4790-82F7-3882EDF23186}" type="slidenum">
-              <a:rPr lang="de-DE" smtClean="0"/>
-              <a:t>11</a:t>
-            </a:fld>
-            <a:endParaRPr lang="de-DE"/>
-          </a:p>
-        </p:txBody>
-      </p:sp>
-    </p:spTree>
-    <p:extLst>
-      <p:ext uri="{BB962C8B-B14F-4D97-AF65-F5344CB8AC3E}">
-        <p14:creationId xmlns:p14="http://schemas.microsoft.com/office/powerpoint/2010/main" val="3125335210"/>
-      </p:ext>
-    </p:extLst>
-  </p:cSld>
-  <p:clrMapOvr>
-    <a:masterClrMapping/>
-  </p:clrMapOvr>
-  <p:timing>
-    <p:tnLst>
-      <p:par>
-        <p:cTn xmlns:p14="http://schemas.microsoft.com/office/powerpoint/2010/main" id="1" dur="indefinite" restart="never" nodeType="tmRoot"/>
-      </p:par>
-    </p:tnLst>
-  </p:timing>
-</p:sld>
-</file>
-
-<file path=ppt/slides/slide12.xml><?xml version="1.0" encoding="utf-8"?>
-<p:sld xmlns:a="http://schemas.openxmlformats.org/drawingml/2006/main" xmlns:r="http://schemas.openxmlformats.org/officeDocument/2006/relationships" xmlns:p="http://schemas.openxmlformats.org/presentationml/2006/main">
-  <p:cSld>
-    <p:spTree>
-      <p:nvGrpSpPr>
-        <p:cNvPr id="1" name=""/>
-        <p:cNvGrpSpPr/>
-        <p:nvPr/>
-      </p:nvGrpSpPr>
-      <p:grpSpPr>
-        <a:xfrm>
-          <a:off x="0" y="0"/>
-          <a:ext cx="0" cy="0"/>
-          <a:chOff x="0" y="0"/>
-          <a:chExt cx="0" cy="0"/>
-        </a:xfrm>
-      </p:grpSpPr>
-      <p:sp>
-        <p:nvSpPr>
-          <p:cNvPr id="2" name="Titel 1"/>
-          <p:cNvSpPr>
-            <a:spLocks noGrp="1"/>
-          </p:cNvSpPr>
-          <p:nvPr>
-            <p:ph type="title"/>
-          </p:nvPr>
-        </p:nvSpPr>
-        <p:spPr/>
-        <p:txBody>
-          <a:bodyPr/>
-          <a:lstStyle/>
-          <a:p>
-            <a:r>
-              <a:rPr lang="de-DE" dirty="0" smtClean="0"/>
-              <a:t>Es folgt …</a:t>
-            </a:r>
-            <a:endParaRPr lang="de-DE" dirty="0"/>
-          </a:p>
-        </p:txBody>
-      </p:sp>
-      <p:sp>
-        <p:nvSpPr>
-          <p:cNvPr id="3" name="Inhaltsplatzhalter 2"/>
-          <p:cNvSpPr>
-            <a:spLocks noGrp="1"/>
-          </p:cNvSpPr>
-          <p:nvPr>
-            <p:ph sz="quarter" idx="1"/>
-          </p:nvPr>
-        </p:nvSpPr>
-        <p:spPr/>
-        <p:txBody>
-          <a:bodyPr/>
-          <a:lstStyle/>
-          <a:p>
-            <a:r>
-              <a:rPr lang="de-DE" dirty="0" smtClean="0"/>
-              <a:t>Live-Demo des Prototypen anhand bisheriger Testdaten</a:t>
-            </a:r>
-          </a:p>
-          <a:p>
-            <a:pPr lvl="1"/>
-            <a:r>
-              <a:rPr lang="de-DE" dirty="0" smtClean="0"/>
-              <a:t>#sturm aus </a:t>
-            </a:r>
-            <a:r>
-              <a:rPr lang="de-DE" dirty="0" err="1" smtClean="0"/>
-              <a:t>Twitter</a:t>
-            </a:r>
-            <a:r>
-              <a:rPr lang="de-DE" dirty="0" smtClean="0"/>
-              <a:t>, vom Orkantief „Christian“</a:t>
-            </a:r>
-          </a:p>
-          <a:p>
-            <a:pPr lvl="1"/>
-            <a:r>
-              <a:rPr lang="de-DE" dirty="0" smtClean="0"/>
-              <a:t>27.10.2013 – 02.11.2013</a:t>
-            </a:r>
-            <a:endParaRPr lang="de-DE" dirty="0"/>
-          </a:p>
-        </p:txBody>
-      </p:sp>
-      <p:sp>
-        <p:nvSpPr>
-          <p:cNvPr id="4" name="Datumsplatzhalter 3"/>
-          <p:cNvSpPr>
-            <a:spLocks noGrp="1"/>
-          </p:cNvSpPr>
-          <p:nvPr>
-            <p:ph type="dt" sz="half" idx="10"/>
-          </p:nvPr>
-        </p:nvSpPr>
-        <p:spPr/>
-        <p:txBody>
-          <a:bodyPr/>
-          <a:lstStyle/>
-          <a:p>
-            <a:fld id="{31734B00-2FAF-4B34-831E-A6EF974B41A5}" type="datetime1">
-              <a:rPr lang="de-DE" smtClean="0"/>
-              <a:t>20/11/13</a:t>
-            </a:fld>
-            <a:endParaRPr lang="de-DE"/>
-          </a:p>
-        </p:txBody>
-      </p:sp>
-      <p:sp>
-        <p:nvSpPr>
-          <p:cNvPr id="5" name="Fußzeilenplatzhalter 4"/>
-          <p:cNvSpPr>
-            <a:spLocks noGrp="1"/>
-          </p:cNvSpPr>
-          <p:nvPr>
-            <p:ph type="ftr" sz="quarter" idx="11"/>
-          </p:nvPr>
-        </p:nvSpPr>
-        <p:spPr/>
-        <p:txBody>
-          <a:bodyPr/>
-          <a:lstStyle/>
-          <a:p>
-            <a:r>
-              <a:rPr lang="de-DE" smtClean="0"/>
-              <a:t>Gruppe 3</a:t>
-            </a:r>
-            <a:endParaRPr lang="de-DE"/>
-          </a:p>
-        </p:txBody>
-      </p:sp>
-      <p:sp>
-        <p:nvSpPr>
-          <p:cNvPr id="6" name="Foliennummernplatzhalter 5"/>
-          <p:cNvSpPr>
-            <a:spLocks noGrp="1"/>
-          </p:cNvSpPr>
-          <p:nvPr>
-            <p:ph type="sldNum" sz="quarter" idx="12"/>
-          </p:nvPr>
-        </p:nvSpPr>
-        <p:spPr/>
-        <p:txBody>
-          <a:bodyPr/>
-          <a:lstStyle/>
-          <a:p>
-            <a:fld id="{6C6AE60A-B69C-4790-82F7-3882EDF23186}" type="slidenum">
-              <a:rPr lang="de-DE" smtClean="0"/>
-              <a:t>12</a:t>
-            </a:fld>
-            <a:endParaRPr lang="de-DE"/>
-          </a:p>
-        </p:txBody>
-      </p:sp>
-    </p:spTree>
-    <p:extLst>
-      <p:ext uri="{BB962C8B-B14F-4D97-AF65-F5344CB8AC3E}">
-        <p14:creationId xmlns:p14="http://schemas.microsoft.com/office/powerpoint/2010/main" val="261710638"/>
-      </p:ext>
-    </p:extLst>
-  </p:cSld>
-  <p:clrMapOvr>
-    <a:masterClrMapping/>
-  </p:clrMapOvr>
-  <p:timing>
-    <p:tnLst>
-      <p:par>
-        <p:cTn xmlns:p14="http://schemas.microsoft.com/office/powerpoint/2010/main" id="1" dur="indefinite" restart="never" nodeType="tmRoot"/>
-      </p:par>
-    </p:tnLst>
-  </p:timing>
-</p:sld>
-</file>
-
-<file path=ppt/slides/slide13.xml><?xml version="1.0" encoding="utf-8"?>
-<p:sld xmlns:a="http://schemas.openxmlformats.org/drawingml/2006/main" xmlns:r="http://schemas.openxmlformats.org/officeDocument/2006/relationships" xmlns:p="http://schemas.openxmlformats.org/presentationml/2006/main">
-  <p:cSld>
-    <p:spTree>
-      <p:nvGrpSpPr>
-        <p:cNvPr id="1" name=""/>
-        <p:cNvGrpSpPr/>
-        <p:nvPr/>
-      </p:nvGrpSpPr>
-      <p:grpSpPr>
-        <a:xfrm>
-          <a:off x="0" y="0"/>
-          <a:ext cx="0" cy="0"/>
-          <a:chOff x="0" y="0"/>
-          <a:chExt cx="0" cy="0"/>
-        </a:xfrm>
-      </p:grpSpPr>
-      <p:sp>
-        <p:nvSpPr>
-          <p:cNvPr id="4" name="Textfeld 3"/>
-          <p:cNvSpPr txBox="1"/>
-          <p:nvPr/>
-        </p:nvSpPr>
-        <p:spPr>
-          <a:xfrm>
-            <a:off x="619197" y="1988840"/>
-            <a:ext cx="7992888" cy="2123658"/>
-          </a:xfrm>
-          <a:prstGeom prst="rect">
-            <a:avLst/>
-          </a:prstGeom>
-          <a:noFill/>
-        </p:spPr>
-        <p:txBody>
-          <a:bodyPr wrap="square" rtlCol="0">
-            <a:spAutoFit/>
-          </a:bodyPr>
-          <a:lstStyle/>
-          <a:p>
-            <a:pPr algn="ctr"/>
-            <a:r>
-              <a:rPr lang="de-DE" sz="4400" dirty="0" smtClean="0"/>
-              <a:t>Haben Sie</a:t>
-            </a:r>
-          </a:p>
-          <a:p>
-            <a:pPr algn="ctr"/>
-            <a:r>
-              <a:rPr lang="de-DE" sz="8800" dirty="0" smtClean="0"/>
-              <a:t>Fragen?</a:t>
-            </a:r>
-            <a:endParaRPr lang="de-DE" sz="8800" dirty="0"/>
-          </a:p>
-        </p:txBody>
-      </p:sp>
-      <p:sp>
-        <p:nvSpPr>
-          <p:cNvPr id="5" name="Datumsplatzhalter 4"/>
-          <p:cNvSpPr>
-            <a:spLocks noGrp="1"/>
-          </p:cNvSpPr>
-          <p:nvPr>
-            <p:ph type="dt" sz="half" idx="10"/>
-          </p:nvPr>
-        </p:nvSpPr>
-        <p:spPr/>
-        <p:txBody>
-          <a:bodyPr/>
-          <a:lstStyle/>
-          <a:p>
-            <a:fld id="{CCE248AA-50C9-4C34-8CE9-1E586BA4DD61}" type="datetime1">
-              <a:rPr lang="de-DE" smtClean="0"/>
-              <a:t>20/11/13</a:t>
-            </a:fld>
-            <a:endParaRPr lang="de-DE"/>
-          </a:p>
-        </p:txBody>
-      </p:sp>
-      <p:sp>
-        <p:nvSpPr>
-          <p:cNvPr id="6" name="Fußzeilenplatzhalter 5"/>
-          <p:cNvSpPr>
-            <a:spLocks noGrp="1"/>
-          </p:cNvSpPr>
-          <p:nvPr>
-            <p:ph type="ftr" sz="quarter" idx="11"/>
-          </p:nvPr>
-        </p:nvSpPr>
-        <p:spPr/>
-        <p:txBody>
-          <a:bodyPr/>
-          <a:lstStyle/>
-          <a:p>
-            <a:r>
-              <a:rPr lang="de-DE" smtClean="0"/>
-              <a:t>Gruppe 3</a:t>
-            </a:r>
-            <a:endParaRPr lang="de-DE"/>
-          </a:p>
-        </p:txBody>
-      </p:sp>
-      <p:sp>
-        <p:nvSpPr>
-          <p:cNvPr id="7" name="Foliennummernplatzhalter 6"/>
-          <p:cNvSpPr>
-            <a:spLocks noGrp="1"/>
-          </p:cNvSpPr>
-          <p:nvPr>
-            <p:ph type="sldNum" sz="quarter" idx="12"/>
-          </p:nvPr>
-        </p:nvSpPr>
-        <p:spPr/>
-        <p:txBody>
-          <a:bodyPr/>
-          <a:lstStyle/>
-          <a:p>
-            <a:fld id="{6C6AE60A-B69C-4790-82F7-3882EDF23186}" type="slidenum">
-              <a:rPr lang="de-DE" smtClean="0"/>
-              <a:t>13</a:t>
-            </a:fld>
-            <a:endParaRPr lang="de-DE"/>
-          </a:p>
-        </p:txBody>
-      </p:sp>
-    </p:spTree>
-    <p:extLst>
-      <p:ext uri="{BB962C8B-B14F-4D97-AF65-F5344CB8AC3E}">
-        <p14:creationId xmlns:p14="http://schemas.microsoft.com/office/powerpoint/2010/main" val="2379468244"/>
-      </p:ext>
-    </p:extLst>
-  </p:cSld>
-  <p:clrMapOvr>
-    <a:masterClrMapping/>
-  </p:clrMapOvr>
-  <p:timing>
-    <p:tnLst>
-      <p:par>
-        <p:cTn xmlns:p14="http://schemas.microsoft.com/office/powerpoint/2010/main" id="1" dur="indefinite" restart="never" nodeType="tmRoot"/>
-      </p:par>
-    </p:tnLst>
-  </p:timing>
-</p:sld>
-</file>
-
-<file path=ppt/slides/slide14.xml><?xml version="1.0" encoding="utf-8"?>
-<p:sld xmlns:a="http://schemas.openxmlformats.org/drawingml/2006/main" xmlns:r="http://schemas.openxmlformats.org/officeDocument/2006/relationships" xmlns:p="http://schemas.openxmlformats.org/presentationml/2006/main">
-  <p:cSld>
-    <p:spTree>
-      <p:nvGrpSpPr>
-        <p:cNvPr id="1" name=""/>
-        <p:cNvGrpSpPr/>
-        <p:nvPr/>
-      </p:nvGrpSpPr>
-      <p:grpSpPr>
-        <a:xfrm>
-          <a:off x="0" y="0"/>
-          <a:ext cx="0" cy="0"/>
-          <a:chOff x="0" y="0"/>
-          <a:chExt cx="0" cy="0"/>
-        </a:xfrm>
-      </p:grpSpPr>
-      <p:sp>
-        <p:nvSpPr>
-          <p:cNvPr id="2" name="Titel 1"/>
-          <p:cNvSpPr>
-            <a:spLocks noGrp="1"/>
-          </p:cNvSpPr>
-          <p:nvPr>
-            <p:ph type="title"/>
-          </p:nvPr>
-        </p:nvSpPr>
-        <p:spPr/>
-        <p:txBody>
-          <a:bodyPr/>
-          <a:lstStyle/>
-          <a:p>
-            <a:r>
-              <a:rPr lang="de-DE" dirty="0" smtClean="0"/>
-              <a:t>Referenzen</a:t>
-            </a:r>
-            <a:endParaRPr lang="de-DE" dirty="0"/>
-          </a:p>
-        </p:txBody>
-      </p:sp>
-      <p:sp>
-        <p:nvSpPr>
-          <p:cNvPr id="3" name="Inhaltsplatzhalter 2"/>
-          <p:cNvSpPr>
-            <a:spLocks noGrp="1"/>
-          </p:cNvSpPr>
-          <p:nvPr>
-            <p:ph sz="quarter" idx="1"/>
-          </p:nvPr>
-        </p:nvSpPr>
-        <p:spPr/>
-        <p:txBody>
-          <a:bodyPr/>
-          <a:lstStyle/>
-          <a:p>
-            <a:r>
-              <a:rPr lang="de-DE" dirty="0"/>
-              <a:t>http://twitter4j.org/en/index.html</a:t>
-            </a:r>
-          </a:p>
-        </p:txBody>
-      </p:sp>
-      <p:sp>
-        <p:nvSpPr>
-          <p:cNvPr id="4" name="Datumsplatzhalter 3"/>
-          <p:cNvSpPr>
-            <a:spLocks noGrp="1"/>
-          </p:cNvSpPr>
-          <p:nvPr>
-            <p:ph type="dt" sz="half" idx="10"/>
-          </p:nvPr>
-        </p:nvSpPr>
-        <p:spPr/>
-        <p:txBody>
-          <a:bodyPr/>
-          <a:lstStyle/>
-          <a:p>
-            <a:fld id="{BCBDCDC2-3110-4760-9150-6E2A4FABFD1B}" type="datetime1">
-              <a:rPr lang="de-DE" smtClean="0"/>
-              <a:t>20/11/13</a:t>
-            </a:fld>
-            <a:endParaRPr lang="de-DE"/>
-          </a:p>
-        </p:txBody>
-      </p:sp>
-      <p:sp>
-        <p:nvSpPr>
-          <p:cNvPr id="5" name="Fußzeilenplatzhalter 4"/>
-          <p:cNvSpPr>
-            <a:spLocks noGrp="1"/>
-          </p:cNvSpPr>
-          <p:nvPr>
-            <p:ph type="ftr" sz="quarter" idx="11"/>
-          </p:nvPr>
-        </p:nvSpPr>
-        <p:spPr/>
-        <p:txBody>
-          <a:bodyPr/>
-          <a:lstStyle/>
-          <a:p>
-            <a:r>
-              <a:rPr lang="de-DE" smtClean="0"/>
-              <a:t>Gruppe 3</a:t>
-            </a:r>
-            <a:endParaRPr lang="de-DE"/>
-          </a:p>
-        </p:txBody>
-      </p:sp>
-      <p:sp>
-        <p:nvSpPr>
-          <p:cNvPr id="6" name="Foliennummernplatzhalter 5"/>
-          <p:cNvSpPr>
-            <a:spLocks noGrp="1"/>
-          </p:cNvSpPr>
-          <p:nvPr>
-            <p:ph type="sldNum" sz="quarter" idx="12"/>
-          </p:nvPr>
-        </p:nvSpPr>
-        <p:spPr/>
-        <p:txBody>
-          <a:bodyPr/>
-          <a:lstStyle/>
-          <a:p>
-            <a:fld id="{6C6AE60A-B69C-4790-82F7-3882EDF23186}" type="slidenum">
-              <a:rPr lang="de-DE" smtClean="0"/>
-              <a:t>14</a:t>
-            </a:fld>
-            <a:endParaRPr lang="de-DE"/>
-          </a:p>
-        </p:txBody>
-      </p:sp>
-    </p:spTree>
-    <p:extLst>
-      <p:ext uri="{BB962C8B-B14F-4D97-AF65-F5344CB8AC3E}">
-        <p14:creationId xmlns:p14="http://schemas.microsoft.com/office/powerpoint/2010/main" val="71294914"/>
-      </p:ext>
-    </p:extLst>
-  </p:cSld>
-  <p:clrMapOvr>
-    <a:masterClrMapping/>
-  </p:clrMapOvr>
-  <p:timing>
-    <p:tnLst>
-      <p:par>
-        <p:cTn xmlns:p14="http://schemas.microsoft.com/office/powerpoint/2010/main" id="1" dur="indefinite" restart="never" nodeType="tmRoot"/>
-      </p:par>
-    </p:tnLst>
-  </p:timing>
-</p:sld>
-</file>
-
-<file path=ppt/slides/slide2.xml><?xml version="1.0" encoding="utf-8"?>
-<p:sld xmlns:a="http://schemas.openxmlformats.org/drawingml/2006/main" xmlns:r="http://schemas.openxmlformats.org/officeDocument/2006/relationships" xmlns:p="http://schemas.openxmlformats.org/presentationml/2006/main">
-  <p:cSld>
-    <p:spTree>
-      <p:nvGrpSpPr>
-        <p:cNvPr id="1" name=""/>
-        <p:cNvGrpSpPr/>
-        <p:nvPr/>
-      </p:nvGrpSpPr>
-      <p:grpSpPr>
-        <a:xfrm>
-          <a:off x="0" y="0"/>
-          <a:ext cx="0" cy="0"/>
-          <a:chOff x="0" y="0"/>
-          <a:chExt cx="0" cy="0"/>
-        </a:xfrm>
-      </p:grpSpPr>
-      <p:sp>
-        <p:nvSpPr>
-          <p:cNvPr id="2" name="Titel 1"/>
-          <p:cNvSpPr>
-            <a:spLocks noGrp="1"/>
-          </p:cNvSpPr>
-          <p:nvPr>
-            <p:ph type="title"/>
-          </p:nvPr>
-        </p:nvSpPr>
-        <p:spPr/>
-        <p:txBody>
-          <a:bodyPr/>
-          <a:lstStyle/>
-          <a:p>
-            <a:r>
-              <a:rPr lang="de-DE" dirty="0" smtClean="0"/>
-              <a:t>Gliederung</a:t>
-            </a:r>
-            <a:endParaRPr lang="de-DE" dirty="0"/>
-          </a:p>
-        </p:txBody>
-      </p:sp>
-      <p:sp>
-        <p:nvSpPr>
-          <p:cNvPr id="3" name="Inhaltsplatzhalter 2"/>
-          <p:cNvSpPr>
-            <a:spLocks noGrp="1"/>
-          </p:cNvSpPr>
-          <p:nvPr>
-            <p:ph sz="quarter" idx="1"/>
-          </p:nvPr>
-        </p:nvSpPr>
-        <p:spPr/>
-        <p:txBody>
-          <a:bodyPr/>
-          <a:lstStyle/>
-          <a:p>
-            <a:r>
-              <a:rPr lang="de-DE" dirty="0" smtClean="0"/>
-              <a:t>Stand der </a:t>
-            </a:r>
-            <a:r>
-              <a:rPr lang="de-DE" b="1" dirty="0" smtClean="0"/>
-              <a:t>Datenbeschaffung</a:t>
-            </a:r>
-          </a:p>
-          <a:p>
-            <a:r>
-              <a:rPr lang="de-DE" dirty="0" smtClean="0"/>
-              <a:t>Stand der </a:t>
-            </a:r>
-            <a:r>
-              <a:rPr lang="de-DE" b="1" dirty="0" smtClean="0"/>
-              <a:t>Datenanalyse</a:t>
-            </a:r>
-          </a:p>
-          <a:p>
-            <a:r>
-              <a:rPr lang="de-DE" dirty="0" smtClean="0"/>
-              <a:t>Stand der </a:t>
-            </a:r>
-            <a:r>
-              <a:rPr lang="de-DE" b="1" dirty="0" smtClean="0"/>
-              <a:t>Datenvisualisierung</a:t>
-            </a:r>
-          </a:p>
-          <a:p>
-            <a:r>
-              <a:rPr lang="de-DE" dirty="0" smtClean="0"/>
-              <a:t>Gemeinsamer </a:t>
-            </a:r>
-            <a:r>
-              <a:rPr lang="de-DE" b="1" dirty="0" smtClean="0"/>
-              <a:t>Prototyp</a:t>
-            </a:r>
-          </a:p>
-          <a:p>
-            <a:r>
-              <a:rPr lang="de-DE" b="1" dirty="0" err="1" smtClean="0"/>
-              <a:t>Use</a:t>
-            </a:r>
-            <a:r>
-              <a:rPr lang="de-DE" b="1" dirty="0" smtClean="0"/>
-              <a:t>-Case für den Prototyp</a:t>
-            </a:r>
-          </a:p>
-          <a:p>
-            <a:pPr lvl="1"/>
-            <a:r>
-              <a:rPr lang="de-DE" b="1" dirty="0" err="1" smtClean="0"/>
-              <a:t>Use</a:t>
-            </a:r>
-            <a:r>
-              <a:rPr lang="de-DE" b="1" dirty="0" smtClean="0"/>
-              <a:t>-Case: Beschaffung</a:t>
-            </a:r>
-          </a:p>
-          <a:p>
-            <a:pPr lvl="1"/>
-            <a:r>
-              <a:rPr lang="de-DE" b="1" dirty="0" err="1" smtClean="0"/>
-              <a:t>Use</a:t>
-            </a:r>
-            <a:r>
-              <a:rPr lang="de-DE" b="1" dirty="0" smtClean="0"/>
-              <a:t>-Case: Analyse</a:t>
-            </a:r>
-          </a:p>
-          <a:p>
-            <a:pPr lvl="1"/>
-            <a:r>
-              <a:rPr lang="de-DE" b="1" dirty="0" err="1" smtClean="0"/>
-              <a:t>Use</a:t>
-            </a:r>
-            <a:r>
-              <a:rPr lang="de-DE" b="1" dirty="0" smtClean="0"/>
-              <a:t>-Case: Visualisierung</a:t>
-            </a:r>
-          </a:p>
-          <a:p>
-            <a:r>
-              <a:rPr lang="de-DE" b="1" dirty="0" smtClean="0"/>
-              <a:t>Live-Demo</a:t>
-            </a:r>
-          </a:p>
-          <a:p>
-            <a:pPr marL="0" indent="0">
-              <a:buNone/>
-            </a:pPr>
-            <a:endParaRPr lang="de-DE" dirty="0" smtClean="0"/>
-          </a:p>
-          <a:p>
-            <a:pPr marL="0" indent="0">
-              <a:buNone/>
-            </a:pPr>
-            <a:endParaRPr lang="de-DE" dirty="0"/>
-          </a:p>
-        </p:txBody>
-      </p:sp>
-      <p:sp>
-        <p:nvSpPr>
-          <p:cNvPr id="4" name="Datumsplatzhalter 3"/>
-          <p:cNvSpPr>
-            <a:spLocks noGrp="1"/>
-          </p:cNvSpPr>
-          <p:nvPr>
-            <p:ph type="dt" sz="half" idx="10"/>
-          </p:nvPr>
-        </p:nvSpPr>
-        <p:spPr/>
-        <p:txBody>
-          <a:bodyPr/>
-          <a:lstStyle/>
-          <a:p>
-            <a:fld id="{5255E928-4514-4A47-B1E6-535DCC9EC10F}" type="datetime1">
-              <a:rPr lang="de-DE" smtClean="0"/>
-              <a:t>20/11/13</a:t>
-            </a:fld>
-            <a:endParaRPr lang="de-DE"/>
-          </a:p>
-        </p:txBody>
-      </p:sp>
-      <p:sp>
-        <p:nvSpPr>
-          <p:cNvPr id="5" name="Fußzeilenplatzhalter 4"/>
-          <p:cNvSpPr>
-            <a:spLocks noGrp="1"/>
-          </p:cNvSpPr>
-          <p:nvPr>
-            <p:ph type="ftr" sz="quarter" idx="11"/>
-          </p:nvPr>
-        </p:nvSpPr>
-        <p:spPr/>
-        <p:txBody>
-          <a:bodyPr/>
-          <a:lstStyle/>
-          <a:p>
-            <a:r>
-              <a:rPr lang="de-DE" smtClean="0"/>
-              <a:t>Gruppe 3</a:t>
-            </a:r>
-            <a:endParaRPr lang="de-DE"/>
-          </a:p>
-        </p:txBody>
-      </p:sp>
-      <p:sp>
-        <p:nvSpPr>
-          <p:cNvPr id="6" name="Foliennummernplatzhalter 5"/>
-          <p:cNvSpPr>
-            <a:spLocks noGrp="1"/>
-          </p:cNvSpPr>
-          <p:nvPr>
-            <p:ph type="sldNum" sz="quarter" idx="12"/>
-          </p:nvPr>
-        </p:nvSpPr>
-        <p:spPr/>
-        <p:txBody>
-          <a:bodyPr/>
-          <a:lstStyle/>
-          <a:p>
-            <a:fld id="{6C6AE60A-B69C-4790-82F7-3882EDF23186}" type="slidenum">
-              <a:rPr lang="de-DE" smtClean="0"/>
-              <a:t>2</a:t>
-            </a:fld>
-            <a:endParaRPr lang="de-DE"/>
-          </a:p>
-        </p:txBody>
-      </p:sp>
-    </p:spTree>
-    <p:extLst>
-      <p:ext uri="{BB962C8B-B14F-4D97-AF65-F5344CB8AC3E}">
-        <p14:creationId xmlns:p14="http://schemas.microsoft.com/office/powerpoint/2010/main" val="1596827633"/>
-      </p:ext>
-    </p:extLst>
-  </p:cSld>
-  <p:clrMapOvr>
-    <a:masterClrMapping/>
-  </p:clrMapOvr>
-  <p:timing>
-    <p:tnLst>
-      <p:par>
-        <p:cTn xmlns:p14="http://schemas.microsoft.com/office/powerpoint/2010/main" id="1" dur="indefinite" restart="never" nodeType="tmRoot"/>
-      </p:par>
-    </p:tnLst>
-  </p:timing>
-</p:sld>
-</file>
-
-<file path=ppt/slides/slide3.xml><?xml version="1.0" encoding="utf-8"?>
-<p:sld xmlns:a="http://schemas.openxmlformats.org/drawingml/2006/main" xmlns:r="http://schemas.openxmlformats.org/officeDocument/2006/relationships" xmlns:p="http://schemas.openxmlformats.org/presentationml/2006/main">
-  <p:cSld>
-    <p:spTree>
-      <p:nvGrpSpPr>
-        <p:cNvPr id="1" name=""/>
-        <p:cNvGrpSpPr/>
-        <p:nvPr/>
-      </p:nvGrpSpPr>
-      <p:grpSpPr>
-        <a:xfrm>
-          <a:off x="0" y="0"/>
-          <a:ext cx="0" cy="0"/>
-          <a:chOff x="0" y="0"/>
-          <a:chExt cx="0" cy="0"/>
-        </a:xfrm>
-      </p:grpSpPr>
-      <p:sp>
-        <p:nvSpPr>
-          <p:cNvPr id="2" name="Titel 1"/>
-          <p:cNvSpPr>
-            <a:spLocks noGrp="1"/>
-          </p:cNvSpPr>
-          <p:nvPr>
-            <p:ph type="title"/>
-          </p:nvPr>
-        </p:nvSpPr>
-        <p:spPr/>
-        <p:txBody>
-          <a:bodyPr/>
-          <a:lstStyle/>
-          <a:p>
-            <a:r>
-              <a:rPr lang="de-DE" dirty="0" smtClean="0"/>
-              <a:t>Datenbeschaffung – momentaner Stand</a:t>
-            </a:r>
-            <a:endParaRPr lang="de-DE" dirty="0"/>
-          </a:p>
-        </p:txBody>
-      </p:sp>
-      <p:sp>
-        <p:nvSpPr>
-          <p:cNvPr id="3" name="Inhaltsplatzhalter 2"/>
-          <p:cNvSpPr>
-            <a:spLocks noGrp="1"/>
-          </p:cNvSpPr>
-          <p:nvPr>
-            <p:ph sz="quarter" idx="1"/>
-          </p:nvPr>
-        </p:nvSpPr>
-        <p:spPr/>
-        <p:txBody>
-          <a:bodyPr/>
-          <a:lstStyle/>
-          <a:p>
-            <a:r>
-              <a:rPr lang="de-DE" dirty="0" smtClean="0"/>
-              <a:t>Manuelles Abgreifen von Daten aus </a:t>
-            </a:r>
-            <a:r>
-              <a:rPr lang="de-DE" dirty="0" err="1" smtClean="0"/>
-              <a:t>Twitter</a:t>
-            </a:r>
-            <a:endParaRPr lang="de-DE" dirty="0" smtClean="0"/>
-          </a:p>
-          <a:p>
-            <a:r>
-              <a:rPr lang="de-DE" dirty="0" smtClean="0"/>
-              <a:t>Schnelle Reaktion auf aktuelle Ereignisse und Trends</a:t>
-            </a:r>
-          </a:p>
-          <a:p>
-            <a:r>
-              <a:rPr lang="de-DE" dirty="0" smtClean="0"/>
-              <a:t>Zugriff über die Search-API und twitter4J-Bibliothek</a:t>
-            </a:r>
-          </a:p>
-          <a:p>
-            <a:r>
-              <a:rPr lang="de-DE" dirty="0" smtClean="0"/>
-              <a:t>Schnittstelle zur Analyse ist festgelegt und wird von beiden Seiten aktiv genutzt</a:t>
-            </a:r>
-          </a:p>
-          <a:p>
-            <a:endParaRPr lang="de-DE" dirty="0"/>
-          </a:p>
-        </p:txBody>
-      </p:sp>
-      <p:sp>
-        <p:nvSpPr>
-          <p:cNvPr id="4" name="Datumsplatzhalter 3"/>
-          <p:cNvSpPr>
-            <a:spLocks noGrp="1"/>
-          </p:cNvSpPr>
-          <p:nvPr>
-            <p:ph type="dt" sz="half" idx="10"/>
-          </p:nvPr>
-        </p:nvSpPr>
-        <p:spPr/>
-        <p:txBody>
-          <a:bodyPr/>
-          <a:lstStyle/>
-          <a:p>
-            <a:fld id="{070863EC-ACE5-4B9C-8EAD-65B11B8828A5}" type="datetime1">
-              <a:rPr lang="de-DE" smtClean="0"/>
-              <a:t>20/11/13</a:t>
-            </a:fld>
-            <a:endParaRPr lang="de-DE"/>
-          </a:p>
-        </p:txBody>
-      </p:sp>
-      <p:sp>
-        <p:nvSpPr>
-          <p:cNvPr id="5" name="Fußzeilenplatzhalter 4"/>
-          <p:cNvSpPr>
-            <a:spLocks noGrp="1"/>
-          </p:cNvSpPr>
-          <p:nvPr>
-            <p:ph type="ftr" sz="quarter" idx="11"/>
-          </p:nvPr>
-        </p:nvSpPr>
-        <p:spPr/>
-        <p:txBody>
-          <a:bodyPr/>
-          <a:lstStyle/>
-          <a:p>
-            <a:r>
-              <a:rPr lang="de-DE" smtClean="0"/>
-              <a:t>Gruppe 3</a:t>
-            </a:r>
-            <a:endParaRPr lang="de-DE"/>
-          </a:p>
-        </p:txBody>
-      </p:sp>
-      <p:sp>
-        <p:nvSpPr>
-          <p:cNvPr id="6" name="Foliennummernplatzhalter 5"/>
-          <p:cNvSpPr>
-            <a:spLocks noGrp="1"/>
-          </p:cNvSpPr>
-          <p:nvPr>
-            <p:ph type="sldNum" sz="quarter" idx="12"/>
-          </p:nvPr>
-        </p:nvSpPr>
-        <p:spPr/>
-        <p:txBody>
-          <a:bodyPr/>
-          <a:lstStyle/>
-          <a:p>
-            <a:fld id="{6C6AE60A-B69C-4790-82F7-3882EDF23186}" type="slidenum">
-              <a:rPr lang="de-DE" smtClean="0"/>
-              <a:t>3</a:t>
-            </a:fld>
-            <a:endParaRPr lang="de-DE"/>
-          </a:p>
-        </p:txBody>
-      </p:sp>
-    </p:spTree>
-    <p:extLst>
-      <p:ext uri="{BB962C8B-B14F-4D97-AF65-F5344CB8AC3E}">
-        <p14:creationId xmlns:p14="http://schemas.microsoft.com/office/powerpoint/2010/main" val="3209482015"/>
-      </p:ext>
-    </p:extLst>
-  </p:cSld>
-  <p:clrMapOvr>
-    <a:masterClrMapping/>
-  </p:clrMapOvr>
-  <p:timing>
-    <p:tnLst>
-      <p:par>
-        <p:cTn xmlns:p14="http://schemas.microsoft.com/office/powerpoint/2010/main" id="1" dur="indefinite" restart="never" nodeType="tmRoot"/>
-      </p:par>
-    </p:tnLst>
-  </p:timing>
-</p:sld>
-</file>
-
-<file path=ppt/slides/slide4.xml><?xml version="1.0" encoding="utf-8"?>
-<p:sld xmlns:a="http://schemas.openxmlformats.org/drawingml/2006/main" xmlns:r="http://schemas.openxmlformats.org/officeDocument/2006/relationships" xmlns:p="http://schemas.openxmlformats.org/presentationml/2006/main">
-  <p:cSld>
-    <p:spTree>
-      <p:nvGrpSpPr>
-        <p:cNvPr id="1" name=""/>
-        <p:cNvGrpSpPr/>
-        <p:nvPr/>
-      </p:nvGrpSpPr>
-      <p:grpSpPr>
-        <a:xfrm>
-          <a:off x="0" y="0"/>
-          <a:ext cx="0" cy="0"/>
-          <a:chOff x="0" y="0"/>
-          <a:chExt cx="0" cy="0"/>
-        </a:xfrm>
-      </p:grpSpPr>
-      <p:sp>
-        <p:nvSpPr>
-          <p:cNvPr id="2" name="Titel 1"/>
-          <p:cNvSpPr>
-            <a:spLocks noGrp="1"/>
-          </p:cNvSpPr>
-          <p:nvPr>
-            <p:ph type="title"/>
-          </p:nvPr>
-        </p:nvSpPr>
-        <p:spPr/>
-        <p:txBody>
-          <a:bodyPr/>
-          <a:lstStyle/>
-          <a:p>
-            <a:r>
-              <a:rPr lang="de-DE" dirty="0" smtClean="0"/>
-              <a:t>Datenbeschaffung - Ausblick</a:t>
-            </a:r>
-            <a:endParaRPr lang="de-DE" dirty="0"/>
-          </a:p>
-        </p:txBody>
-      </p:sp>
-      <p:sp>
-        <p:nvSpPr>
-          <p:cNvPr id="3" name="Inhaltsplatzhalter 2"/>
-          <p:cNvSpPr>
-            <a:spLocks noGrp="1"/>
-          </p:cNvSpPr>
-          <p:nvPr>
-            <p:ph sz="quarter" idx="1"/>
-          </p:nvPr>
-        </p:nvSpPr>
-        <p:spPr/>
-        <p:txBody>
-          <a:bodyPr/>
-          <a:lstStyle/>
-          <a:p>
-            <a:r>
-              <a:rPr lang="de-DE" dirty="0" smtClean="0"/>
-              <a:t>Implementierung der Streaming-API von </a:t>
-            </a:r>
-            <a:r>
-              <a:rPr lang="de-DE" dirty="0" err="1" smtClean="0"/>
-              <a:t>Twitter</a:t>
-            </a:r>
-            <a:endParaRPr lang="de-DE" dirty="0" smtClean="0"/>
-          </a:p>
-          <a:p>
-            <a:r>
-              <a:rPr lang="de-DE" dirty="0" smtClean="0"/>
-              <a:t>Feedback-Mechanismus durch stetig aktualisierte Stichworte</a:t>
-            </a:r>
-          </a:p>
-          <a:p>
-            <a:r>
-              <a:rPr lang="de-DE" dirty="0" smtClean="0"/>
-              <a:t>Dauerhaft, als Dienst, laufendes Programm</a:t>
-            </a:r>
-          </a:p>
-          <a:p>
-            <a:r>
-              <a:rPr lang="de-DE" dirty="0" smtClean="0"/>
-              <a:t>Bei parallelen Ereignissen</a:t>
-            </a:r>
-          </a:p>
-          <a:p>
-            <a:pPr lvl="1"/>
-            <a:r>
-              <a:rPr lang="de-DE" dirty="0" smtClean="0"/>
-              <a:t>Mehrere (Such)Anfragen und Schreiben in verschiedene Tabellen</a:t>
-            </a:r>
-          </a:p>
-        </p:txBody>
-      </p:sp>
-      <p:sp>
-        <p:nvSpPr>
-          <p:cNvPr id="4" name="Datumsplatzhalter 3"/>
-          <p:cNvSpPr>
-            <a:spLocks noGrp="1"/>
-          </p:cNvSpPr>
-          <p:nvPr>
-            <p:ph type="dt" sz="half" idx="10"/>
-          </p:nvPr>
-        </p:nvSpPr>
-        <p:spPr/>
-        <p:txBody>
-          <a:bodyPr/>
-          <a:lstStyle/>
-          <a:p>
-            <a:fld id="{ED5E3373-AA59-4E4B-9FDE-0A43FC2B7856}" type="datetime1">
-              <a:rPr lang="de-DE" smtClean="0"/>
-              <a:t>20/11/13</a:t>
-            </a:fld>
-            <a:endParaRPr lang="de-DE"/>
-          </a:p>
-        </p:txBody>
-      </p:sp>
-      <p:sp>
-        <p:nvSpPr>
-          <p:cNvPr id="5" name="Fußzeilenplatzhalter 4"/>
-          <p:cNvSpPr>
-            <a:spLocks noGrp="1"/>
-          </p:cNvSpPr>
-          <p:nvPr>
-            <p:ph type="ftr" sz="quarter" idx="11"/>
-          </p:nvPr>
-        </p:nvSpPr>
-        <p:spPr/>
-        <p:txBody>
-          <a:bodyPr/>
-          <a:lstStyle/>
-          <a:p>
-            <a:r>
-              <a:rPr lang="de-DE" smtClean="0"/>
-              <a:t>Gruppe 3</a:t>
-            </a:r>
-            <a:endParaRPr lang="de-DE"/>
-          </a:p>
-        </p:txBody>
-      </p:sp>
-      <p:sp>
-        <p:nvSpPr>
-          <p:cNvPr id="6" name="Foliennummernplatzhalter 5"/>
-          <p:cNvSpPr>
-            <a:spLocks noGrp="1"/>
-          </p:cNvSpPr>
-          <p:nvPr>
-            <p:ph type="sldNum" sz="quarter" idx="12"/>
-          </p:nvPr>
-        </p:nvSpPr>
-        <p:spPr/>
-        <p:txBody>
-          <a:bodyPr/>
-          <a:lstStyle/>
-          <a:p>
-            <a:fld id="{6C6AE60A-B69C-4790-82F7-3882EDF23186}" type="slidenum">
-              <a:rPr lang="de-DE" smtClean="0"/>
-              <a:t>4</a:t>
-            </a:fld>
-            <a:endParaRPr lang="de-DE"/>
-          </a:p>
-        </p:txBody>
-      </p:sp>
-    </p:spTree>
-    <p:extLst>
-      <p:ext uri="{BB962C8B-B14F-4D97-AF65-F5344CB8AC3E}">
-        <p14:creationId xmlns:p14="http://schemas.microsoft.com/office/powerpoint/2010/main" val="3174850910"/>
-      </p:ext>
-    </p:extLst>
-  </p:cSld>
-  <p:clrMapOvr>
-    <a:masterClrMapping/>
-  </p:clrMapOvr>
-  <p:timing>
-    <p:tnLst>
-      <p:par>
-        <p:cTn xmlns:p14="http://schemas.microsoft.com/office/powerpoint/2010/main" id="1" dur="indefinite" restart="never" nodeType="tmRoot"/>
-      </p:par>
-    </p:tnLst>
-  </p:timing>
-</p:sld>
-</file>
-
-<file path=ppt/slides/slide5.xml><?xml version="1.0" encoding="utf-8"?>
-<p:sld xmlns:a="http://schemas.openxmlformats.org/drawingml/2006/main" xmlns:r="http://schemas.openxmlformats.org/officeDocument/2006/relationships" xmlns:p="http://schemas.openxmlformats.org/presentationml/2006/main">
-  <p:cSld>
-    <p:spTree>
-      <p:nvGrpSpPr>
-        <p:cNvPr id="1" name=""/>
-        <p:cNvGrpSpPr/>
-        <p:nvPr/>
-      </p:nvGrpSpPr>
-      <p:grpSpPr>
-        <a:xfrm>
-          <a:off x="0" y="0"/>
-          <a:ext cx="0" cy="0"/>
-          <a:chOff x="0" y="0"/>
-          <a:chExt cx="0" cy="0"/>
-        </a:xfrm>
-      </p:grpSpPr>
-      <p:sp>
-        <p:nvSpPr>
-          <p:cNvPr id="2" name="Titel 1"/>
-          <p:cNvSpPr>
-            <a:spLocks noGrp="1"/>
-          </p:cNvSpPr>
-          <p:nvPr>
-            <p:ph type="title"/>
-          </p:nvPr>
-        </p:nvSpPr>
-        <p:spPr/>
-        <p:txBody>
-          <a:bodyPr/>
-          <a:lstStyle/>
-          <a:p>
-            <a:r>
-              <a:rPr lang="de-DE" dirty="0"/>
-              <a:t>Datenanalyse</a:t>
-            </a:r>
-          </a:p>
-        </p:txBody>
-      </p:sp>
-      <p:sp>
-        <p:nvSpPr>
-          <p:cNvPr id="3" name="Inhaltsplatzhalter 2"/>
-          <p:cNvSpPr>
-            <a:spLocks noGrp="1"/>
-          </p:cNvSpPr>
-          <p:nvPr>
-            <p:ph sz="quarter" idx="1"/>
-          </p:nvPr>
-        </p:nvSpPr>
-        <p:spPr/>
-        <p:txBody>
-          <a:bodyPr/>
-          <a:lstStyle/>
-          <a:p>
-            <a:endParaRPr lang="de-DE"/>
-          </a:p>
-        </p:txBody>
-      </p:sp>
-      <p:sp>
-        <p:nvSpPr>
-          <p:cNvPr id="4" name="Datumsplatzhalter 3"/>
-          <p:cNvSpPr>
-            <a:spLocks noGrp="1"/>
-          </p:cNvSpPr>
-          <p:nvPr>
-            <p:ph type="dt" sz="half" idx="10"/>
-          </p:nvPr>
-        </p:nvSpPr>
-        <p:spPr/>
-        <p:txBody>
-          <a:bodyPr/>
-          <a:lstStyle/>
-          <a:p>
-            <a:fld id="{E46E5ACF-E732-4E13-B22A-1C6692DC583B}" type="datetime1">
-              <a:rPr lang="de-DE" smtClean="0"/>
-              <a:t>20/11/13</a:t>
-            </a:fld>
-            <a:endParaRPr lang="de-DE"/>
-          </a:p>
-        </p:txBody>
-      </p:sp>
-      <p:sp>
-        <p:nvSpPr>
-          <p:cNvPr id="5" name="Fußzeilenplatzhalter 4"/>
-          <p:cNvSpPr>
-            <a:spLocks noGrp="1"/>
-          </p:cNvSpPr>
-          <p:nvPr>
-            <p:ph type="ftr" sz="quarter" idx="11"/>
-          </p:nvPr>
-        </p:nvSpPr>
-        <p:spPr/>
-        <p:txBody>
-          <a:bodyPr/>
-          <a:lstStyle/>
-          <a:p>
-            <a:r>
-              <a:rPr lang="de-DE" smtClean="0"/>
-              <a:t>Gruppe 3</a:t>
-            </a:r>
-            <a:endParaRPr lang="de-DE"/>
-          </a:p>
-        </p:txBody>
-      </p:sp>
-      <p:sp>
-        <p:nvSpPr>
-          <p:cNvPr id="6" name="Foliennummernplatzhalter 5"/>
-          <p:cNvSpPr>
-            <a:spLocks noGrp="1"/>
-          </p:cNvSpPr>
-          <p:nvPr>
-            <p:ph type="sldNum" sz="quarter" idx="12"/>
-          </p:nvPr>
-        </p:nvSpPr>
-        <p:spPr/>
-        <p:txBody>
-          <a:bodyPr/>
-          <a:lstStyle/>
-          <a:p>
-            <a:fld id="{6C6AE60A-B69C-4790-82F7-3882EDF23186}" type="slidenum">
-              <a:rPr lang="de-DE" smtClean="0"/>
-              <a:t>5</a:t>
-            </a:fld>
-            <a:endParaRPr lang="de-DE"/>
-          </a:p>
-        </p:txBody>
-      </p:sp>
-    </p:spTree>
-    <p:extLst>
-      <p:ext uri="{BB962C8B-B14F-4D97-AF65-F5344CB8AC3E}">
-        <p14:creationId xmlns:p14="http://schemas.microsoft.com/office/powerpoint/2010/main" val="1631816806"/>
-      </p:ext>
-    </p:extLst>
-  </p:cSld>
-  <p:clrMapOvr>
-    <a:masterClrMapping/>
-  </p:clrMapOvr>
-  <p:timing>
-    <p:tnLst>
-      <p:par>
-        <p:cTn xmlns:p14="http://schemas.microsoft.com/office/powerpoint/2010/main" id="1" dur="indefinite" restart="never" nodeType="tmRoot"/>
-      </p:par>
-    </p:tnLst>
-  </p:timing>
-</p:sld>
-</file>
-
-<file path=ppt/slides/slide6.xml><?xml version="1.0" encoding="utf-8"?>
-<p:sld xmlns:a="http://schemas.openxmlformats.org/drawingml/2006/main" xmlns:r="http://schemas.openxmlformats.org/officeDocument/2006/relationships" xmlns:p="http://schemas.openxmlformats.org/presentationml/2006/main">
-  <p:cSld>
-    <p:spTree>
-      <p:nvGrpSpPr>
-        <p:cNvPr id="1" name=""/>
-        <p:cNvGrpSpPr/>
-        <p:nvPr/>
-      </p:nvGrpSpPr>
-      <p:grpSpPr>
-        <a:xfrm>
-          <a:off x="0" y="0"/>
-          <a:ext cx="0" cy="0"/>
-          <a:chOff x="0" y="0"/>
-          <a:chExt cx="0" cy="0"/>
-        </a:xfrm>
-      </p:grpSpPr>
-      <p:sp>
-        <p:nvSpPr>
-          <p:cNvPr id="2" name="Titel 1"/>
-          <p:cNvSpPr>
-            <a:spLocks noGrp="1"/>
-          </p:cNvSpPr>
-          <p:nvPr>
-            <p:ph type="title"/>
-          </p:nvPr>
-        </p:nvSpPr>
-        <p:spPr/>
-        <p:txBody>
-          <a:bodyPr/>
-          <a:lstStyle/>
-          <a:p>
-            <a:r>
-              <a:rPr lang="de-DE" dirty="0"/>
-              <a:t>Datenvisualisierung</a:t>
-            </a:r>
-          </a:p>
-        </p:txBody>
-      </p:sp>
-      <p:sp>
-        <p:nvSpPr>
-          <p:cNvPr id="3" name="Inhaltsplatzhalter 2"/>
-          <p:cNvSpPr>
-            <a:spLocks noGrp="1"/>
-          </p:cNvSpPr>
-          <p:nvPr>
-            <p:ph sz="quarter" idx="1"/>
-          </p:nvPr>
-        </p:nvSpPr>
-        <p:spPr/>
-        <p:txBody>
-          <a:bodyPr/>
-          <a:lstStyle/>
-          <a:p>
-            <a:endParaRPr lang="de-DE"/>
-          </a:p>
-        </p:txBody>
-      </p:sp>
-      <p:sp>
-        <p:nvSpPr>
-          <p:cNvPr id="4" name="Datumsplatzhalter 3"/>
-          <p:cNvSpPr>
-            <a:spLocks noGrp="1"/>
-          </p:cNvSpPr>
-          <p:nvPr>
-            <p:ph type="dt" sz="half" idx="10"/>
-          </p:nvPr>
-        </p:nvSpPr>
-        <p:spPr/>
-        <p:txBody>
-          <a:bodyPr/>
-          <a:lstStyle/>
-          <a:p>
-            <a:fld id="{3966C404-421C-40EA-858A-C5FCE080FF13}" type="datetime1">
-              <a:rPr lang="de-DE" smtClean="0"/>
-              <a:t>20/11/13</a:t>
-            </a:fld>
-            <a:endParaRPr lang="de-DE"/>
-          </a:p>
-        </p:txBody>
-      </p:sp>
-      <p:sp>
-        <p:nvSpPr>
-          <p:cNvPr id="5" name="Fußzeilenplatzhalter 4"/>
-          <p:cNvSpPr>
-            <a:spLocks noGrp="1"/>
-          </p:cNvSpPr>
-          <p:nvPr>
-            <p:ph type="ftr" sz="quarter" idx="11"/>
-          </p:nvPr>
-        </p:nvSpPr>
-        <p:spPr/>
-        <p:txBody>
-          <a:bodyPr/>
-          <a:lstStyle/>
-          <a:p>
-            <a:r>
-              <a:rPr lang="de-DE" smtClean="0"/>
-              <a:t>Gruppe 3</a:t>
-            </a:r>
-            <a:endParaRPr lang="de-DE"/>
-          </a:p>
-        </p:txBody>
-      </p:sp>
-      <p:sp>
-        <p:nvSpPr>
-          <p:cNvPr id="6" name="Foliennummernplatzhalter 5"/>
-          <p:cNvSpPr>
-            <a:spLocks noGrp="1"/>
-          </p:cNvSpPr>
-          <p:nvPr>
-            <p:ph type="sldNum" sz="quarter" idx="12"/>
-          </p:nvPr>
-        </p:nvSpPr>
-        <p:spPr/>
-        <p:txBody>
-          <a:bodyPr/>
-          <a:lstStyle/>
-          <a:p>
-            <a:fld id="{6C6AE60A-B69C-4790-82F7-3882EDF23186}" type="slidenum">
-              <a:rPr lang="de-DE" smtClean="0"/>
-              <a:t>6</a:t>
-            </a:fld>
-            <a:endParaRPr lang="de-DE"/>
-          </a:p>
-        </p:txBody>
-      </p:sp>
-    </p:spTree>
-    <p:extLst>
-      <p:ext uri="{BB962C8B-B14F-4D97-AF65-F5344CB8AC3E}">
-        <p14:creationId xmlns:p14="http://schemas.microsoft.com/office/powerpoint/2010/main" val="2447730810"/>
-      </p:ext>
-    </p:extLst>
-  </p:cSld>
-  <p:clrMapOvr>
-    <a:masterClrMapping/>
-  </p:clrMapOvr>
-  <p:timing>
-    <p:tnLst>
-      <p:par>
-        <p:cTn xmlns:p14="http://schemas.microsoft.com/office/powerpoint/2010/main" id="1" dur="indefinite" restart="never" nodeType="tmRoot"/>
-      </p:par>
-    </p:tnLst>
-  </p:timing>
-</p:sld>
-</file>
-
-<file path=ppt/slides/slide7.xml><?xml version="1.0" encoding="utf-8"?>
-<p:sld xmlns:a="http://schemas.openxmlformats.org/drawingml/2006/main" xmlns:r="http://schemas.openxmlformats.org/officeDocument/2006/relationships" xmlns:p="http://schemas.openxmlformats.org/presentationml/2006/main">
-  <p:cSld>
-    <p:spTree>
-      <p:nvGrpSpPr>
-        <p:cNvPr id="1" name=""/>
-        <p:cNvGrpSpPr/>
-        <p:nvPr/>
-      </p:nvGrpSpPr>
-      <p:grpSpPr>
-        <a:xfrm>
-          <a:off x="0" y="0"/>
-          <a:ext cx="0" cy="0"/>
-          <a:chOff x="0" y="0"/>
-          <a:chExt cx="0" cy="0"/>
-        </a:xfrm>
-      </p:grpSpPr>
-      <p:sp>
-        <p:nvSpPr>
-          <p:cNvPr id="2" name="Titel 1"/>
-          <p:cNvSpPr>
-            <a:spLocks noGrp="1"/>
-          </p:cNvSpPr>
-          <p:nvPr>
-            <p:ph type="title"/>
-          </p:nvPr>
-        </p:nvSpPr>
-        <p:spPr/>
-        <p:txBody>
-          <a:bodyPr/>
-          <a:lstStyle/>
-          <a:p>
-            <a:r>
-              <a:rPr lang="de-DE" dirty="0" smtClean="0"/>
-              <a:t>Prototyp</a:t>
-            </a:r>
-            <a:endParaRPr lang="de-DE" dirty="0"/>
-          </a:p>
-        </p:txBody>
-      </p:sp>
-      <p:sp>
-        <p:nvSpPr>
-          <p:cNvPr id="3" name="Inhaltsplatzhalter 2"/>
-          <p:cNvSpPr>
-            <a:spLocks noGrp="1"/>
-          </p:cNvSpPr>
-          <p:nvPr>
-            <p:ph sz="quarter" idx="1"/>
-          </p:nvPr>
-        </p:nvSpPr>
-        <p:spPr/>
-        <p:txBody>
-          <a:bodyPr/>
-          <a:lstStyle/>
-          <a:p>
-            <a:r>
-              <a:rPr lang="de-DE" dirty="0" smtClean="0"/>
-              <a:t>Abbildung eines </a:t>
-            </a:r>
-            <a:r>
-              <a:rPr lang="de-DE" dirty="0" err="1" smtClean="0"/>
-              <a:t>Use</a:t>
-            </a:r>
-            <a:r>
-              <a:rPr lang="de-DE" dirty="0" smtClean="0"/>
-              <a:t>-Case durch den aktuellen Stand der Gruppen</a:t>
-            </a:r>
-          </a:p>
-          <a:p>
-            <a:r>
-              <a:rPr lang="de-DE" dirty="0" smtClean="0"/>
-              <a:t>Vertikaler Schnitt durch alle Ebenen</a:t>
-            </a:r>
-          </a:p>
-          <a:p>
-            <a:r>
-              <a:rPr lang="de-DE" dirty="0" smtClean="0"/>
-              <a:t>Fokus auf die Visualisierung der Ergebnisse</a:t>
-            </a:r>
-          </a:p>
-          <a:p>
-            <a:r>
-              <a:rPr lang="de-DE" dirty="0" smtClean="0"/>
-              <a:t>Beschaffung und Analyse funktioniert, aber nicht elementarer Bestandteil des Prototyps</a:t>
-            </a:r>
-          </a:p>
-          <a:p>
-            <a:endParaRPr lang="de-DE" dirty="0"/>
-          </a:p>
-        </p:txBody>
-      </p:sp>
-      <p:sp>
-        <p:nvSpPr>
-          <p:cNvPr id="4" name="Datumsplatzhalter 3"/>
-          <p:cNvSpPr>
-            <a:spLocks noGrp="1"/>
-          </p:cNvSpPr>
-          <p:nvPr>
-            <p:ph type="dt" sz="half" idx="10"/>
-          </p:nvPr>
-        </p:nvSpPr>
-        <p:spPr/>
-        <p:txBody>
-          <a:bodyPr/>
-          <a:lstStyle/>
-          <a:p>
-            <a:fld id="{3569FC43-890F-49A5-813F-8946693AA65C}" type="datetime1">
-              <a:rPr lang="de-DE" smtClean="0"/>
-              <a:t>20/11/13</a:t>
-            </a:fld>
-            <a:endParaRPr lang="de-DE"/>
-          </a:p>
-        </p:txBody>
-      </p:sp>
-      <p:sp>
-        <p:nvSpPr>
-          <p:cNvPr id="5" name="Fußzeilenplatzhalter 4"/>
-          <p:cNvSpPr>
-            <a:spLocks noGrp="1"/>
-          </p:cNvSpPr>
-          <p:nvPr>
-            <p:ph type="ftr" sz="quarter" idx="11"/>
-          </p:nvPr>
-        </p:nvSpPr>
-        <p:spPr/>
-        <p:txBody>
-          <a:bodyPr/>
-          <a:lstStyle/>
-          <a:p>
-            <a:r>
-              <a:rPr lang="de-DE" smtClean="0"/>
-              <a:t>Gruppe 3</a:t>
-            </a:r>
-            <a:endParaRPr lang="de-DE"/>
-          </a:p>
-        </p:txBody>
-      </p:sp>
-      <p:sp>
-        <p:nvSpPr>
-          <p:cNvPr id="6" name="Foliennummernplatzhalter 5"/>
-          <p:cNvSpPr>
-            <a:spLocks noGrp="1"/>
-          </p:cNvSpPr>
-          <p:nvPr>
-            <p:ph type="sldNum" sz="quarter" idx="12"/>
-          </p:nvPr>
-        </p:nvSpPr>
-        <p:spPr/>
-        <p:txBody>
-          <a:bodyPr/>
-          <a:lstStyle/>
-          <a:p>
-            <a:fld id="{6C6AE60A-B69C-4790-82F7-3882EDF23186}" type="slidenum">
-              <a:rPr lang="de-DE" smtClean="0"/>
-              <a:t>7</a:t>
             </a:fld>
             <a:endParaRPr lang="de-DE"/>
           </a:p>
@@ -8820,14 +6806,14 @@
   <p:timing>
     <p:tnLst>
       <p:par>
-        <p:cTn xmlns:p14="http://schemas.microsoft.com/office/powerpoint/2010/main" id="1" dur="indefinite" restart="never" nodeType="tmRoot"/>
+        <p:cTn id="1" dur="indefinite" restart="never" nodeType="tmRoot"/>
       </p:par>
     </p:tnLst>
   </p:timing>
 </p:sld>
 </file>
 
-<file path=ppt/slides/slide8.xml><?xml version="1.0" encoding="utf-8"?>
+<file path=ppt/slides/slide11.xml><?xml version="1.0" encoding="utf-8"?>
 <p:sld xmlns:a="http://schemas.openxmlformats.org/drawingml/2006/main" xmlns:r="http://schemas.openxmlformats.org/officeDocument/2006/relationships" xmlns:p="http://schemas.openxmlformats.org/presentationml/2006/main">
   <p:cSld>
     <p:spTree>
@@ -9169,7 +7155,7 @@
           <a:p>
             <a:fld id="{69BE24FF-C491-40D4-B885-B2E59D6926E8}" type="datetime1">
               <a:rPr lang="de-DE" smtClean="0"/>
-              <a:t>20/11/13</a:t>
+              <a:t>20.11.2013</a:t>
             </a:fld>
             <a:endParaRPr lang="de-DE"/>
           </a:p>
@@ -9215,7 +7201,7 @@
           <a:p>
             <a:fld id="{6C6AE60A-B69C-4790-82F7-3882EDF23186}" type="slidenum">
               <a:rPr lang="de-DE" smtClean="0"/>
-              <a:t>8</a:t>
+              <a:t>11</a:t>
             </a:fld>
             <a:endParaRPr lang="de-DE"/>
           </a:p>
@@ -9234,14 +7220,14 @@
   <p:timing>
     <p:tnLst>
       <p:par>
-        <p:cTn xmlns:p14="http://schemas.microsoft.com/office/powerpoint/2010/main" id="1" dur="indefinite" restart="never" nodeType="tmRoot"/>
+        <p:cTn id="1" dur="indefinite" restart="never" nodeType="tmRoot"/>
       </p:par>
     </p:tnLst>
   </p:timing>
 </p:sld>
 </file>
 
-<file path=ppt/slides/slide9.xml><?xml version="1.0" encoding="utf-8"?>
+<file path=ppt/slides/slide12.xml><?xml version="1.0" encoding="utf-8"?>
 <p:sld xmlns:a="http://schemas.openxmlformats.org/drawingml/2006/main" xmlns:r="http://schemas.openxmlformats.org/officeDocument/2006/relationships" xmlns:p="http://schemas.openxmlformats.org/presentationml/2006/main">
   <p:cSld>
     <p:spTree>
@@ -9306,7 +7292,7 @@
         </p:nvGraphicFramePr>
         <p:xfrm>
           <a:off x="301625" y="1527175"/>
-          <a:ext cx="8504238" cy="3845559"/>
+          <a:ext cx="8504238" cy="3845560"/>
         </p:xfrm>
         <a:graphic>
           <a:graphicData uri="http://schemas.openxmlformats.org/drawingml/2006/table">
@@ -9551,7 +7537,7 @@
           <a:p>
             <a:fld id="{CA83F623-79C1-47CA-B358-70F39A61B14E}" type="datetime1">
               <a:rPr lang="de-DE" smtClean="0"/>
-              <a:t>20/11/13</a:t>
+              <a:t>20.11.2013</a:t>
             </a:fld>
             <a:endParaRPr lang="de-DE"/>
           </a:p>
@@ -9597,7 +7583,7 @@
           <a:p>
             <a:fld id="{6C6AE60A-B69C-4790-82F7-3882EDF23186}" type="slidenum">
               <a:rPr lang="de-DE" smtClean="0"/>
-              <a:t>9</a:t>
+              <a:t>12</a:t>
             </a:fld>
             <a:endParaRPr lang="de-DE"/>
           </a:p>
@@ -9616,7 +7602,2760 @@
   <p:timing>
     <p:tnLst>
       <p:par>
-        <p:cTn xmlns:p14="http://schemas.microsoft.com/office/powerpoint/2010/main" id="1" dur="indefinite" restart="never" nodeType="tmRoot"/>
+        <p:cTn id="1" dur="indefinite" restart="never" nodeType="tmRoot"/>
+      </p:par>
+    </p:tnLst>
+  </p:timing>
+</p:sld>
+</file>
+
+<file path=ppt/slides/slide13.xml><?xml version="1.0" encoding="utf-8"?>
+<p:sld xmlns:a="http://schemas.openxmlformats.org/drawingml/2006/main" xmlns:r="http://schemas.openxmlformats.org/officeDocument/2006/relationships" xmlns:p="http://schemas.openxmlformats.org/presentationml/2006/main">
+  <p:cSld>
+    <p:spTree>
+      <p:nvGrpSpPr>
+        <p:cNvPr id="1" name=""/>
+        <p:cNvGrpSpPr/>
+        <p:nvPr/>
+      </p:nvGrpSpPr>
+      <p:grpSpPr>
+        <a:xfrm>
+          <a:off x="0" y="0"/>
+          <a:ext cx="0" cy="0"/>
+          <a:chOff x="0" y="0"/>
+          <a:chExt cx="0" cy="0"/>
+        </a:xfrm>
+      </p:grpSpPr>
+      <p:sp>
+        <p:nvSpPr>
+          <p:cNvPr id="2" name="Titel 1"/>
+          <p:cNvSpPr>
+            <a:spLocks noGrp="1"/>
+          </p:cNvSpPr>
+          <p:nvPr>
+            <p:ph type="title"/>
+          </p:nvPr>
+        </p:nvSpPr>
+        <p:spPr/>
+        <p:txBody>
+          <a:bodyPr/>
+          <a:lstStyle/>
+          <a:p>
+            <a:r>
+              <a:rPr lang="de-DE" dirty="0" err="1"/>
+              <a:t>Use</a:t>
+            </a:r>
+            <a:r>
+              <a:rPr lang="de-DE" dirty="0"/>
+              <a:t>-Case: </a:t>
+            </a:r>
+            <a:r>
+              <a:rPr lang="de-DE" dirty="0" smtClean="0"/>
+              <a:t>Analyse</a:t>
+            </a:r>
+            <a:endParaRPr lang="de-DE" dirty="0"/>
+          </a:p>
+        </p:txBody>
+      </p:sp>
+      <p:graphicFrame>
+        <p:nvGraphicFramePr>
+          <p:cNvPr id="4" name="Inhaltsplatzhalter 3"/>
+          <p:cNvGraphicFramePr>
+            <a:graphicFrameLocks noGrp="1"/>
+          </p:cNvGraphicFramePr>
+          <p:nvPr>
+            <p:ph sz="quarter" idx="1"/>
+            <p:extLst>
+              <p:ext uri="{D42A27DB-BD31-4B8C-83A1-F6EECF244321}">
+                <p14:modId xmlns:p14="http://schemas.microsoft.com/office/powerpoint/2010/main" val="3873997660"/>
+              </p:ext>
+            </p:extLst>
+          </p:nvPr>
+        </p:nvGraphicFramePr>
+        <p:xfrm>
+          <a:off x="301625" y="1527175"/>
+          <a:ext cx="8504238" cy="3845560"/>
+        </p:xfrm>
+        <a:graphic>
+          <a:graphicData uri="http://schemas.openxmlformats.org/drawingml/2006/table">
+            <a:tbl>
+              <a:tblPr firstRow="1" bandRow="1">
+                <a:tableStyleId>{5C22544A-7EE6-4342-B048-85BDC9FD1C3A}</a:tableStyleId>
+              </a:tblPr>
+              <a:tblGrid>
+                <a:gridCol w="4054351"/>
+                <a:gridCol w="4449887"/>
+              </a:tblGrid>
+              <a:tr h="370840">
+                <a:tc>
+                  <a:txBody>
+                    <a:bodyPr/>
+                    <a:lstStyle/>
+                    <a:p>
+                      <a:r>
+                        <a:rPr lang="de-DE" dirty="0" smtClean="0"/>
+                        <a:t>ID und Name</a:t>
+                      </a:r>
+                      <a:endParaRPr lang="de-DE" dirty="0"/>
+                    </a:p>
+                  </a:txBody>
+                  <a:tcPr/>
+                </a:tc>
+                <a:tc>
+                  <a:txBody>
+                    <a:bodyPr/>
+                    <a:lstStyle/>
+                    <a:p>
+                      <a:r>
+                        <a:rPr lang="de-DE" dirty="0" smtClean="0"/>
+                        <a:t>UC-1</a:t>
+                      </a:r>
+                      <a:r>
+                        <a:rPr lang="de-DE" baseline="0" dirty="0" smtClean="0"/>
+                        <a:t> (P): Kategorisierung der </a:t>
+                      </a:r>
+                      <a:r>
+                        <a:rPr lang="de-DE" baseline="0" dirty="0" err="1" smtClean="0"/>
+                        <a:t>Tweets</a:t>
+                      </a:r>
+                      <a:endParaRPr lang="de-DE" dirty="0"/>
+                    </a:p>
+                  </a:txBody>
+                  <a:tcPr/>
+                </a:tc>
+              </a:tr>
+              <a:tr h="370840">
+                <a:tc>
+                  <a:txBody>
+                    <a:bodyPr/>
+                    <a:lstStyle/>
+                    <a:p>
+                      <a:r>
+                        <a:rPr lang="de-DE" dirty="0" smtClean="0"/>
+                        <a:t>Beschreibung</a:t>
+                      </a:r>
+                      <a:endParaRPr lang="de-DE" dirty="0"/>
+                    </a:p>
+                  </a:txBody>
+                  <a:tcPr/>
+                </a:tc>
+                <a:tc>
+                  <a:txBody>
+                    <a:bodyPr/>
+                    <a:lstStyle/>
+                    <a:p>
+                      <a:r>
+                        <a:rPr lang="de-DE" dirty="0" smtClean="0"/>
+                        <a:t>Tweets kategorisieren und ggf. Ortsinformation hinzufügen, schreiben in Datenbank</a:t>
+                      </a:r>
+                    </a:p>
+                  </a:txBody>
+                  <a:tcPr/>
+                </a:tc>
+              </a:tr>
+              <a:tr h="370840">
+                <a:tc>
+                  <a:txBody>
+                    <a:bodyPr/>
+                    <a:lstStyle/>
+                    <a:p>
+                      <a:r>
+                        <a:rPr lang="de-DE" dirty="0" smtClean="0"/>
+                        <a:t>Beteiligte Akteure</a:t>
+                      </a:r>
+                      <a:endParaRPr lang="de-DE" dirty="0"/>
+                    </a:p>
+                  </a:txBody>
+                  <a:tcPr/>
+                </a:tc>
+                <a:tc>
+                  <a:txBody>
+                    <a:bodyPr/>
+                    <a:lstStyle/>
+                    <a:p>
+                      <a:r>
+                        <a:rPr lang="de-DE" dirty="0" smtClean="0"/>
+                        <a:t>Programm: Analyse</a:t>
+                      </a:r>
+                    </a:p>
+                    <a:p>
+                      <a:r>
+                        <a:rPr lang="de-DE" dirty="0" smtClean="0"/>
+                        <a:t>Beschaffung&lt;&gt;Analyse&lt;&gt;Visualisierung</a:t>
+                      </a:r>
+                      <a:endParaRPr lang="de-DE" dirty="0"/>
+                    </a:p>
+                  </a:txBody>
+                  <a:tcPr/>
+                </a:tc>
+              </a:tr>
+              <a:tr h="370840">
+                <a:tc>
+                  <a:txBody>
+                    <a:bodyPr/>
+                    <a:lstStyle/>
+                    <a:p>
+                      <a:r>
+                        <a:rPr lang="de-DE" dirty="0" smtClean="0"/>
+                        <a:t>Auslöser</a:t>
+                      </a:r>
+                      <a:endParaRPr lang="de-DE" dirty="0"/>
+                    </a:p>
+                  </a:txBody>
+                  <a:tcPr/>
+                </a:tc>
+                <a:tc>
+                  <a:txBody>
+                    <a:bodyPr/>
+                    <a:lstStyle/>
+                    <a:p>
+                      <a:r>
+                        <a:rPr lang="de-DE" dirty="0" smtClean="0"/>
+                        <a:t>Neue</a:t>
+                      </a:r>
+                      <a:r>
+                        <a:rPr lang="de-DE" baseline="0" dirty="0" smtClean="0"/>
+                        <a:t> Tweets,</a:t>
+                      </a:r>
+                    </a:p>
+                    <a:p>
+                      <a:r>
+                        <a:rPr lang="de-DE" dirty="0" smtClean="0"/>
+                        <a:t>Zeitlicher/manueller</a:t>
+                      </a:r>
+                      <a:r>
+                        <a:rPr lang="de-DE" baseline="0" dirty="0" smtClean="0"/>
+                        <a:t> Trigger</a:t>
+                      </a:r>
+                      <a:endParaRPr lang="de-DE" dirty="0"/>
+                    </a:p>
+                  </a:txBody>
+                  <a:tcPr/>
+                </a:tc>
+              </a:tr>
+              <a:tr h="370840">
+                <a:tc>
+                  <a:txBody>
+                    <a:bodyPr/>
+                    <a:lstStyle/>
+                    <a:p>
+                      <a:r>
+                        <a:rPr lang="de-DE" dirty="0" smtClean="0"/>
+                        <a:t>Vorbedingungen</a:t>
+                      </a:r>
+                      <a:endParaRPr lang="de-DE" dirty="0"/>
+                    </a:p>
+                  </a:txBody>
+                  <a:tcPr/>
+                </a:tc>
+                <a:tc>
+                  <a:txBody>
+                    <a:bodyPr/>
+                    <a:lstStyle/>
+                    <a:p>
+                      <a:r>
+                        <a:rPr lang="de-DE" dirty="0" smtClean="0"/>
+                        <a:t>Neue Tweets</a:t>
+                      </a:r>
+                      <a:endParaRPr lang="de-DE" dirty="0"/>
+                    </a:p>
+                  </a:txBody>
+                  <a:tcPr/>
+                </a:tc>
+              </a:tr>
+              <a:tr h="370840">
+                <a:tc>
+                  <a:txBody>
+                    <a:bodyPr/>
+                    <a:lstStyle/>
+                    <a:p>
+                      <a:r>
+                        <a:rPr lang="de-DE" dirty="0" smtClean="0"/>
+                        <a:t>Nachbedingungen</a:t>
+                      </a:r>
+                      <a:endParaRPr lang="de-DE" dirty="0"/>
+                    </a:p>
+                  </a:txBody>
+                  <a:tcPr/>
+                </a:tc>
+                <a:tc>
+                  <a:txBody>
+                    <a:bodyPr/>
+                    <a:lstStyle/>
+                    <a:p>
+                      <a:r>
+                        <a:rPr lang="de-DE" dirty="0" smtClean="0"/>
+                        <a:t>Kategorisierte</a:t>
+                      </a:r>
+                      <a:r>
+                        <a:rPr lang="de-DE" baseline="0" dirty="0" smtClean="0"/>
+                        <a:t> Tweets</a:t>
+                      </a:r>
+                      <a:r>
+                        <a:rPr lang="de-DE" baseline="0" smtClean="0"/>
+                        <a:t>, geographisch </a:t>
+                      </a:r>
+                      <a:r>
+                        <a:rPr lang="de-DE" baseline="0" dirty="0" smtClean="0"/>
+                        <a:t>zugeordnete Tweets</a:t>
+                      </a:r>
+                      <a:endParaRPr lang="de-DE" dirty="0"/>
+                    </a:p>
+                  </a:txBody>
+                  <a:tcPr/>
+                </a:tc>
+              </a:tr>
+            </a:tbl>
+          </a:graphicData>
+        </a:graphic>
+      </p:graphicFrame>
+      <p:sp>
+        <p:nvSpPr>
+          <p:cNvPr id="5" name="Datumsplatzhalter 4"/>
+          <p:cNvSpPr>
+            <a:spLocks noGrp="1"/>
+          </p:cNvSpPr>
+          <p:nvPr>
+            <p:ph type="dt" sz="half" idx="10"/>
+          </p:nvPr>
+        </p:nvSpPr>
+        <p:spPr/>
+        <p:txBody>
+          <a:bodyPr/>
+          <a:lstStyle/>
+          <a:p>
+            <a:fld id="{4E4FA9EF-F566-47C8-90BD-AF8BFA3A9ACD}" type="datetime1">
+              <a:rPr lang="de-DE" smtClean="0"/>
+              <a:t>20.11.2013</a:t>
+            </a:fld>
+            <a:endParaRPr lang="de-DE"/>
+          </a:p>
+        </p:txBody>
+      </p:sp>
+      <p:sp>
+        <p:nvSpPr>
+          <p:cNvPr id="6" name="Fußzeilenplatzhalter 5"/>
+          <p:cNvSpPr>
+            <a:spLocks noGrp="1"/>
+          </p:cNvSpPr>
+          <p:nvPr>
+            <p:ph type="ftr" sz="quarter" idx="11"/>
+          </p:nvPr>
+        </p:nvSpPr>
+        <p:spPr/>
+        <p:txBody>
+          <a:bodyPr/>
+          <a:lstStyle/>
+          <a:p>
+            <a:r>
+              <a:rPr lang="de-DE" smtClean="0"/>
+              <a:t>Gruppe 3</a:t>
+            </a:r>
+            <a:endParaRPr lang="de-DE"/>
+          </a:p>
+        </p:txBody>
+      </p:sp>
+      <p:sp>
+        <p:nvSpPr>
+          <p:cNvPr id="7" name="Foliennummernplatzhalter 6"/>
+          <p:cNvSpPr>
+            <a:spLocks noGrp="1"/>
+          </p:cNvSpPr>
+          <p:nvPr>
+            <p:ph type="sldNum" sz="quarter" idx="12"/>
+          </p:nvPr>
+        </p:nvSpPr>
+        <p:spPr/>
+        <p:txBody>
+          <a:bodyPr/>
+          <a:lstStyle/>
+          <a:p>
+            <a:fld id="{6C6AE60A-B69C-4790-82F7-3882EDF23186}" type="slidenum">
+              <a:rPr lang="de-DE" smtClean="0"/>
+              <a:t>13</a:t>
+            </a:fld>
+            <a:endParaRPr lang="de-DE"/>
+          </a:p>
+        </p:txBody>
+      </p:sp>
+    </p:spTree>
+    <p:extLst>
+      <p:ext uri="{BB962C8B-B14F-4D97-AF65-F5344CB8AC3E}">
+        <p14:creationId xmlns:p14="http://schemas.microsoft.com/office/powerpoint/2010/main" val="2072643000"/>
+      </p:ext>
+    </p:extLst>
+  </p:cSld>
+  <p:clrMapOvr>
+    <a:masterClrMapping/>
+  </p:clrMapOvr>
+  <p:timing>
+    <p:tnLst>
+      <p:par>
+        <p:cTn id="1" dur="indefinite" restart="never" nodeType="tmRoot"/>
+      </p:par>
+    </p:tnLst>
+  </p:timing>
+</p:sld>
+</file>
+
+<file path=ppt/slides/slide14.xml><?xml version="1.0" encoding="utf-8"?>
+<p:sld xmlns:a="http://schemas.openxmlformats.org/drawingml/2006/main" xmlns:r="http://schemas.openxmlformats.org/officeDocument/2006/relationships" xmlns:p="http://schemas.openxmlformats.org/presentationml/2006/main">
+  <p:cSld>
+    <p:spTree>
+      <p:nvGrpSpPr>
+        <p:cNvPr id="1" name=""/>
+        <p:cNvGrpSpPr/>
+        <p:nvPr/>
+      </p:nvGrpSpPr>
+      <p:grpSpPr>
+        <a:xfrm>
+          <a:off x="0" y="0"/>
+          <a:ext cx="0" cy="0"/>
+          <a:chOff x="0" y="0"/>
+          <a:chExt cx="0" cy="0"/>
+        </a:xfrm>
+      </p:grpSpPr>
+      <p:sp>
+        <p:nvSpPr>
+          <p:cNvPr id="2" name="Titel 1"/>
+          <p:cNvSpPr>
+            <a:spLocks noGrp="1"/>
+          </p:cNvSpPr>
+          <p:nvPr>
+            <p:ph type="title"/>
+          </p:nvPr>
+        </p:nvSpPr>
+        <p:spPr/>
+        <p:txBody>
+          <a:bodyPr/>
+          <a:lstStyle/>
+          <a:p>
+            <a:r>
+              <a:rPr lang="de-DE" dirty="0" err="1"/>
+              <a:t>Use</a:t>
+            </a:r>
+            <a:r>
+              <a:rPr lang="de-DE" dirty="0"/>
+              <a:t>-Case: </a:t>
+            </a:r>
+            <a:r>
+              <a:rPr lang="de-DE" dirty="0" smtClean="0"/>
+              <a:t>Visualisierung</a:t>
+            </a:r>
+            <a:endParaRPr lang="de-DE" dirty="0"/>
+          </a:p>
+        </p:txBody>
+      </p:sp>
+      <p:graphicFrame>
+        <p:nvGraphicFramePr>
+          <p:cNvPr id="4" name="Inhaltsplatzhalter 3"/>
+          <p:cNvGraphicFramePr>
+            <a:graphicFrameLocks noGrp="1"/>
+          </p:cNvGraphicFramePr>
+          <p:nvPr>
+            <p:ph sz="quarter" idx="1"/>
+            <p:extLst>
+              <p:ext uri="{D42A27DB-BD31-4B8C-83A1-F6EECF244321}">
+                <p14:modId xmlns:p14="http://schemas.microsoft.com/office/powerpoint/2010/main" val="2549239692"/>
+              </p:ext>
+            </p:extLst>
+          </p:nvPr>
+        </p:nvGraphicFramePr>
+        <p:xfrm>
+          <a:off x="301625" y="1527175"/>
+          <a:ext cx="8504238" cy="3388360"/>
+        </p:xfrm>
+        <a:graphic>
+          <a:graphicData uri="http://schemas.openxmlformats.org/drawingml/2006/table">
+            <a:tbl>
+              <a:tblPr firstRow="1" bandRow="1">
+                <a:tableStyleId>{5C22544A-7EE6-4342-B048-85BDC9FD1C3A}</a:tableStyleId>
+              </a:tblPr>
+              <a:tblGrid>
+                <a:gridCol w="4252119"/>
+                <a:gridCol w="4252119"/>
+              </a:tblGrid>
+              <a:tr h="370840">
+                <a:tc>
+                  <a:txBody>
+                    <a:bodyPr/>
+                    <a:lstStyle/>
+                    <a:p>
+                      <a:r>
+                        <a:rPr lang="de-DE" dirty="0" smtClean="0"/>
+                        <a:t>ID und Name</a:t>
+                      </a:r>
+                      <a:endParaRPr lang="de-DE" dirty="0"/>
+                    </a:p>
+                  </a:txBody>
+                  <a:tcPr/>
+                </a:tc>
+                <a:tc>
+                  <a:txBody>
+                    <a:bodyPr/>
+                    <a:lstStyle/>
+                    <a:p>
+                      <a:r>
+                        <a:rPr lang="de-DE" dirty="0" smtClean="0"/>
+                        <a:t>UC-1</a:t>
+                      </a:r>
+                      <a:r>
+                        <a:rPr lang="de-DE" baseline="0" dirty="0" smtClean="0"/>
+                        <a:t> (P): Anzeige der Kategorien und Nachrichten auf dem Dashboard</a:t>
+                      </a:r>
+                      <a:endParaRPr lang="de-DE" dirty="0"/>
+                    </a:p>
+                  </a:txBody>
+                  <a:tcPr/>
+                </a:tc>
+              </a:tr>
+              <a:tr h="370840">
+                <a:tc>
+                  <a:txBody>
+                    <a:bodyPr/>
+                    <a:lstStyle/>
+                    <a:p>
+                      <a:r>
+                        <a:rPr lang="de-DE" dirty="0" smtClean="0"/>
+                        <a:t>Beschreibung</a:t>
+                      </a:r>
+                      <a:endParaRPr lang="de-DE" dirty="0"/>
+                    </a:p>
+                  </a:txBody>
+                  <a:tcPr/>
+                </a:tc>
+                <a:tc>
+                  <a:txBody>
+                    <a:bodyPr/>
+                    <a:lstStyle/>
+                    <a:p>
+                      <a:r>
+                        <a:rPr lang="de-DE" dirty="0" smtClean="0"/>
+                        <a:t>Aufbereitete</a:t>
+                      </a:r>
+                      <a:r>
+                        <a:rPr lang="de-DE" baseline="0" dirty="0" smtClean="0"/>
+                        <a:t> Darstellung von analysierten Social-Media Daten zur Unterstützung der Entscheidungsfindung in Katastrophenfällen</a:t>
+                      </a:r>
+                      <a:endParaRPr lang="de-DE" dirty="0"/>
+                    </a:p>
+                  </a:txBody>
+                  <a:tcPr/>
+                </a:tc>
+              </a:tr>
+              <a:tr h="370840">
+                <a:tc>
+                  <a:txBody>
+                    <a:bodyPr/>
+                    <a:lstStyle/>
+                    <a:p>
+                      <a:r>
+                        <a:rPr lang="de-DE" dirty="0" smtClean="0"/>
+                        <a:t>Beteiligte Akteure</a:t>
+                      </a:r>
+                      <a:endParaRPr lang="de-DE" dirty="0"/>
+                    </a:p>
+                  </a:txBody>
+                  <a:tcPr/>
+                </a:tc>
+                <a:tc>
+                  <a:txBody>
+                    <a:bodyPr/>
+                    <a:lstStyle/>
+                    <a:p>
+                      <a:r>
+                        <a:rPr lang="de-DE" dirty="0" smtClean="0"/>
+                        <a:t>Katastrophenschutz-Behörden</a:t>
+                      </a:r>
+                      <a:endParaRPr lang="de-DE" dirty="0"/>
+                    </a:p>
+                  </a:txBody>
+                  <a:tcPr/>
+                </a:tc>
+              </a:tr>
+              <a:tr h="370840">
+                <a:tc>
+                  <a:txBody>
+                    <a:bodyPr/>
+                    <a:lstStyle/>
+                    <a:p>
+                      <a:r>
+                        <a:rPr lang="de-DE" dirty="0" smtClean="0"/>
+                        <a:t>Vorbedingungen</a:t>
+                      </a:r>
+                      <a:endParaRPr lang="de-DE" dirty="0"/>
+                    </a:p>
+                  </a:txBody>
+                  <a:tcPr/>
+                </a:tc>
+                <a:tc>
+                  <a:txBody>
+                    <a:bodyPr/>
+                    <a:lstStyle/>
+                    <a:p>
+                      <a:r>
+                        <a:rPr lang="de-DE" dirty="0" smtClean="0"/>
+                        <a:t>Daten müssen extrahiert</a:t>
+                      </a:r>
+                      <a:r>
+                        <a:rPr lang="de-DE" baseline="0" dirty="0" smtClean="0"/>
+                        <a:t> und analysiert sein</a:t>
+                      </a:r>
+                      <a:endParaRPr lang="de-DE" dirty="0"/>
+                    </a:p>
+                  </a:txBody>
+                  <a:tcPr/>
+                </a:tc>
+              </a:tr>
+            </a:tbl>
+          </a:graphicData>
+        </a:graphic>
+      </p:graphicFrame>
+      <p:sp>
+        <p:nvSpPr>
+          <p:cNvPr id="5" name="Datumsplatzhalter 4"/>
+          <p:cNvSpPr>
+            <a:spLocks noGrp="1"/>
+          </p:cNvSpPr>
+          <p:nvPr>
+            <p:ph type="dt" sz="half" idx="10"/>
+          </p:nvPr>
+        </p:nvSpPr>
+        <p:spPr/>
+        <p:txBody>
+          <a:bodyPr/>
+          <a:lstStyle/>
+          <a:p>
+            <a:fld id="{2257C47D-D1AF-4B35-AF52-53C56B717F8D}" type="datetime1">
+              <a:rPr lang="de-DE" smtClean="0"/>
+              <a:t>20.11.2013</a:t>
+            </a:fld>
+            <a:endParaRPr lang="de-DE"/>
+          </a:p>
+        </p:txBody>
+      </p:sp>
+      <p:sp>
+        <p:nvSpPr>
+          <p:cNvPr id="6" name="Fußzeilenplatzhalter 5"/>
+          <p:cNvSpPr>
+            <a:spLocks noGrp="1"/>
+          </p:cNvSpPr>
+          <p:nvPr>
+            <p:ph type="ftr" sz="quarter" idx="11"/>
+          </p:nvPr>
+        </p:nvSpPr>
+        <p:spPr/>
+        <p:txBody>
+          <a:bodyPr/>
+          <a:lstStyle/>
+          <a:p>
+            <a:r>
+              <a:rPr lang="de-DE" smtClean="0"/>
+              <a:t>Gruppe 3</a:t>
+            </a:r>
+            <a:endParaRPr lang="de-DE"/>
+          </a:p>
+        </p:txBody>
+      </p:sp>
+      <p:sp>
+        <p:nvSpPr>
+          <p:cNvPr id="7" name="Foliennummernplatzhalter 6"/>
+          <p:cNvSpPr>
+            <a:spLocks noGrp="1"/>
+          </p:cNvSpPr>
+          <p:nvPr>
+            <p:ph type="sldNum" sz="quarter" idx="12"/>
+          </p:nvPr>
+        </p:nvSpPr>
+        <p:spPr/>
+        <p:txBody>
+          <a:bodyPr/>
+          <a:lstStyle/>
+          <a:p>
+            <a:fld id="{6C6AE60A-B69C-4790-82F7-3882EDF23186}" type="slidenum">
+              <a:rPr lang="de-DE" smtClean="0"/>
+              <a:t>14</a:t>
+            </a:fld>
+            <a:endParaRPr lang="de-DE"/>
+          </a:p>
+        </p:txBody>
+      </p:sp>
+    </p:spTree>
+    <p:extLst>
+      <p:ext uri="{BB962C8B-B14F-4D97-AF65-F5344CB8AC3E}">
+        <p14:creationId xmlns:p14="http://schemas.microsoft.com/office/powerpoint/2010/main" val="3125335210"/>
+      </p:ext>
+    </p:extLst>
+  </p:cSld>
+  <p:clrMapOvr>
+    <a:masterClrMapping/>
+  </p:clrMapOvr>
+  <p:timing>
+    <p:tnLst>
+      <p:par>
+        <p:cTn id="1" dur="indefinite" restart="never" nodeType="tmRoot"/>
+      </p:par>
+    </p:tnLst>
+  </p:timing>
+</p:sld>
+</file>
+
+<file path=ppt/slides/slide15.xml><?xml version="1.0" encoding="utf-8"?>
+<p:sld xmlns:a="http://schemas.openxmlformats.org/drawingml/2006/main" xmlns:r="http://schemas.openxmlformats.org/officeDocument/2006/relationships" xmlns:p="http://schemas.openxmlformats.org/presentationml/2006/main">
+  <p:cSld>
+    <p:spTree>
+      <p:nvGrpSpPr>
+        <p:cNvPr id="1" name=""/>
+        <p:cNvGrpSpPr/>
+        <p:nvPr/>
+      </p:nvGrpSpPr>
+      <p:grpSpPr>
+        <a:xfrm>
+          <a:off x="0" y="0"/>
+          <a:ext cx="0" cy="0"/>
+          <a:chOff x="0" y="0"/>
+          <a:chExt cx="0" cy="0"/>
+        </a:xfrm>
+      </p:grpSpPr>
+      <p:sp>
+        <p:nvSpPr>
+          <p:cNvPr id="2" name="Titel 1"/>
+          <p:cNvSpPr>
+            <a:spLocks noGrp="1"/>
+          </p:cNvSpPr>
+          <p:nvPr>
+            <p:ph type="title"/>
+          </p:nvPr>
+        </p:nvSpPr>
+        <p:spPr/>
+        <p:txBody>
+          <a:bodyPr/>
+          <a:lstStyle/>
+          <a:p>
+            <a:r>
+              <a:rPr lang="de-DE" dirty="0" smtClean="0"/>
+              <a:t>Es folgt …</a:t>
+            </a:r>
+            <a:endParaRPr lang="de-DE" dirty="0"/>
+          </a:p>
+        </p:txBody>
+      </p:sp>
+      <p:sp>
+        <p:nvSpPr>
+          <p:cNvPr id="3" name="Inhaltsplatzhalter 2"/>
+          <p:cNvSpPr>
+            <a:spLocks noGrp="1"/>
+          </p:cNvSpPr>
+          <p:nvPr>
+            <p:ph sz="quarter" idx="1"/>
+          </p:nvPr>
+        </p:nvSpPr>
+        <p:spPr/>
+        <p:txBody>
+          <a:bodyPr/>
+          <a:lstStyle/>
+          <a:p>
+            <a:r>
+              <a:rPr lang="de-DE" dirty="0" smtClean="0"/>
+              <a:t>Live-Demo des Prototypen anhand bisheriger Testdaten</a:t>
+            </a:r>
+          </a:p>
+          <a:p>
+            <a:pPr lvl="1"/>
+            <a:r>
+              <a:rPr lang="de-DE" dirty="0" smtClean="0"/>
+              <a:t>#sturm aus </a:t>
+            </a:r>
+            <a:r>
+              <a:rPr lang="de-DE" dirty="0" err="1" smtClean="0"/>
+              <a:t>Twitter</a:t>
+            </a:r>
+            <a:r>
+              <a:rPr lang="de-DE" dirty="0" smtClean="0"/>
+              <a:t>, vom Orkantief „Christian“</a:t>
+            </a:r>
+          </a:p>
+          <a:p>
+            <a:pPr lvl="1"/>
+            <a:r>
+              <a:rPr lang="de-DE" dirty="0" smtClean="0"/>
+              <a:t>27.10.2013 – 02.11.2013</a:t>
+            </a:r>
+            <a:endParaRPr lang="de-DE" dirty="0"/>
+          </a:p>
+        </p:txBody>
+      </p:sp>
+      <p:sp>
+        <p:nvSpPr>
+          <p:cNvPr id="4" name="Datumsplatzhalter 3"/>
+          <p:cNvSpPr>
+            <a:spLocks noGrp="1"/>
+          </p:cNvSpPr>
+          <p:nvPr>
+            <p:ph type="dt" sz="half" idx="10"/>
+          </p:nvPr>
+        </p:nvSpPr>
+        <p:spPr/>
+        <p:txBody>
+          <a:bodyPr/>
+          <a:lstStyle/>
+          <a:p>
+            <a:fld id="{31734B00-2FAF-4B34-831E-A6EF974B41A5}" type="datetime1">
+              <a:rPr lang="de-DE" smtClean="0"/>
+              <a:t>20.11.2013</a:t>
+            </a:fld>
+            <a:endParaRPr lang="de-DE"/>
+          </a:p>
+        </p:txBody>
+      </p:sp>
+      <p:sp>
+        <p:nvSpPr>
+          <p:cNvPr id="5" name="Fußzeilenplatzhalter 4"/>
+          <p:cNvSpPr>
+            <a:spLocks noGrp="1"/>
+          </p:cNvSpPr>
+          <p:nvPr>
+            <p:ph type="ftr" sz="quarter" idx="11"/>
+          </p:nvPr>
+        </p:nvSpPr>
+        <p:spPr/>
+        <p:txBody>
+          <a:bodyPr/>
+          <a:lstStyle/>
+          <a:p>
+            <a:r>
+              <a:rPr lang="de-DE" smtClean="0"/>
+              <a:t>Gruppe 3</a:t>
+            </a:r>
+            <a:endParaRPr lang="de-DE"/>
+          </a:p>
+        </p:txBody>
+      </p:sp>
+      <p:sp>
+        <p:nvSpPr>
+          <p:cNvPr id="6" name="Foliennummernplatzhalter 5"/>
+          <p:cNvSpPr>
+            <a:spLocks noGrp="1"/>
+          </p:cNvSpPr>
+          <p:nvPr>
+            <p:ph type="sldNum" sz="quarter" idx="12"/>
+          </p:nvPr>
+        </p:nvSpPr>
+        <p:spPr/>
+        <p:txBody>
+          <a:bodyPr/>
+          <a:lstStyle/>
+          <a:p>
+            <a:fld id="{6C6AE60A-B69C-4790-82F7-3882EDF23186}" type="slidenum">
+              <a:rPr lang="de-DE" smtClean="0"/>
+              <a:t>15</a:t>
+            </a:fld>
+            <a:endParaRPr lang="de-DE"/>
+          </a:p>
+        </p:txBody>
+      </p:sp>
+    </p:spTree>
+    <p:extLst>
+      <p:ext uri="{BB962C8B-B14F-4D97-AF65-F5344CB8AC3E}">
+        <p14:creationId xmlns:p14="http://schemas.microsoft.com/office/powerpoint/2010/main" val="261710638"/>
+      </p:ext>
+    </p:extLst>
+  </p:cSld>
+  <p:clrMapOvr>
+    <a:masterClrMapping/>
+  </p:clrMapOvr>
+  <p:timing>
+    <p:tnLst>
+      <p:par>
+        <p:cTn id="1" dur="indefinite" restart="never" nodeType="tmRoot"/>
+      </p:par>
+    </p:tnLst>
+  </p:timing>
+</p:sld>
+</file>
+
+<file path=ppt/slides/slide16.xml><?xml version="1.0" encoding="utf-8"?>
+<p:sld xmlns:a="http://schemas.openxmlformats.org/drawingml/2006/main" xmlns:r="http://schemas.openxmlformats.org/officeDocument/2006/relationships" xmlns:p="http://schemas.openxmlformats.org/presentationml/2006/main">
+  <p:cSld>
+    <p:spTree>
+      <p:nvGrpSpPr>
+        <p:cNvPr id="1" name=""/>
+        <p:cNvGrpSpPr/>
+        <p:nvPr/>
+      </p:nvGrpSpPr>
+      <p:grpSpPr>
+        <a:xfrm>
+          <a:off x="0" y="0"/>
+          <a:ext cx="0" cy="0"/>
+          <a:chOff x="0" y="0"/>
+          <a:chExt cx="0" cy="0"/>
+        </a:xfrm>
+      </p:grpSpPr>
+      <p:sp>
+        <p:nvSpPr>
+          <p:cNvPr id="4" name="Textfeld 3"/>
+          <p:cNvSpPr txBox="1"/>
+          <p:nvPr/>
+        </p:nvSpPr>
+        <p:spPr>
+          <a:xfrm>
+            <a:off x="619197" y="1988840"/>
+            <a:ext cx="7992888" cy="2123658"/>
+          </a:xfrm>
+          <a:prstGeom prst="rect">
+            <a:avLst/>
+          </a:prstGeom>
+          <a:noFill/>
+        </p:spPr>
+        <p:txBody>
+          <a:bodyPr wrap="square" rtlCol="0">
+            <a:spAutoFit/>
+          </a:bodyPr>
+          <a:lstStyle/>
+          <a:p>
+            <a:pPr algn="ctr"/>
+            <a:r>
+              <a:rPr lang="de-DE" sz="4400" dirty="0" smtClean="0"/>
+              <a:t>Haben Sie</a:t>
+            </a:r>
+          </a:p>
+          <a:p>
+            <a:pPr algn="ctr"/>
+            <a:r>
+              <a:rPr lang="de-DE" sz="8800" dirty="0" smtClean="0"/>
+              <a:t>Fragen?</a:t>
+            </a:r>
+            <a:endParaRPr lang="de-DE" sz="8800" dirty="0"/>
+          </a:p>
+        </p:txBody>
+      </p:sp>
+      <p:sp>
+        <p:nvSpPr>
+          <p:cNvPr id="5" name="Datumsplatzhalter 4"/>
+          <p:cNvSpPr>
+            <a:spLocks noGrp="1"/>
+          </p:cNvSpPr>
+          <p:nvPr>
+            <p:ph type="dt" sz="half" idx="10"/>
+          </p:nvPr>
+        </p:nvSpPr>
+        <p:spPr/>
+        <p:txBody>
+          <a:bodyPr/>
+          <a:lstStyle/>
+          <a:p>
+            <a:fld id="{CCE248AA-50C9-4C34-8CE9-1E586BA4DD61}" type="datetime1">
+              <a:rPr lang="de-DE" smtClean="0"/>
+              <a:t>20.11.2013</a:t>
+            </a:fld>
+            <a:endParaRPr lang="de-DE"/>
+          </a:p>
+        </p:txBody>
+      </p:sp>
+      <p:sp>
+        <p:nvSpPr>
+          <p:cNvPr id="6" name="Fußzeilenplatzhalter 5"/>
+          <p:cNvSpPr>
+            <a:spLocks noGrp="1"/>
+          </p:cNvSpPr>
+          <p:nvPr>
+            <p:ph type="ftr" sz="quarter" idx="11"/>
+          </p:nvPr>
+        </p:nvSpPr>
+        <p:spPr/>
+        <p:txBody>
+          <a:bodyPr/>
+          <a:lstStyle/>
+          <a:p>
+            <a:r>
+              <a:rPr lang="de-DE" smtClean="0"/>
+              <a:t>Gruppe 3</a:t>
+            </a:r>
+            <a:endParaRPr lang="de-DE"/>
+          </a:p>
+        </p:txBody>
+      </p:sp>
+      <p:sp>
+        <p:nvSpPr>
+          <p:cNvPr id="7" name="Foliennummernplatzhalter 6"/>
+          <p:cNvSpPr>
+            <a:spLocks noGrp="1"/>
+          </p:cNvSpPr>
+          <p:nvPr>
+            <p:ph type="sldNum" sz="quarter" idx="12"/>
+          </p:nvPr>
+        </p:nvSpPr>
+        <p:spPr/>
+        <p:txBody>
+          <a:bodyPr/>
+          <a:lstStyle/>
+          <a:p>
+            <a:fld id="{6C6AE60A-B69C-4790-82F7-3882EDF23186}" type="slidenum">
+              <a:rPr lang="de-DE" smtClean="0"/>
+              <a:t>16</a:t>
+            </a:fld>
+            <a:endParaRPr lang="de-DE"/>
+          </a:p>
+        </p:txBody>
+      </p:sp>
+    </p:spTree>
+    <p:extLst>
+      <p:ext uri="{BB962C8B-B14F-4D97-AF65-F5344CB8AC3E}">
+        <p14:creationId xmlns:p14="http://schemas.microsoft.com/office/powerpoint/2010/main" val="2379468244"/>
+      </p:ext>
+    </p:extLst>
+  </p:cSld>
+  <p:clrMapOvr>
+    <a:masterClrMapping/>
+  </p:clrMapOvr>
+  <p:timing>
+    <p:tnLst>
+      <p:par>
+        <p:cTn id="1" dur="indefinite" restart="never" nodeType="tmRoot"/>
+      </p:par>
+    </p:tnLst>
+  </p:timing>
+</p:sld>
+</file>
+
+<file path=ppt/slides/slide17.xml><?xml version="1.0" encoding="utf-8"?>
+<p:sld xmlns:a="http://schemas.openxmlformats.org/drawingml/2006/main" xmlns:r="http://schemas.openxmlformats.org/officeDocument/2006/relationships" xmlns:p="http://schemas.openxmlformats.org/presentationml/2006/main">
+  <p:cSld>
+    <p:spTree>
+      <p:nvGrpSpPr>
+        <p:cNvPr id="1" name=""/>
+        <p:cNvGrpSpPr/>
+        <p:nvPr/>
+      </p:nvGrpSpPr>
+      <p:grpSpPr>
+        <a:xfrm>
+          <a:off x="0" y="0"/>
+          <a:ext cx="0" cy="0"/>
+          <a:chOff x="0" y="0"/>
+          <a:chExt cx="0" cy="0"/>
+        </a:xfrm>
+      </p:grpSpPr>
+      <p:sp>
+        <p:nvSpPr>
+          <p:cNvPr id="2" name="Titel 1"/>
+          <p:cNvSpPr>
+            <a:spLocks noGrp="1"/>
+          </p:cNvSpPr>
+          <p:nvPr>
+            <p:ph type="title"/>
+          </p:nvPr>
+        </p:nvSpPr>
+        <p:spPr/>
+        <p:txBody>
+          <a:bodyPr/>
+          <a:lstStyle/>
+          <a:p>
+            <a:r>
+              <a:rPr lang="de-DE" dirty="0" smtClean="0"/>
+              <a:t>Referenzen</a:t>
+            </a:r>
+            <a:endParaRPr lang="de-DE" dirty="0"/>
+          </a:p>
+        </p:txBody>
+      </p:sp>
+      <p:sp>
+        <p:nvSpPr>
+          <p:cNvPr id="3" name="Inhaltsplatzhalter 2"/>
+          <p:cNvSpPr>
+            <a:spLocks noGrp="1"/>
+          </p:cNvSpPr>
+          <p:nvPr>
+            <p:ph sz="quarter" idx="1"/>
+          </p:nvPr>
+        </p:nvSpPr>
+        <p:spPr/>
+        <p:txBody>
+          <a:bodyPr/>
+          <a:lstStyle/>
+          <a:p>
+            <a:r>
+              <a:rPr lang="de-DE" dirty="0"/>
+              <a:t>http://twitter4j.org/en/index.html</a:t>
+            </a:r>
+          </a:p>
+        </p:txBody>
+      </p:sp>
+      <p:sp>
+        <p:nvSpPr>
+          <p:cNvPr id="4" name="Datumsplatzhalter 3"/>
+          <p:cNvSpPr>
+            <a:spLocks noGrp="1"/>
+          </p:cNvSpPr>
+          <p:nvPr>
+            <p:ph type="dt" sz="half" idx="10"/>
+          </p:nvPr>
+        </p:nvSpPr>
+        <p:spPr/>
+        <p:txBody>
+          <a:bodyPr/>
+          <a:lstStyle/>
+          <a:p>
+            <a:fld id="{BCBDCDC2-3110-4760-9150-6E2A4FABFD1B}" type="datetime1">
+              <a:rPr lang="de-DE" smtClean="0"/>
+              <a:t>20.11.2013</a:t>
+            </a:fld>
+            <a:endParaRPr lang="de-DE"/>
+          </a:p>
+        </p:txBody>
+      </p:sp>
+      <p:sp>
+        <p:nvSpPr>
+          <p:cNvPr id="5" name="Fußzeilenplatzhalter 4"/>
+          <p:cNvSpPr>
+            <a:spLocks noGrp="1"/>
+          </p:cNvSpPr>
+          <p:nvPr>
+            <p:ph type="ftr" sz="quarter" idx="11"/>
+          </p:nvPr>
+        </p:nvSpPr>
+        <p:spPr/>
+        <p:txBody>
+          <a:bodyPr/>
+          <a:lstStyle/>
+          <a:p>
+            <a:r>
+              <a:rPr lang="de-DE" smtClean="0"/>
+              <a:t>Gruppe 3</a:t>
+            </a:r>
+            <a:endParaRPr lang="de-DE"/>
+          </a:p>
+        </p:txBody>
+      </p:sp>
+      <p:sp>
+        <p:nvSpPr>
+          <p:cNvPr id="6" name="Foliennummernplatzhalter 5"/>
+          <p:cNvSpPr>
+            <a:spLocks noGrp="1"/>
+          </p:cNvSpPr>
+          <p:nvPr>
+            <p:ph type="sldNum" sz="quarter" idx="12"/>
+          </p:nvPr>
+        </p:nvSpPr>
+        <p:spPr/>
+        <p:txBody>
+          <a:bodyPr/>
+          <a:lstStyle/>
+          <a:p>
+            <a:fld id="{6C6AE60A-B69C-4790-82F7-3882EDF23186}" type="slidenum">
+              <a:rPr lang="de-DE" smtClean="0"/>
+              <a:t>17</a:t>
+            </a:fld>
+            <a:endParaRPr lang="de-DE"/>
+          </a:p>
+        </p:txBody>
+      </p:sp>
+    </p:spTree>
+    <p:extLst>
+      <p:ext uri="{BB962C8B-B14F-4D97-AF65-F5344CB8AC3E}">
+        <p14:creationId xmlns:p14="http://schemas.microsoft.com/office/powerpoint/2010/main" val="71294914"/>
+      </p:ext>
+    </p:extLst>
+  </p:cSld>
+  <p:clrMapOvr>
+    <a:masterClrMapping/>
+  </p:clrMapOvr>
+  <p:timing>
+    <p:tnLst>
+      <p:par>
+        <p:cTn id="1" dur="indefinite" restart="never" nodeType="tmRoot"/>
+      </p:par>
+    </p:tnLst>
+  </p:timing>
+</p:sld>
+</file>
+
+<file path=ppt/slides/slide2.xml><?xml version="1.0" encoding="utf-8"?>
+<p:sld xmlns:a="http://schemas.openxmlformats.org/drawingml/2006/main" xmlns:r="http://schemas.openxmlformats.org/officeDocument/2006/relationships" xmlns:p="http://schemas.openxmlformats.org/presentationml/2006/main">
+  <p:cSld>
+    <p:spTree>
+      <p:nvGrpSpPr>
+        <p:cNvPr id="1" name=""/>
+        <p:cNvGrpSpPr/>
+        <p:nvPr/>
+      </p:nvGrpSpPr>
+      <p:grpSpPr>
+        <a:xfrm>
+          <a:off x="0" y="0"/>
+          <a:ext cx="0" cy="0"/>
+          <a:chOff x="0" y="0"/>
+          <a:chExt cx="0" cy="0"/>
+        </a:xfrm>
+      </p:grpSpPr>
+      <p:sp>
+        <p:nvSpPr>
+          <p:cNvPr id="2" name="Titel 1"/>
+          <p:cNvSpPr>
+            <a:spLocks noGrp="1"/>
+          </p:cNvSpPr>
+          <p:nvPr>
+            <p:ph type="title"/>
+          </p:nvPr>
+        </p:nvSpPr>
+        <p:spPr/>
+        <p:txBody>
+          <a:bodyPr/>
+          <a:lstStyle/>
+          <a:p>
+            <a:r>
+              <a:rPr lang="de-DE" dirty="0" smtClean="0"/>
+              <a:t>Gliederung</a:t>
+            </a:r>
+            <a:endParaRPr lang="de-DE" dirty="0"/>
+          </a:p>
+        </p:txBody>
+      </p:sp>
+      <p:sp>
+        <p:nvSpPr>
+          <p:cNvPr id="3" name="Inhaltsplatzhalter 2"/>
+          <p:cNvSpPr>
+            <a:spLocks noGrp="1"/>
+          </p:cNvSpPr>
+          <p:nvPr>
+            <p:ph sz="quarter" idx="1"/>
+          </p:nvPr>
+        </p:nvSpPr>
+        <p:spPr/>
+        <p:txBody>
+          <a:bodyPr/>
+          <a:lstStyle/>
+          <a:p>
+            <a:r>
+              <a:rPr lang="de-DE" dirty="0" smtClean="0"/>
+              <a:t>Stand der </a:t>
+            </a:r>
+            <a:r>
+              <a:rPr lang="de-DE" b="1" dirty="0" smtClean="0"/>
+              <a:t>Datenbeschaffung</a:t>
+            </a:r>
+          </a:p>
+          <a:p>
+            <a:r>
+              <a:rPr lang="de-DE" dirty="0" smtClean="0"/>
+              <a:t>Stand der </a:t>
+            </a:r>
+            <a:r>
+              <a:rPr lang="de-DE" b="1" dirty="0" smtClean="0"/>
+              <a:t>Datenanalyse</a:t>
+            </a:r>
+          </a:p>
+          <a:p>
+            <a:r>
+              <a:rPr lang="de-DE" dirty="0" smtClean="0"/>
+              <a:t>Stand der </a:t>
+            </a:r>
+            <a:r>
+              <a:rPr lang="de-DE" b="1" dirty="0" smtClean="0"/>
+              <a:t>Datenvisualisierung</a:t>
+            </a:r>
+          </a:p>
+          <a:p>
+            <a:r>
+              <a:rPr lang="de-DE" dirty="0" smtClean="0"/>
+              <a:t>Gemeinsamer </a:t>
+            </a:r>
+            <a:r>
+              <a:rPr lang="de-DE" b="1" dirty="0" smtClean="0"/>
+              <a:t>Prototyp</a:t>
+            </a:r>
+          </a:p>
+          <a:p>
+            <a:r>
+              <a:rPr lang="de-DE" b="1" dirty="0" err="1" smtClean="0"/>
+              <a:t>Use</a:t>
+            </a:r>
+            <a:r>
+              <a:rPr lang="de-DE" b="1" dirty="0" smtClean="0"/>
+              <a:t>-Case für den Prototyp</a:t>
+            </a:r>
+          </a:p>
+          <a:p>
+            <a:pPr lvl="1"/>
+            <a:r>
+              <a:rPr lang="de-DE" b="1" dirty="0" err="1" smtClean="0"/>
+              <a:t>Use</a:t>
+            </a:r>
+            <a:r>
+              <a:rPr lang="de-DE" b="1" dirty="0" smtClean="0"/>
+              <a:t>-Case: Beschaffung</a:t>
+            </a:r>
+          </a:p>
+          <a:p>
+            <a:pPr lvl="1"/>
+            <a:r>
+              <a:rPr lang="de-DE" b="1" dirty="0" err="1" smtClean="0"/>
+              <a:t>Use</a:t>
+            </a:r>
+            <a:r>
+              <a:rPr lang="de-DE" b="1" dirty="0" smtClean="0"/>
+              <a:t>-Case: Analyse</a:t>
+            </a:r>
+          </a:p>
+          <a:p>
+            <a:pPr lvl="1"/>
+            <a:r>
+              <a:rPr lang="de-DE" b="1" dirty="0" err="1" smtClean="0"/>
+              <a:t>Use</a:t>
+            </a:r>
+            <a:r>
+              <a:rPr lang="de-DE" b="1" dirty="0" smtClean="0"/>
+              <a:t>-Case: Visualisierung</a:t>
+            </a:r>
+          </a:p>
+          <a:p>
+            <a:r>
+              <a:rPr lang="de-DE" b="1" dirty="0" smtClean="0"/>
+              <a:t>Live-Demo</a:t>
+            </a:r>
+          </a:p>
+          <a:p>
+            <a:pPr marL="0" indent="0">
+              <a:buNone/>
+            </a:pPr>
+            <a:endParaRPr lang="de-DE" dirty="0" smtClean="0"/>
+          </a:p>
+          <a:p>
+            <a:pPr marL="0" indent="0">
+              <a:buNone/>
+            </a:pPr>
+            <a:endParaRPr lang="de-DE" dirty="0"/>
+          </a:p>
+        </p:txBody>
+      </p:sp>
+      <p:sp>
+        <p:nvSpPr>
+          <p:cNvPr id="4" name="Datumsplatzhalter 3"/>
+          <p:cNvSpPr>
+            <a:spLocks noGrp="1"/>
+          </p:cNvSpPr>
+          <p:nvPr>
+            <p:ph type="dt" sz="half" idx="10"/>
+          </p:nvPr>
+        </p:nvSpPr>
+        <p:spPr/>
+        <p:txBody>
+          <a:bodyPr/>
+          <a:lstStyle/>
+          <a:p>
+            <a:fld id="{5255E928-4514-4A47-B1E6-535DCC9EC10F}" type="datetime1">
+              <a:rPr lang="de-DE" smtClean="0"/>
+              <a:t>20.11.2013</a:t>
+            </a:fld>
+            <a:endParaRPr lang="de-DE"/>
+          </a:p>
+        </p:txBody>
+      </p:sp>
+      <p:sp>
+        <p:nvSpPr>
+          <p:cNvPr id="5" name="Fußzeilenplatzhalter 4"/>
+          <p:cNvSpPr>
+            <a:spLocks noGrp="1"/>
+          </p:cNvSpPr>
+          <p:nvPr>
+            <p:ph type="ftr" sz="quarter" idx="11"/>
+          </p:nvPr>
+        </p:nvSpPr>
+        <p:spPr/>
+        <p:txBody>
+          <a:bodyPr/>
+          <a:lstStyle/>
+          <a:p>
+            <a:r>
+              <a:rPr lang="de-DE" smtClean="0"/>
+              <a:t>Gruppe 3</a:t>
+            </a:r>
+            <a:endParaRPr lang="de-DE"/>
+          </a:p>
+        </p:txBody>
+      </p:sp>
+      <p:sp>
+        <p:nvSpPr>
+          <p:cNvPr id="6" name="Foliennummernplatzhalter 5"/>
+          <p:cNvSpPr>
+            <a:spLocks noGrp="1"/>
+          </p:cNvSpPr>
+          <p:nvPr>
+            <p:ph type="sldNum" sz="quarter" idx="12"/>
+          </p:nvPr>
+        </p:nvSpPr>
+        <p:spPr/>
+        <p:txBody>
+          <a:bodyPr/>
+          <a:lstStyle/>
+          <a:p>
+            <a:fld id="{6C6AE60A-B69C-4790-82F7-3882EDF23186}" type="slidenum">
+              <a:rPr lang="de-DE" smtClean="0"/>
+              <a:t>2</a:t>
+            </a:fld>
+            <a:endParaRPr lang="de-DE"/>
+          </a:p>
+        </p:txBody>
+      </p:sp>
+    </p:spTree>
+    <p:extLst>
+      <p:ext uri="{BB962C8B-B14F-4D97-AF65-F5344CB8AC3E}">
+        <p14:creationId xmlns:p14="http://schemas.microsoft.com/office/powerpoint/2010/main" val="1596827633"/>
+      </p:ext>
+    </p:extLst>
+  </p:cSld>
+  <p:clrMapOvr>
+    <a:masterClrMapping/>
+  </p:clrMapOvr>
+  <p:timing>
+    <p:tnLst>
+      <p:par>
+        <p:cTn id="1" dur="indefinite" restart="never" nodeType="tmRoot"/>
+      </p:par>
+    </p:tnLst>
+  </p:timing>
+</p:sld>
+</file>
+
+<file path=ppt/slides/slide3.xml><?xml version="1.0" encoding="utf-8"?>
+<p:sld xmlns:a="http://schemas.openxmlformats.org/drawingml/2006/main" xmlns:r="http://schemas.openxmlformats.org/officeDocument/2006/relationships" xmlns:p="http://schemas.openxmlformats.org/presentationml/2006/main">
+  <p:cSld>
+    <p:spTree>
+      <p:nvGrpSpPr>
+        <p:cNvPr id="1" name=""/>
+        <p:cNvGrpSpPr/>
+        <p:nvPr/>
+      </p:nvGrpSpPr>
+      <p:grpSpPr>
+        <a:xfrm>
+          <a:off x="0" y="0"/>
+          <a:ext cx="0" cy="0"/>
+          <a:chOff x="0" y="0"/>
+          <a:chExt cx="0" cy="0"/>
+        </a:xfrm>
+      </p:grpSpPr>
+      <p:sp>
+        <p:nvSpPr>
+          <p:cNvPr id="2" name="Titel 1"/>
+          <p:cNvSpPr>
+            <a:spLocks noGrp="1"/>
+          </p:cNvSpPr>
+          <p:nvPr>
+            <p:ph type="title"/>
+          </p:nvPr>
+        </p:nvSpPr>
+        <p:spPr/>
+        <p:txBody>
+          <a:bodyPr/>
+          <a:lstStyle/>
+          <a:p>
+            <a:r>
+              <a:rPr lang="de-DE" dirty="0" smtClean="0"/>
+              <a:t>Datenbeschaffung – momentaner Stand</a:t>
+            </a:r>
+            <a:endParaRPr lang="de-DE" dirty="0"/>
+          </a:p>
+        </p:txBody>
+      </p:sp>
+      <p:sp>
+        <p:nvSpPr>
+          <p:cNvPr id="3" name="Inhaltsplatzhalter 2"/>
+          <p:cNvSpPr>
+            <a:spLocks noGrp="1"/>
+          </p:cNvSpPr>
+          <p:nvPr>
+            <p:ph sz="quarter" idx="1"/>
+          </p:nvPr>
+        </p:nvSpPr>
+        <p:spPr/>
+        <p:txBody>
+          <a:bodyPr/>
+          <a:lstStyle/>
+          <a:p>
+            <a:r>
+              <a:rPr lang="de-DE" dirty="0" smtClean="0"/>
+              <a:t>Manuelles Abgreifen von Daten aus </a:t>
+            </a:r>
+            <a:r>
+              <a:rPr lang="de-DE" dirty="0" err="1" smtClean="0"/>
+              <a:t>Twitter</a:t>
+            </a:r>
+            <a:endParaRPr lang="de-DE" dirty="0" smtClean="0"/>
+          </a:p>
+          <a:p>
+            <a:r>
+              <a:rPr lang="de-DE" dirty="0" smtClean="0"/>
+              <a:t>Schnelle Reaktion auf aktuelle Ereignisse und Trends</a:t>
+            </a:r>
+          </a:p>
+          <a:p>
+            <a:r>
+              <a:rPr lang="de-DE" dirty="0" smtClean="0"/>
+              <a:t>Zugriff über die Search-API und twitter4J-Bibliothek</a:t>
+            </a:r>
+          </a:p>
+          <a:p>
+            <a:r>
+              <a:rPr lang="de-DE" dirty="0" smtClean="0"/>
+              <a:t>Mehrere Varianten um die </a:t>
+            </a:r>
+            <a:r>
+              <a:rPr lang="de-DE" dirty="0" err="1" smtClean="0"/>
+              <a:t>Tweets</a:t>
+            </a:r>
+            <a:r>
+              <a:rPr lang="de-DE" dirty="0" smtClean="0"/>
+              <a:t> abzugreifen</a:t>
+            </a:r>
+          </a:p>
+          <a:p>
+            <a:r>
+              <a:rPr lang="de-DE" dirty="0" smtClean="0"/>
+              <a:t>Schnittstelle zur Analyse (Datenbank) ist festgelegt und wird von beiden Seiten aktiv genutzt</a:t>
+            </a:r>
+          </a:p>
+          <a:p>
+            <a:pPr marL="0" indent="0">
+              <a:buNone/>
+            </a:pPr>
+            <a:endParaRPr lang="de-DE" dirty="0" smtClean="0"/>
+          </a:p>
+          <a:p>
+            <a:endParaRPr lang="de-DE" dirty="0"/>
+          </a:p>
+        </p:txBody>
+      </p:sp>
+      <p:sp>
+        <p:nvSpPr>
+          <p:cNvPr id="4" name="Datumsplatzhalter 3"/>
+          <p:cNvSpPr>
+            <a:spLocks noGrp="1"/>
+          </p:cNvSpPr>
+          <p:nvPr>
+            <p:ph type="dt" sz="half" idx="10"/>
+          </p:nvPr>
+        </p:nvSpPr>
+        <p:spPr/>
+        <p:txBody>
+          <a:bodyPr/>
+          <a:lstStyle/>
+          <a:p>
+            <a:fld id="{070863EC-ACE5-4B9C-8EAD-65B11B8828A5}" type="datetime1">
+              <a:rPr lang="de-DE" smtClean="0"/>
+              <a:t>20.11.2013</a:t>
+            </a:fld>
+            <a:endParaRPr lang="de-DE"/>
+          </a:p>
+        </p:txBody>
+      </p:sp>
+      <p:sp>
+        <p:nvSpPr>
+          <p:cNvPr id="5" name="Fußzeilenplatzhalter 4"/>
+          <p:cNvSpPr>
+            <a:spLocks noGrp="1"/>
+          </p:cNvSpPr>
+          <p:nvPr>
+            <p:ph type="ftr" sz="quarter" idx="11"/>
+          </p:nvPr>
+        </p:nvSpPr>
+        <p:spPr/>
+        <p:txBody>
+          <a:bodyPr/>
+          <a:lstStyle/>
+          <a:p>
+            <a:r>
+              <a:rPr lang="de-DE" smtClean="0"/>
+              <a:t>Gruppe 3</a:t>
+            </a:r>
+            <a:endParaRPr lang="de-DE"/>
+          </a:p>
+        </p:txBody>
+      </p:sp>
+      <p:sp>
+        <p:nvSpPr>
+          <p:cNvPr id="6" name="Foliennummernplatzhalter 5"/>
+          <p:cNvSpPr>
+            <a:spLocks noGrp="1"/>
+          </p:cNvSpPr>
+          <p:nvPr>
+            <p:ph type="sldNum" sz="quarter" idx="12"/>
+          </p:nvPr>
+        </p:nvSpPr>
+        <p:spPr/>
+        <p:txBody>
+          <a:bodyPr/>
+          <a:lstStyle/>
+          <a:p>
+            <a:fld id="{6C6AE60A-B69C-4790-82F7-3882EDF23186}" type="slidenum">
+              <a:rPr lang="de-DE" smtClean="0"/>
+              <a:t>3</a:t>
+            </a:fld>
+            <a:endParaRPr lang="de-DE"/>
+          </a:p>
+        </p:txBody>
+      </p:sp>
+    </p:spTree>
+    <p:extLst>
+      <p:ext uri="{BB962C8B-B14F-4D97-AF65-F5344CB8AC3E}">
+        <p14:creationId xmlns:p14="http://schemas.microsoft.com/office/powerpoint/2010/main" val="923774653"/>
+      </p:ext>
+    </p:extLst>
+  </p:cSld>
+  <p:clrMapOvr>
+    <a:masterClrMapping/>
+  </p:clrMapOvr>
+  <p:timing>
+    <p:tnLst>
+      <p:par>
+        <p:cTn id="1" dur="indefinite" restart="never" nodeType="tmRoot"/>
+      </p:par>
+    </p:tnLst>
+  </p:timing>
+</p:sld>
+</file>
+
+<file path=ppt/slides/slide4.xml><?xml version="1.0" encoding="utf-8"?>
+<p:sld xmlns:a="http://schemas.openxmlformats.org/drawingml/2006/main" xmlns:r="http://schemas.openxmlformats.org/officeDocument/2006/relationships" xmlns:p="http://schemas.openxmlformats.org/presentationml/2006/main">
+  <p:cSld>
+    <p:spTree>
+      <p:nvGrpSpPr>
+        <p:cNvPr id="1" name=""/>
+        <p:cNvGrpSpPr/>
+        <p:nvPr/>
+      </p:nvGrpSpPr>
+      <p:grpSpPr>
+        <a:xfrm>
+          <a:off x="0" y="0"/>
+          <a:ext cx="0" cy="0"/>
+          <a:chOff x="0" y="0"/>
+          <a:chExt cx="0" cy="0"/>
+        </a:xfrm>
+      </p:grpSpPr>
+      <p:sp>
+        <p:nvSpPr>
+          <p:cNvPr id="2" name="Titel 1"/>
+          <p:cNvSpPr>
+            <a:spLocks noGrp="1"/>
+          </p:cNvSpPr>
+          <p:nvPr>
+            <p:ph type="title"/>
+          </p:nvPr>
+        </p:nvSpPr>
+        <p:spPr/>
+        <p:txBody>
+          <a:bodyPr>
+            <a:normAutofit/>
+          </a:bodyPr>
+          <a:lstStyle/>
+          <a:p>
+            <a:r>
+              <a:rPr lang="de-DE" dirty="0" smtClean="0"/>
+              <a:t>Aktivitätsdiagramm</a:t>
+            </a:r>
+            <a:endParaRPr lang="de-DE" dirty="0"/>
+          </a:p>
+        </p:txBody>
+      </p:sp>
+      <p:sp>
+        <p:nvSpPr>
+          <p:cNvPr id="3" name="Datumsplatzhalter 2"/>
+          <p:cNvSpPr>
+            <a:spLocks noGrp="1"/>
+          </p:cNvSpPr>
+          <p:nvPr>
+            <p:ph type="dt" sz="half" idx="10"/>
+          </p:nvPr>
+        </p:nvSpPr>
+        <p:spPr/>
+        <p:txBody>
+          <a:bodyPr/>
+          <a:lstStyle/>
+          <a:p>
+            <a:fld id="{D9975B42-5746-47E7-BCC4-BA8FC759085B}" type="datetime1">
+              <a:rPr lang="de-DE" smtClean="0"/>
+              <a:t>20.11.2013</a:t>
+            </a:fld>
+            <a:endParaRPr lang="de-DE"/>
+          </a:p>
+        </p:txBody>
+      </p:sp>
+      <p:sp>
+        <p:nvSpPr>
+          <p:cNvPr id="4" name="Fußzeilenplatzhalter 3"/>
+          <p:cNvSpPr>
+            <a:spLocks noGrp="1"/>
+          </p:cNvSpPr>
+          <p:nvPr>
+            <p:ph type="ftr" sz="quarter" idx="11"/>
+          </p:nvPr>
+        </p:nvSpPr>
+        <p:spPr/>
+        <p:txBody>
+          <a:bodyPr/>
+          <a:lstStyle/>
+          <a:p>
+            <a:r>
+              <a:rPr lang="de-DE" smtClean="0"/>
+              <a:t>Gruppe 3</a:t>
+            </a:r>
+            <a:endParaRPr lang="de-DE"/>
+          </a:p>
+        </p:txBody>
+      </p:sp>
+      <p:sp>
+        <p:nvSpPr>
+          <p:cNvPr id="5" name="Foliennummernplatzhalter 4"/>
+          <p:cNvSpPr>
+            <a:spLocks noGrp="1"/>
+          </p:cNvSpPr>
+          <p:nvPr>
+            <p:ph type="sldNum" sz="quarter" idx="12"/>
+          </p:nvPr>
+        </p:nvSpPr>
+        <p:spPr/>
+        <p:txBody>
+          <a:bodyPr/>
+          <a:lstStyle/>
+          <a:p>
+            <a:fld id="{6C6AE60A-B69C-4790-82F7-3882EDF23186}" type="slidenum">
+              <a:rPr lang="de-DE" smtClean="0"/>
+              <a:t>4</a:t>
+            </a:fld>
+            <a:endParaRPr lang="de-DE"/>
+          </a:p>
+        </p:txBody>
+      </p:sp>
+      <p:pic>
+        <p:nvPicPr>
+          <p:cNvPr id="1026" name="Picture 2" descr="E:\Dokumente\Dropbox\Dropbox\Master-1\MI\Praktikum\Parse Tweets.png"/>
+          <p:cNvPicPr>
+            <a:picLocks noChangeAspect="1" noChangeArrowheads="1"/>
+          </p:cNvPicPr>
+          <p:nvPr/>
+        </p:nvPicPr>
+        <p:blipFill>
+          <a:blip r:embed="rId2">
+            <a:extLst>
+              <a:ext uri="{28A0092B-C50C-407E-A947-70E740481C1C}">
+                <a14:useLocalDpi xmlns:a14="http://schemas.microsoft.com/office/drawing/2010/main" val="0"/>
+              </a:ext>
+            </a:extLst>
+          </a:blip>
+          <a:srcRect/>
+          <a:stretch>
+            <a:fillRect/>
+          </a:stretch>
+        </p:blipFill>
+        <p:spPr bwMode="auto">
+          <a:xfrm>
+            <a:off x="899592" y="1484784"/>
+            <a:ext cx="7482532" cy="4883373"/>
+          </a:xfrm>
+          <a:prstGeom prst="rect">
+            <a:avLst/>
+          </a:prstGeom>
+          <a:noFill/>
+          <a:extLst>
+            <a:ext uri="{909E8E84-426E-40DD-AFC4-6F175D3DCCD1}">
+              <a14:hiddenFill xmlns:a14="http://schemas.microsoft.com/office/drawing/2010/main">
+                <a:solidFill>
+                  <a:srgbClr val="FFFFFF"/>
+                </a:solidFill>
+              </a14:hiddenFill>
+            </a:ext>
+          </a:extLst>
+        </p:spPr>
+      </p:pic>
+    </p:spTree>
+    <p:extLst>
+      <p:ext uri="{BB962C8B-B14F-4D97-AF65-F5344CB8AC3E}">
+        <p14:creationId xmlns:p14="http://schemas.microsoft.com/office/powerpoint/2010/main" val="50145211"/>
+      </p:ext>
+    </p:extLst>
+  </p:cSld>
+  <p:clrMapOvr>
+    <a:masterClrMapping/>
+  </p:clrMapOvr>
+  <p:timing>
+    <p:tnLst>
+      <p:par>
+        <p:cTn id="1" dur="indefinite" restart="never" nodeType="tmRoot"/>
+      </p:par>
+    </p:tnLst>
+  </p:timing>
+</p:sld>
+</file>
+
+<file path=ppt/slides/slide5.xml><?xml version="1.0" encoding="utf-8"?>
+<p:sld xmlns:a="http://schemas.openxmlformats.org/drawingml/2006/main" xmlns:r="http://schemas.openxmlformats.org/officeDocument/2006/relationships" xmlns:p="http://schemas.openxmlformats.org/presentationml/2006/main">
+  <p:cSld>
+    <p:spTree>
+      <p:nvGrpSpPr>
+        <p:cNvPr id="1" name=""/>
+        <p:cNvGrpSpPr/>
+        <p:nvPr/>
+      </p:nvGrpSpPr>
+      <p:grpSpPr>
+        <a:xfrm>
+          <a:off x="0" y="0"/>
+          <a:ext cx="0" cy="0"/>
+          <a:chOff x="0" y="0"/>
+          <a:chExt cx="0" cy="0"/>
+        </a:xfrm>
+      </p:grpSpPr>
+      <p:sp>
+        <p:nvSpPr>
+          <p:cNvPr id="2" name="Titel 1"/>
+          <p:cNvSpPr>
+            <a:spLocks noGrp="1"/>
+          </p:cNvSpPr>
+          <p:nvPr>
+            <p:ph type="title"/>
+          </p:nvPr>
+        </p:nvSpPr>
+        <p:spPr/>
+        <p:txBody>
+          <a:bodyPr/>
+          <a:lstStyle/>
+          <a:p>
+            <a:r>
+              <a:rPr lang="de-DE" dirty="0" smtClean="0"/>
+              <a:t>Datenbeschaffung - Ausblick</a:t>
+            </a:r>
+            <a:endParaRPr lang="de-DE" dirty="0"/>
+          </a:p>
+        </p:txBody>
+      </p:sp>
+      <p:sp>
+        <p:nvSpPr>
+          <p:cNvPr id="3" name="Inhaltsplatzhalter 2"/>
+          <p:cNvSpPr>
+            <a:spLocks noGrp="1"/>
+          </p:cNvSpPr>
+          <p:nvPr>
+            <p:ph sz="quarter" idx="1"/>
+          </p:nvPr>
+        </p:nvSpPr>
+        <p:spPr/>
+        <p:txBody>
+          <a:bodyPr/>
+          <a:lstStyle/>
+          <a:p>
+            <a:r>
+              <a:rPr lang="de-DE" dirty="0" smtClean="0"/>
+              <a:t>Kontinuierliches, automatisches Abgreifen von </a:t>
+            </a:r>
+            <a:r>
+              <a:rPr lang="de-DE" dirty="0" err="1" smtClean="0"/>
+              <a:t>Tweets</a:t>
+            </a:r>
+            <a:endParaRPr lang="de-DE" dirty="0" smtClean="0"/>
+          </a:p>
+          <a:p>
+            <a:r>
+              <a:rPr lang="de-DE" dirty="0" smtClean="0"/>
+              <a:t>Auf Basis des bisherigen Mechanismus</a:t>
+            </a:r>
+          </a:p>
+          <a:p>
+            <a:r>
+              <a:rPr lang="de-DE" dirty="0" smtClean="0"/>
+              <a:t>Feedback-Mechanismus durch stetig aktualisierte Stichworte</a:t>
+            </a:r>
+          </a:p>
+          <a:p>
+            <a:r>
+              <a:rPr lang="de-DE" dirty="0" smtClean="0"/>
+              <a:t>Dauerhaft, als Hintergrunddienst, laufendes Programm</a:t>
+            </a:r>
+          </a:p>
+          <a:p>
+            <a:r>
+              <a:rPr lang="de-DE" dirty="0" smtClean="0"/>
+              <a:t>Bei parallelen Ereignissen</a:t>
+            </a:r>
+          </a:p>
+          <a:p>
+            <a:pPr lvl="1"/>
+            <a:r>
+              <a:rPr lang="de-DE" dirty="0" smtClean="0"/>
+              <a:t>Mehrere (Such)Anfragen und schreiben in verschiedene Tabellen</a:t>
+            </a:r>
+          </a:p>
+        </p:txBody>
+      </p:sp>
+      <p:sp>
+        <p:nvSpPr>
+          <p:cNvPr id="4" name="Datumsplatzhalter 3"/>
+          <p:cNvSpPr>
+            <a:spLocks noGrp="1"/>
+          </p:cNvSpPr>
+          <p:nvPr>
+            <p:ph type="dt" sz="half" idx="10"/>
+          </p:nvPr>
+        </p:nvSpPr>
+        <p:spPr/>
+        <p:txBody>
+          <a:bodyPr/>
+          <a:lstStyle/>
+          <a:p>
+            <a:fld id="{ED5E3373-AA59-4E4B-9FDE-0A43FC2B7856}" type="datetime1">
+              <a:rPr lang="de-DE" smtClean="0"/>
+              <a:t>20.11.2013</a:t>
+            </a:fld>
+            <a:endParaRPr lang="de-DE"/>
+          </a:p>
+        </p:txBody>
+      </p:sp>
+      <p:sp>
+        <p:nvSpPr>
+          <p:cNvPr id="5" name="Fußzeilenplatzhalter 4"/>
+          <p:cNvSpPr>
+            <a:spLocks noGrp="1"/>
+          </p:cNvSpPr>
+          <p:nvPr>
+            <p:ph type="ftr" sz="quarter" idx="11"/>
+          </p:nvPr>
+        </p:nvSpPr>
+        <p:spPr/>
+        <p:txBody>
+          <a:bodyPr/>
+          <a:lstStyle/>
+          <a:p>
+            <a:r>
+              <a:rPr lang="de-DE" smtClean="0"/>
+              <a:t>Gruppe 3</a:t>
+            </a:r>
+            <a:endParaRPr lang="de-DE"/>
+          </a:p>
+        </p:txBody>
+      </p:sp>
+      <p:sp>
+        <p:nvSpPr>
+          <p:cNvPr id="6" name="Foliennummernplatzhalter 5"/>
+          <p:cNvSpPr>
+            <a:spLocks noGrp="1"/>
+          </p:cNvSpPr>
+          <p:nvPr>
+            <p:ph type="sldNum" sz="quarter" idx="12"/>
+          </p:nvPr>
+        </p:nvSpPr>
+        <p:spPr/>
+        <p:txBody>
+          <a:bodyPr/>
+          <a:lstStyle/>
+          <a:p>
+            <a:fld id="{6C6AE60A-B69C-4790-82F7-3882EDF23186}" type="slidenum">
+              <a:rPr lang="de-DE" smtClean="0"/>
+              <a:t>5</a:t>
+            </a:fld>
+            <a:endParaRPr lang="de-DE"/>
+          </a:p>
+        </p:txBody>
+      </p:sp>
+    </p:spTree>
+    <p:extLst>
+      <p:ext uri="{BB962C8B-B14F-4D97-AF65-F5344CB8AC3E}">
+        <p14:creationId xmlns:p14="http://schemas.microsoft.com/office/powerpoint/2010/main" val="1029688193"/>
+      </p:ext>
+    </p:extLst>
+  </p:cSld>
+  <p:clrMapOvr>
+    <a:masterClrMapping/>
+  </p:clrMapOvr>
+  <p:timing>
+    <p:tnLst>
+      <p:par>
+        <p:cTn id="1" dur="indefinite" restart="never" nodeType="tmRoot"/>
+      </p:par>
+    </p:tnLst>
+  </p:timing>
+</p:sld>
+</file>
+
+<file path=ppt/slides/slide6.xml><?xml version="1.0" encoding="utf-8"?>
+<p:sld xmlns:a="http://schemas.openxmlformats.org/drawingml/2006/main" xmlns:r="http://schemas.openxmlformats.org/officeDocument/2006/relationships" xmlns:p="http://schemas.openxmlformats.org/presentationml/2006/main">
+  <p:cSld>
+    <p:spTree>
+      <p:nvGrpSpPr>
+        <p:cNvPr id="1" name=""/>
+        <p:cNvGrpSpPr/>
+        <p:nvPr/>
+      </p:nvGrpSpPr>
+      <p:grpSpPr>
+        <a:xfrm>
+          <a:off x="0" y="0"/>
+          <a:ext cx="0" cy="0"/>
+          <a:chOff x="0" y="0"/>
+          <a:chExt cx="0" cy="0"/>
+        </a:xfrm>
+      </p:grpSpPr>
+      <p:sp>
+        <p:nvSpPr>
+          <p:cNvPr id="2" name="Titel 1"/>
+          <p:cNvSpPr>
+            <a:spLocks noGrp="1"/>
+          </p:cNvSpPr>
+          <p:nvPr>
+            <p:ph type="title"/>
+          </p:nvPr>
+        </p:nvSpPr>
+        <p:spPr/>
+        <p:txBody>
+          <a:bodyPr/>
+          <a:lstStyle/>
+          <a:p>
+            <a:r>
+              <a:rPr lang="de-DE" dirty="0"/>
+              <a:t>Datenanalyse</a:t>
+            </a:r>
+          </a:p>
+        </p:txBody>
+      </p:sp>
+      <p:sp>
+        <p:nvSpPr>
+          <p:cNvPr id="3" name="Inhaltsplatzhalter 2"/>
+          <p:cNvSpPr>
+            <a:spLocks noGrp="1"/>
+          </p:cNvSpPr>
+          <p:nvPr>
+            <p:ph sz="quarter" idx="1"/>
+          </p:nvPr>
+        </p:nvSpPr>
+        <p:spPr/>
+        <p:txBody>
+          <a:bodyPr/>
+          <a:lstStyle/>
+          <a:p>
+            <a:r>
+              <a:rPr lang="de-DE" dirty="0" err="1"/>
+              <a:t>Toolchain</a:t>
+            </a:r>
+            <a:r>
+              <a:rPr lang="de-DE" dirty="0"/>
+              <a:t> für Tweet-Verarbeitung</a:t>
+            </a:r>
+          </a:p>
+          <a:p>
+            <a:pPr lvl="1"/>
+            <a:r>
+              <a:rPr lang="de-DE" dirty="0"/>
+              <a:t>Generalisierung</a:t>
+            </a:r>
+          </a:p>
+          <a:p>
+            <a:pPr lvl="1"/>
+            <a:r>
+              <a:rPr lang="de-DE" dirty="0"/>
+              <a:t>Ortsbestimmung</a:t>
+            </a:r>
+          </a:p>
+          <a:p>
+            <a:pPr lvl="1"/>
+            <a:r>
+              <a:rPr lang="de-DE" dirty="0"/>
+              <a:t>Kategorisierung</a:t>
+            </a:r>
+          </a:p>
+          <a:p>
+            <a:endParaRPr lang="de-DE" dirty="0"/>
+          </a:p>
+          <a:p>
+            <a:r>
+              <a:rPr lang="de-DE" dirty="0"/>
+              <a:t>Dauerhaft, als Dienst, laufendes </a:t>
+            </a:r>
+            <a:r>
+              <a:rPr lang="de-DE" dirty="0" smtClean="0"/>
+              <a:t>Programm</a:t>
+            </a:r>
+            <a:endParaRPr lang="de-DE" dirty="0"/>
+          </a:p>
+        </p:txBody>
+      </p:sp>
+      <p:sp>
+        <p:nvSpPr>
+          <p:cNvPr id="4" name="Datumsplatzhalter 3"/>
+          <p:cNvSpPr>
+            <a:spLocks noGrp="1"/>
+          </p:cNvSpPr>
+          <p:nvPr>
+            <p:ph type="dt" sz="half" idx="10"/>
+          </p:nvPr>
+        </p:nvSpPr>
+        <p:spPr/>
+        <p:txBody>
+          <a:bodyPr/>
+          <a:lstStyle/>
+          <a:p>
+            <a:fld id="{E46E5ACF-E732-4E13-B22A-1C6692DC583B}" type="datetime1">
+              <a:rPr lang="de-DE" smtClean="0"/>
+              <a:t>20.11.2013</a:t>
+            </a:fld>
+            <a:endParaRPr lang="de-DE"/>
+          </a:p>
+        </p:txBody>
+      </p:sp>
+      <p:sp>
+        <p:nvSpPr>
+          <p:cNvPr id="5" name="Fußzeilenplatzhalter 4"/>
+          <p:cNvSpPr>
+            <a:spLocks noGrp="1"/>
+          </p:cNvSpPr>
+          <p:nvPr>
+            <p:ph type="ftr" sz="quarter" idx="11"/>
+          </p:nvPr>
+        </p:nvSpPr>
+        <p:spPr/>
+        <p:txBody>
+          <a:bodyPr/>
+          <a:lstStyle/>
+          <a:p>
+            <a:r>
+              <a:rPr lang="de-DE" smtClean="0"/>
+              <a:t>Gruppe 3</a:t>
+            </a:r>
+            <a:endParaRPr lang="de-DE"/>
+          </a:p>
+        </p:txBody>
+      </p:sp>
+      <p:sp>
+        <p:nvSpPr>
+          <p:cNvPr id="6" name="Foliennummernplatzhalter 5"/>
+          <p:cNvSpPr>
+            <a:spLocks noGrp="1"/>
+          </p:cNvSpPr>
+          <p:nvPr>
+            <p:ph type="sldNum" sz="quarter" idx="12"/>
+          </p:nvPr>
+        </p:nvSpPr>
+        <p:spPr/>
+        <p:txBody>
+          <a:bodyPr/>
+          <a:lstStyle/>
+          <a:p>
+            <a:fld id="{6C6AE60A-B69C-4790-82F7-3882EDF23186}" type="slidenum">
+              <a:rPr lang="de-DE" smtClean="0"/>
+              <a:t>6</a:t>
+            </a:fld>
+            <a:endParaRPr lang="de-DE"/>
+          </a:p>
+        </p:txBody>
+      </p:sp>
+    </p:spTree>
+    <p:extLst>
+      <p:ext uri="{BB962C8B-B14F-4D97-AF65-F5344CB8AC3E}">
+        <p14:creationId xmlns:p14="http://schemas.microsoft.com/office/powerpoint/2010/main" val="1631816806"/>
+      </p:ext>
+    </p:extLst>
+  </p:cSld>
+  <p:clrMapOvr>
+    <a:masterClrMapping/>
+  </p:clrMapOvr>
+  <p:timing>
+    <p:tnLst>
+      <p:par>
+        <p:cTn id="1" dur="indefinite" restart="never" nodeType="tmRoot"/>
+      </p:par>
+    </p:tnLst>
+  </p:timing>
+</p:sld>
+</file>
+
+<file path=ppt/slides/slide7.xml><?xml version="1.0" encoding="utf-8"?>
+<p:sld xmlns:a="http://schemas.openxmlformats.org/drawingml/2006/main" xmlns:r="http://schemas.openxmlformats.org/officeDocument/2006/relationships" xmlns:p="http://schemas.openxmlformats.org/presentationml/2006/main">
+  <p:cSld>
+    <p:spTree>
+      <p:nvGrpSpPr>
+        <p:cNvPr id="1" name=""/>
+        <p:cNvGrpSpPr/>
+        <p:nvPr/>
+      </p:nvGrpSpPr>
+      <p:grpSpPr>
+        <a:xfrm>
+          <a:off x="0" y="0"/>
+          <a:ext cx="0" cy="0"/>
+          <a:chOff x="0" y="0"/>
+          <a:chExt cx="0" cy="0"/>
+        </a:xfrm>
+      </p:grpSpPr>
+      <p:sp>
+        <p:nvSpPr>
+          <p:cNvPr id="2" name="Titel 1"/>
+          <p:cNvSpPr>
+            <a:spLocks noGrp="1"/>
+          </p:cNvSpPr>
+          <p:nvPr>
+            <p:ph type="title"/>
+          </p:nvPr>
+        </p:nvSpPr>
+        <p:spPr/>
+        <p:txBody>
+          <a:bodyPr/>
+          <a:lstStyle/>
+          <a:p>
+            <a:r>
+              <a:rPr lang="de-DE" dirty="0" smtClean="0"/>
+              <a:t>Datenanalyse</a:t>
+            </a:r>
+            <a:endParaRPr lang="de-DE" dirty="0"/>
+          </a:p>
+        </p:txBody>
+      </p:sp>
+      <p:sp>
+        <p:nvSpPr>
+          <p:cNvPr id="3" name="Datumsplatzhalter 2"/>
+          <p:cNvSpPr>
+            <a:spLocks noGrp="1"/>
+          </p:cNvSpPr>
+          <p:nvPr>
+            <p:ph type="dt" sz="half" idx="10"/>
+          </p:nvPr>
+        </p:nvSpPr>
+        <p:spPr/>
+        <p:txBody>
+          <a:bodyPr/>
+          <a:lstStyle/>
+          <a:p>
+            <a:fld id="{D9975B42-5746-47E7-BCC4-BA8FC759085B}" type="datetime1">
+              <a:rPr lang="de-DE" smtClean="0"/>
+              <a:t>20.11.2013</a:t>
+            </a:fld>
+            <a:endParaRPr lang="de-DE"/>
+          </a:p>
+        </p:txBody>
+      </p:sp>
+      <p:sp>
+        <p:nvSpPr>
+          <p:cNvPr id="4" name="Fußzeilenplatzhalter 3"/>
+          <p:cNvSpPr>
+            <a:spLocks noGrp="1"/>
+          </p:cNvSpPr>
+          <p:nvPr>
+            <p:ph type="ftr" sz="quarter" idx="11"/>
+          </p:nvPr>
+        </p:nvSpPr>
+        <p:spPr/>
+        <p:txBody>
+          <a:bodyPr/>
+          <a:lstStyle/>
+          <a:p>
+            <a:r>
+              <a:rPr lang="de-DE" smtClean="0"/>
+              <a:t>Gruppe 3</a:t>
+            </a:r>
+            <a:endParaRPr lang="de-DE"/>
+          </a:p>
+        </p:txBody>
+      </p:sp>
+      <p:sp>
+        <p:nvSpPr>
+          <p:cNvPr id="5" name="Foliennummernplatzhalter 4"/>
+          <p:cNvSpPr>
+            <a:spLocks noGrp="1"/>
+          </p:cNvSpPr>
+          <p:nvPr>
+            <p:ph type="sldNum" sz="quarter" idx="12"/>
+          </p:nvPr>
+        </p:nvSpPr>
+        <p:spPr/>
+        <p:txBody>
+          <a:bodyPr/>
+          <a:lstStyle/>
+          <a:p>
+            <a:fld id="{6C6AE60A-B69C-4790-82F7-3882EDF23186}" type="slidenum">
+              <a:rPr lang="de-DE" smtClean="0"/>
+              <a:t>7</a:t>
+            </a:fld>
+            <a:endParaRPr lang="de-DE"/>
+          </a:p>
+        </p:txBody>
+      </p:sp>
+      <p:sp>
+        <p:nvSpPr>
+          <p:cNvPr id="6" name="Inhaltsplatzhalter 5"/>
+          <p:cNvSpPr>
+            <a:spLocks noGrp="1"/>
+          </p:cNvSpPr>
+          <p:nvPr>
+            <p:ph sz="quarter" idx="1"/>
+          </p:nvPr>
+        </p:nvSpPr>
+        <p:spPr/>
+        <p:txBody>
+          <a:bodyPr/>
+          <a:lstStyle/>
+          <a:p>
+            <a:r>
+              <a:rPr lang="de-DE" dirty="0"/>
+              <a:t>Generalisierung der Tweets</a:t>
+            </a:r>
+          </a:p>
+          <a:p>
+            <a:pPr lvl="1"/>
+            <a:r>
+              <a:rPr lang="de-DE" dirty="0" err="1"/>
+              <a:t>Social</a:t>
+            </a:r>
+            <a:r>
+              <a:rPr lang="de-DE" dirty="0"/>
+              <a:t>-Media-Format</a:t>
+            </a:r>
+          </a:p>
+          <a:p>
+            <a:endParaRPr lang="de-DE" dirty="0"/>
+          </a:p>
+          <a:p>
+            <a:r>
+              <a:rPr lang="de-DE" dirty="0"/>
+              <a:t>Ortsbestimmung</a:t>
+            </a:r>
+          </a:p>
+          <a:p>
+            <a:pPr lvl="1"/>
+            <a:r>
+              <a:rPr lang="de-DE" dirty="0" err="1"/>
+              <a:t>Geolocation</a:t>
+            </a:r>
+            <a:endParaRPr lang="de-DE" dirty="0"/>
+          </a:p>
+          <a:p>
+            <a:pPr lvl="1"/>
+            <a:r>
+              <a:rPr lang="de-DE" dirty="0"/>
+              <a:t>Ortsname im Text</a:t>
+            </a:r>
+          </a:p>
+        </p:txBody>
+      </p:sp>
+    </p:spTree>
+    <p:extLst>
+      <p:ext uri="{BB962C8B-B14F-4D97-AF65-F5344CB8AC3E}">
+        <p14:creationId xmlns:p14="http://schemas.microsoft.com/office/powerpoint/2010/main" val="4069068035"/>
+      </p:ext>
+    </p:extLst>
+  </p:cSld>
+  <p:clrMapOvr>
+    <a:masterClrMapping/>
+  </p:clrMapOvr>
+</p:sld>
+</file>
+
+<file path=ppt/slides/slide8.xml><?xml version="1.0" encoding="utf-8"?>
+<p:sld xmlns:a="http://schemas.openxmlformats.org/drawingml/2006/main" xmlns:r="http://schemas.openxmlformats.org/officeDocument/2006/relationships" xmlns:p="http://schemas.openxmlformats.org/presentationml/2006/main">
+  <p:cSld>
+    <p:spTree>
+      <p:nvGrpSpPr>
+        <p:cNvPr id="1" name=""/>
+        <p:cNvGrpSpPr/>
+        <p:nvPr/>
+      </p:nvGrpSpPr>
+      <p:grpSpPr>
+        <a:xfrm>
+          <a:off x="0" y="0"/>
+          <a:ext cx="0" cy="0"/>
+          <a:chOff x="0" y="0"/>
+          <a:chExt cx="0" cy="0"/>
+        </a:xfrm>
+      </p:grpSpPr>
+      <p:sp>
+        <p:nvSpPr>
+          <p:cNvPr id="2" name="Titel 1"/>
+          <p:cNvSpPr>
+            <a:spLocks noGrp="1"/>
+          </p:cNvSpPr>
+          <p:nvPr>
+            <p:ph type="title"/>
+          </p:nvPr>
+        </p:nvSpPr>
+        <p:spPr/>
+        <p:txBody>
+          <a:bodyPr/>
+          <a:lstStyle/>
+          <a:p>
+            <a:r>
+              <a:rPr lang="de-DE" dirty="0" smtClean="0"/>
+              <a:t>Datenanalyse</a:t>
+            </a:r>
+            <a:endParaRPr lang="de-DE" dirty="0"/>
+          </a:p>
+        </p:txBody>
+      </p:sp>
+      <p:sp>
+        <p:nvSpPr>
+          <p:cNvPr id="3" name="Datumsplatzhalter 2"/>
+          <p:cNvSpPr>
+            <a:spLocks noGrp="1"/>
+          </p:cNvSpPr>
+          <p:nvPr>
+            <p:ph type="dt" sz="half" idx="10"/>
+          </p:nvPr>
+        </p:nvSpPr>
+        <p:spPr/>
+        <p:txBody>
+          <a:bodyPr/>
+          <a:lstStyle/>
+          <a:p>
+            <a:fld id="{D9975B42-5746-47E7-BCC4-BA8FC759085B}" type="datetime1">
+              <a:rPr lang="de-DE" smtClean="0"/>
+              <a:t>20.11.2013</a:t>
+            </a:fld>
+            <a:endParaRPr lang="de-DE"/>
+          </a:p>
+        </p:txBody>
+      </p:sp>
+      <p:sp>
+        <p:nvSpPr>
+          <p:cNvPr id="4" name="Fußzeilenplatzhalter 3"/>
+          <p:cNvSpPr>
+            <a:spLocks noGrp="1"/>
+          </p:cNvSpPr>
+          <p:nvPr>
+            <p:ph type="ftr" sz="quarter" idx="11"/>
+          </p:nvPr>
+        </p:nvSpPr>
+        <p:spPr/>
+        <p:txBody>
+          <a:bodyPr/>
+          <a:lstStyle/>
+          <a:p>
+            <a:r>
+              <a:rPr lang="de-DE" smtClean="0"/>
+              <a:t>Gruppe 3</a:t>
+            </a:r>
+            <a:endParaRPr lang="de-DE"/>
+          </a:p>
+        </p:txBody>
+      </p:sp>
+      <p:sp>
+        <p:nvSpPr>
+          <p:cNvPr id="5" name="Foliennummernplatzhalter 4"/>
+          <p:cNvSpPr>
+            <a:spLocks noGrp="1"/>
+          </p:cNvSpPr>
+          <p:nvPr>
+            <p:ph type="sldNum" sz="quarter" idx="12"/>
+          </p:nvPr>
+        </p:nvSpPr>
+        <p:spPr/>
+        <p:txBody>
+          <a:bodyPr/>
+          <a:lstStyle/>
+          <a:p>
+            <a:fld id="{6C6AE60A-B69C-4790-82F7-3882EDF23186}" type="slidenum">
+              <a:rPr lang="de-DE" smtClean="0"/>
+              <a:t>8</a:t>
+            </a:fld>
+            <a:endParaRPr lang="de-DE"/>
+          </a:p>
+        </p:txBody>
+      </p:sp>
+      <p:sp>
+        <p:nvSpPr>
+          <p:cNvPr id="6" name="Inhaltsplatzhalter 5"/>
+          <p:cNvSpPr>
+            <a:spLocks noGrp="1"/>
+          </p:cNvSpPr>
+          <p:nvPr>
+            <p:ph sz="quarter" idx="1"/>
+          </p:nvPr>
+        </p:nvSpPr>
+        <p:spPr/>
+        <p:txBody>
+          <a:bodyPr/>
+          <a:lstStyle/>
+          <a:p>
+            <a:r>
+              <a:rPr lang="de-DE" dirty="0"/>
+              <a:t>Kategorisierung</a:t>
+            </a:r>
+          </a:p>
+          <a:p>
+            <a:pPr lvl="1"/>
+            <a:r>
+              <a:rPr lang="de-DE" dirty="0" err="1"/>
+              <a:t>LingPipe</a:t>
+            </a:r>
+            <a:endParaRPr lang="de-DE" dirty="0"/>
+          </a:p>
+          <a:p>
+            <a:pPr lvl="1"/>
+            <a:r>
+              <a:rPr lang="de-DE" dirty="0"/>
+              <a:t>Schritte:</a:t>
+            </a:r>
+          </a:p>
+          <a:p>
+            <a:pPr lvl="2"/>
+            <a:r>
+              <a:rPr lang="de-DE" dirty="0"/>
+              <a:t>Lernen</a:t>
+            </a:r>
+          </a:p>
+          <a:p>
+            <a:pPr lvl="2"/>
+            <a:r>
+              <a:rPr lang="de-DE" dirty="0"/>
+              <a:t>Klassifizieren</a:t>
+            </a:r>
+          </a:p>
+          <a:p>
+            <a:pPr lvl="2"/>
+            <a:r>
+              <a:rPr lang="de-DE" dirty="0"/>
+              <a:t>Wegschreiben</a:t>
+            </a:r>
+          </a:p>
+        </p:txBody>
+      </p:sp>
+      <p:pic>
+        <p:nvPicPr>
+          <p:cNvPr id="7" name="Grafik 6"/>
+          <p:cNvPicPr/>
+          <p:nvPr/>
+        </p:nvPicPr>
+        <p:blipFill>
+          <a:blip r:embed="rId2"/>
+          <a:stretch>
+            <a:fillRect/>
+          </a:stretch>
+        </p:blipFill>
+        <p:spPr>
+          <a:xfrm>
+            <a:off x="3131840" y="2664000"/>
+            <a:ext cx="5726320" cy="3435048"/>
+          </a:xfrm>
+          <a:prstGeom prst="rect">
+            <a:avLst/>
+          </a:prstGeom>
+          <a:ln>
+            <a:noFill/>
+          </a:ln>
+        </p:spPr>
+      </p:pic>
+    </p:spTree>
+    <p:extLst>
+      <p:ext uri="{BB962C8B-B14F-4D97-AF65-F5344CB8AC3E}">
+        <p14:creationId xmlns:p14="http://schemas.microsoft.com/office/powerpoint/2010/main" val="2739145297"/>
+      </p:ext>
+    </p:extLst>
+  </p:cSld>
+  <p:clrMapOvr>
+    <a:masterClrMapping/>
+  </p:clrMapOvr>
+</p:sld>
+</file>
+
+<file path=ppt/slides/slide9.xml><?xml version="1.0" encoding="utf-8"?>
+<p:sld xmlns:a="http://schemas.openxmlformats.org/drawingml/2006/main" xmlns:r="http://schemas.openxmlformats.org/officeDocument/2006/relationships" xmlns:p="http://schemas.openxmlformats.org/presentationml/2006/main">
+  <p:cSld>
+    <p:spTree>
+      <p:nvGrpSpPr>
+        <p:cNvPr id="1" name=""/>
+        <p:cNvGrpSpPr/>
+        <p:nvPr/>
+      </p:nvGrpSpPr>
+      <p:grpSpPr>
+        <a:xfrm>
+          <a:off x="0" y="0"/>
+          <a:ext cx="0" cy="0"/>
+          <a:chOff x="0" y="0"/>
+          <a:chExt cx="0" cy="0"/>
+        </a:xfrm>
+      </p:grpSpPr>
+      <p:sp>
+        <p:nvSpPr>
+          <p:cNvPr id="2" name="Titel 1"/>
+          <p:cNvSpPr>
+            <a:spLocks noGrp="1"/>
+          </p:cNvSpPr>
+          <p:nvPr>
+            <p:ph type="title"/>
+          </p:nvPr>
+        </p:nvSpPr>
+        <p:spPr/>
+        <p:txBody>
+          <a:bodyPr/>
+          <a:lstStyle/>
+          <a:p>
+            <a:r>
+              <a:rPr lang="de-DE" dirty="0"/>
+              <a:t>Datenvisualisierung</a:t>
+            </a:r>
+          </a:p>
+        </p:txBody>
+      </p:sp>
+      <p:sp>
+        <p:nvSpPr>
+          <p:cNvPr id="3" name="Inhaltsplatzhalter 2"/>
+          <p:cNvSpPr>
+            <a:spLocks noGrp="1"/>
+          </p:cNvSpPr>
+          <p:nvPr>
+            <p:ph sz="quarter" idx="1"/>
+          </p:nvPr>
+        </p:nvSpPr>
+        <p:spPr/>
+        <p:txBody>
+          <a:bodyPr/>
+          <a:lstStyle/>
+          <a:p>
+            <a:r>
+              <a:rPr lang="de-DE" dirty="0" smtClean="0"/>
+              <a:t>Stand:</a:t>
+            </a:r>
+          </a:p>
+          <a:p>
+            <a:pPr lvl="1"/>
+            <a:r>
+              <a:rPr lang="de-DE" dirty="0" smtClean="0"/>
+              <a:t>Timeline und </a:t>
+            </a:r>
+            <a:r>
+              <a:rPr lang="de-DE" dirty="0" err="1" smtClean="0"/>
+              <a:t>Streamgraph</a:t>
+            </a:r>
+            <a:r>
+              <a:rPr lang="de-DE" dirty="0" smtClean="0"/>
+              <a:t> fertig implementiert</a:t>
+            </a:r>
+          </a:p>
+          <a:p>
+            <a:pPr lvl="1"/>
+            <a:r>
+              <a:rPr lang="de-DE" dirty="0" smtClean="0"/>
+              <a:t>Arbeiten auf aktuellen Daten</a:t>
+            </a:r>
+          </a:p>
+          <a:p>
+            <a:pPr lvl="1"/>
+            <a:r>
+              <a:rPr lang="de-DE" dirty="0" smtClean="0"/>
+              <a:t>Karte und Steuerung (Kategorienauswahl, Zeitbereich) fertig, aber noch nicht integriert</a:t>
+            </a:r>
+          </a:p>
+          <a:p>
+            <a:pPr marL="274320" lvl="1" indent="0">
+              <a:buNone/>
+            </a:pPr>
+            <a:endParaRPr lang="de-DE" dirty="0" smtClean="0"/>
+          </a:p>
+          <a:p>
+            <a:r>
+              <a:rPr lang="de-DE" dirty="0"/>
+              <a:t>A</a:t>
+            </a:r>
+            <a:r>
+              <a:rPr lang="de-DE" dirty="0" smtClean="0"/>
+              <a:t>usblick:</a:t>
+            </a:r>
+            <a:endParaRPr lang="de-DE" dirty="0"/>
+          </a:p>
+          <a:p>
+            <a:pPr lvl="1"/>
+            <a:r>
+              <a:rPr lang="de-DE" dirty="0" smtClean="0"/>
+              <a:t>Integration der Karte in das Benutzerinterface</a:t>
+            </a:r>
+            <a:endParaRPr lang="de-DE" dirty="0"/>
+          </a:p>
+          <a:p>
+            <a:pPr lvl="1"/>
+            <a:r>
+              <a:rPr lang="de-DE" dirty="0" smtClean="0"/>
+              <a:t>Vereinheitlichung und Optimierung der Oberfläche</a:t>
+            </a:r>
+            <a:endParaRPr lang="de-DE" dirty="0"/>
+          </a:p>
+          <a:p>
+            <a:pPr marL="274320" lvl="1" indent="0">
+              <a:buNone/>
+            </a:pPr>
+            <a:endParaRPr lang="de-DE" dirty="0"/>
+          </a:p>
+        </p:txBody>
+      </p:sp>
+      <p:sp>
+        <p:nvSpPr>
+          <p:cNvPr id="4" name="Datumsplatzhalter 3"/>
+          <p:cNvSpPr>
+            <a:spLocks noGrp="1"/>
+          </p:cNvSpPr>
+          <p:nvPr>
+            <p:ph type="dt" sz="half" idx="10"/>
+          </p:nvPr>
+        </p:nvSpPr>
+        <p:spPr/>
+        <p:txBody>
+          <a:bodyPr/>
+          <a:lstStyle/>
+          <a:p>
+            <a:fld id="{3966C404-421C-40EA-858A-C5FCE080FF13}" type="datetime1">
+              <a:rPr lang="de-DE" smtClean="0"/>
+              <a:t>20.11.2013</a:t>
+            </a:fld>
+            <a:endParaRPr lang="de-DE"/>
+          </a:p>
+        </p:txBody>
+      </p:sp>
+      <p:sp>
+        <p:nvSpPr>
+          <p:cNvPr id="5" name="Fußzeilenplatzhalter 4"/>
+          <p:cNvSpPr>
+            <a:spLocks noGrp="1"/>
+          </p:cNvSpPr>
+          <p:nvPr>
+            <p:ph type="ftr" sz="quarter" idx="11"/>
+          </p:nvPr>
+        </p:nvSpPr>
+        <p:spPr/>
+        <p:txBody>
+          <a:bodyPr/>
+          <a:lstStyle/>
+          <a:p>
+            <a:r>
+              <a:rPr lang="de-DE" smtClean="0"/>
+              <a:t>Gruppe 3</a:t>
+            </a:r>
+            <a:endParaRPr lang="de-DE"/>
+          </a:p>
+        </p:txBody>
+      </p:sp>
+      <p:sp>
+        <p:nvSpPr>
+          <p:cNvPr id="6" name="Foliennummernplatzhalter 5"/>
+          <p:cNvSpPr>
+            <a:spLocks noGrp="1"/>
+          </p:cNvSpPr>
+          <p:nvPr>
+            <p:ph type="sldNum" sz="quarter" idx="12"/>
+          </p:nvPr>
+        </p:nvSpPr>
+        <p:spPr/>
+        <p:txBody>
+          <a:bodyPr/>
+          <a:lstStyle/>
+          <a:p>
+            <a:fld id="{6C6AE60A-B69C-4790-82F7-3882EDF23186}" type="slidenum">
+              <a:rPr lang="de-DE" smtClean="0"/>
+              <a:t>9</a:t>
+            </a:fld>
+            <a:endParaRPr lang="de-DE"/>
+          </a:p>
+        </p:txBody>
+      </p:sp>
+    </p:spTree>
+    <p:extLst>
+      <p:ext uri="{BB962C8B-B14F-4D97-AF65-F5344CB8AC3E}">
+        <p14:creationId xmlns:p14="http://schemas.microsoft.com/office/powerpoint/2010/main" val="2447730810"/>
+      </p:ext>
+    </p:extLst>
+  </p:cSld>
+  <p:clrMapOvr>
+    <a:masterClrMapping/>
+  </p:clrMapOvr>
+  <p:timing>
+    <p:tnLst>
+      <p:par>
+        <p:cTn id="1" dur="indefinite" restart="never" nodeType="tmRoot"/>
       </p:par>
     </p:tnLst>
   </p:timing>
